--- a/Creat3D/presentacion/CREAT3D Presentación.pptx
+++ b/Creat3D/presentacion/CREAT3D Presentación.pptx
@@ -19,10 +19,9 @@
     <p:sldId id="267" r:id="rId13"/>
     <p:sldId id="269" r:id="rId14"/>
     <p:sldId id="268" r:id="rId15"/>
-    <p:sldId id="270" r:id="rId16"/>
-    <p:sldId id="271" r:id="rId17"/>
-    <p:sldId id="272" r:id="rId18"/>
-    <p:sldId id="273" r:id="rId19"/>
+    <p:sldId id="271" r:id="rId16"/>
+    <p:sldId id="272" r:id="rId17"/>
+    <p:sldId id="273" r:id="rId18"/>
   </p:sldIdLst>
   <p:sldSz cx="12192000" cy="6858000"/>
   <p:notesSz cx="6858000" cy="9144000"/>
@@ -267,7 +266,7 @@
           <a:p>
             <a:fld id="{40771E8B-6CA5-40B2-8038-0E112F3DAC1C}" type="datetimeFigureOut">
               <a:rPr lang="es-ES" smtClean="0"/>
-              <a:t>28/06/2023</a:t>
+              <a:t>06/09/2023</a:t>
             </a:fld>
             <a:endParaRPr lang="es-ES"/>
           </a:p>
@@ -435,7 +434,7 @@
           <a:p>
             <a:fld id="{40771E8B-6CA5-40B2-8038-0E112F3DAC1C}" type="datetimeFigureOut">
               <a:rPr lang="es-ES" smtClean="0"/>
-              <a:t>28/06/2023</a:t>
+              <a:t>06/09/2023</a:t>
             </a:fld>
             <a:endParaRPr lang="es-ES"/>
           </a:p>
@@ -613,7 +612,7 @@
           <a:p>
             <a:fld id="{40771E8B-6CA5-40B2-8038-0E112F3DAC1C}" type="datetimeFigureOut">
               <a:rPr lang="es-ES" smtClean="0"/>
-              <a:t>28/06/2023</a:t>
+              <a:t>06/09/2023</a:t>
             </a:fld>
             <a:endParaRPr lang="es-ES"/>
           </a:p>
@@ -781,7 +780,7 @@
           <a:p>
             <a:fld id="{40771E8B-6CA5-40B2-8038-0E112F3DAC1C}" type="datetimeFigureOut">
               <a:rPr lang="es-ES" smtClean="0"/>
-              <a:t>28/06/2023</a:t>
+              <a:t>06/09/2023</a:t>
             </a:fld>
             <a:endParaRPr lang="es-ES"/>
           </a:p>
@@ -1026,7 +1025,7 @@
           <a:p>
             <a:fld id="{40771E8B-6CA5-40B2-8038-0E112F3DAC1C}" type="datetimeFigureOut">
               <a:rPr lang="es-ES" smtClean="0"/>
-              <a:t>28/06/2023</a:t>
+              <a:t>06/09/2023</a:t>
             </a:fld>
             <a:endParaRPr lang="es-ES"/>
           </a:p>
@@ -1255,7 +1254,7 @@
           <a:p>
             <a:fld id="{40771E8B-6CA5-40B2-8038-0E112F3DAC1C}" type="datetimeFigureOut">
               <a:rPr lang="es-ES" smtClean="0"/>
-              <a:t>28/06/2023</a:t>
+              <a:t>06/09/2023</a:t>
             </a:fld>
             <a:endParaRPr lang="es-ES"/>
           </a:p>
@@ -1619,7 +1618,7 @@
           <a:p>
             <a:fld id="{40771E8B-6CA5-40B2-8038-0E112F3DAC1C}" type="datetimeFigureOut">
               <a:rPr lang="es-ES" smtClean="0"/>
-              <a:t>28/06/2023</a:t>
+              <a:t>06/09/2023</a:t>
             </a:fld>
             <a:endParaRPr lang="es-ES"/>
           </a:p>
@@ -1736,7 +1735,7 @@
           <a:p>
             <a:fld id="{40771E8B-6CA5-40B2-8038-0E112F3DAC1C}" type="datetimeFigureOut">
               <a:rPr lang="es-ES" smtClean="0"/>
-              <a:t>28/06/2023</a:t>
+              <a:t>06/09/2023</a:t>
             </a:fld>
             <a:endParaRPr lang="es-ES"/>
           </a:p>
@@ -1831,7 +1830,7 @@
           <a:p>
             <a:fld id="{40771E8B-6CA5-40B2-8038-0E112F3DAC1C}" type="datetimeFigureOut">
               <a:rPr lang="es-ES" smtClean="0"/>
-              <a:t>28/06/2023</a:t>
+              <a:t>06/09/2023</a:t>
             </a:fld>
             <a:endParaRPr lang="es-ES"/>
           </a:p>
@@ -2106,7 +2105,7 @@
           <a:p>
             <a:fld id="{40771E8B-6CA5-40B2-8038-0E112F3DAC1C}" type="datetimeFigureOut">
               <a:rPr lang="es-ES" smtClean="0"/>
-              <a:t>28/06/2023</a:t>
+              <a:t>06/09/2023</a:t>
             </a:fld>
             <a:endParaRPr lang="es-ES"/>
           </a:p>
@@ -2358,7 +2357,7 @@
           <a:p>
             <a:fld id="{40771E8B-6CA5-40B2-8038-0E112F3DAC1C}" type="datetimeFigureOut">
               <a:rPr lang="es-ES" smtClean="0"/>
-              <a:t>28/06/2023</a:t>
+              <a:t>06/09/2023</a:t>
             </a:fld>
             <a:endParaRPr lang="es-ES"/>
           </a:p>
@@ -2569,7 +2568,7 @@
           <a:p>
             <a:fld id="{40771E8B-6CA5-40B2-8038-0E112F3DAC1C}" type="datetimeFigureOut">
               <a:rPr lang="es-ES" smtClean="0"/>
-              <a:t>28/06/2023</a:t>
+              <a:t>06/09/2023</a:t>
             </a:fld>
             <a:endParaRPr lang="es-ES"/>
           </a:p>
@@ -3432,18 +3431,25 @@
   <p:clrMapOvr>
     <a:masterClrMapping/>
   </p:clrMapOvr>
-  <mc:AlternateContent xmlns:mc="http://schemas.openxmlformats.org/markup-compatibility/2006" xmlns:p159="http://schemas.microsoft.com/office/powerpoint/2015/09/main">
-    <mc:Choice Requires="p159">
+  <mc:AlternateContent xmlns:mc="http://schemas.openxmlformats.org/markup-compatibility/2006">
+    <mc:Choice xmlns:p159="http://schemas.microsoft.com/office/powerpoint/2015/09/main" xmlns="" Requires="p159">
       <p:transition xmlns:p14="http://schemas.microsoft.com/office/powerpoint/2010/main" spd="slow" p14:dur="2000">
         <p159:morph option="byObject"/>
       </p:transition>
     </mc:Choice>
-    <mc:Fallback xmlns="">
+    <mc:Fallback>
       <p:transition spd="slow">
         <p:fade/>
       </p:transition>
     </mc:Fallback>
   </mc:AlternateContent>
+  <p:timing>
+    <p:tnLst>
+      <p:par>
+        <p:cTn id="1" dur="indefinite" restart="never" nodeType="tmRoot"/>
+      </p:par>
+    </p:tnLst>
+  </p:timing>
 </p:sld>
 </file>
 
@@ -3840,18 +3846,25 @@
   <p:clrMapOvr>
     <a:masterClrMapping/>
   </p:clrMapOvr>
-  <mc:AlternateContent xmlns:mc="http://schemas.openxmlformats.org/markup-compatibility/2006" xmlns:p159="http://schemas.microsoft.com/office/powerpoint/2015/09/main">
-    <mc:Choice Requires="p159">
+  <mc:AlternateContent xmlns:mc="http://schemas.openxmlformats.org/markup-compatibility/2006">
+    <mc:Choice xmlns:p159="http://schemas.microsoft.com/office/powerpoint/2015/09/main" xmlns="" Requires="p159">
       <p:transition xmlns:p14="http://schemas.microsoft.com/office/powerpoint/2010/main" spd="slow" p14:dur="2000">
         <p159:morph option="byObject"/>
       </p:transition>
     </mc:Choice>
-    <mc:Fallback xmlns="">
+    <mc:Fallback>
       <p:transition spd="slow">
         <p:fade/>
       </p:transition>
     </mc:Fallback>
   </mc:AlternateContent>
+  <p:timing>
+    <p:tnLst>
+      <p:par>
+        <p:cTn id="1" dur="indefinite" restart="never" nodeType="tmRoot"/>
+      </p:par>
+    </p:tnLst>
+  </p:timing>
 </p:sld>
 </file>
 
@@ -4212,18 +4225,25 @@
   <p:clrMapOvr>
     <a:masterClrMapping/>
   </p:clrMapOvr>
-  <mc:AlternateContent xmlns:mc="http://schemas.openxmlformats.org/markup-compatibility/2006" xmlns:p159="http://schemas.microsoft.com/office/powerpoint/2015/09/main">
-    <mc:Choice Requires="p159">
+  <mc:AlternateContent xmlns:mc="http://schemas.openxmlformats.org/markup-compatibility/2006">
+    <mc:Choice xmlns:p159="http://schemas.microsoft.com/office/powerpoint/2015/09/main" xmlns="" Requires="p159">
       <p:transition xmlns:p14="http://schemas.microsoft.com/office/powerpoint/2010/main" spd="slow" p14:dur="2000">
         <p159:morph option="byObject"/>
       </p:transition>
     </mc:Choice>
-    <mc:Fallback xmlns="">
+    <mc:Fallback>
       <p:transition spd="slow">
         <p:fade/>
       </p:transition>
     </mc:Fallback>
   </mc:AlternateContent>
+  <p:timing>
+    <p:tnLst>
+      <p:par>
+        <p:cTn id="1" dur="indefinite" restart="never" nodeType="tmRoot"/>
+      </p:par>
+    </p:tnLst>
+  </p:timing>
 </p:sld>
 </file>
 
@@ -4624,18 +4644,25 @@
   <p:clrMapOvr>
     <a:masterClrMapping/>
   </p:clrMapOvr>
-  <mc:AlternateContent xmlns:mc="http://schemas.openxmlformats.org/markup-compatibility/2006" xmlns:p159="http://schemas.microsoft.com/office/powerpoint/2015/09/main">
-    <mc:Choice Requires="p159">
+  <mc:AlternateContent xmlns:mc="http://schemas.openxmlformats.org/markup-compatibility/2006">
+    <mc:Choice xmlns:p159="http://schemas.microsoft.com/office/powerpoint/2015/09/main" xmlns="" Requires="p159">
       <p:transition xmlns:p14="http://schemas.microsoft.com/office/powerpoint/2010/main" spd="slow" p14:dur="2000">
         <p159:morph option="byObject"/>
       </p:transition>
     </mc:Choice>
-    <mc:Fallback xmlns="">
+    <mc:Fallback>
       <p:transition spd="slow">
         <p:fade/>
       </p:transition>
     </mc:Fallback>
   </mc:AlternateContent>
+  <p:timing>
+    <p:tnLst>
+      <p:par>
+        <p:cTn id="1" dur="indefinite" restart="never" nodeType="tmRoot"/>
+      </p:par>
+    </p:tnLst>
+  </p:timing>
 </p:sld>
 </file>
 
@@ -4989,22 +5016,1745 @@
   <p:clrMapOvr>
     <a:masterClrMapping/>
   </p:clrMapOvr>
-  <mc:AlternateContent xmlns:mc="http://schemas.openxmlformats.org/markup-compatibility/2006" xmlns:p159="http://schemas.microsoft.com/office/powerpoint/2015/09/main">
-    <mc:Choice Requires="p159">
+  <mc:AlternateContent xmlns:mc="http://schemas.openxmlformats.org/markup-compatibility/2006">
+    <mc:Choice xmlns:p159="http://schemas.microsoft.com/office/powerpoint/2015/09/main" xmlns="" Requires="p159">
       <p:transition xmlns:p14="http://schemas.microsoft.com/office/powerpoint/2010/main" spd="slow" p14:dur="2000">
         <p159:morph option="byObject"/>
       </p:transition>
     </mc:Choice>
-    <mc:Fallback xmlns="">
+    <mc:Fallback>
       <p:transition spd="slow">
         <p:fade/>
       </p:transition>
     </mc:Fallback>
   </mc:AlternateContent>
+  <p:timing>
+    <p:tnLst>
+      <p:par>
+        <p:cTn id="1" dur="indefinite" restart="never" nodeType="tmRoot"/>
+      </p:par>
+    </p:tnLst>
+  </p:timing>
 </p:sld>
 </file>
 
 <file path=ppt/slides/slide14.xml><?xml version="1.0" encoding="utf-8"?>
+<p:sld xmlns:a="http://schemas.openxmlformats.org/drawingml/2006/main" xmlns:r="http://schemas.openxmlformats.org/officeDocument/2006/relationships" xmlns:p="http://schemas.openxmlformats.org/presentationml/2006/main">
+  <p:cSld>
+    <p:bg>
+      <p:bgPr>
+        <a:gradFill>
+          <a:gsLst>
+            <a:gs pos="100000">
+              <a:srgbClr val="B540E4"/>
+            </a:gs>
+            <a:gs pos="0">
+              <a:schemeClr val="bg1"/>
+            </a:gs>
+            <a:gs pos="0">
+              <a:schemeClr val="bg1"/>
+            </a:gs>
+            <a:gs pos="0">
+              <a:schemeClr val="bg1"/>
+            </a:gs>
+            <a:gs pos="0">
+              <a:schemeClr val="bg1"/>
+            </a:gs>
+          </a:gsLst>
+          <a:lin ang="5400000" scaled="1"/>
+        </a:gradFill>
+        <a:effectLst/>
+      </p:bgPr>
+    </p:bg>
+    <p:spTree>
+      <p:nvGrpSpPr>
+        <p:cNvPr id="1" name=""/>
+        <p:cNvGrpSpPr/>
+        <p:nvPr/>
+      </p:nvGrpSpPr>
+      <p:grpSpPr>
+        <a:xfrm>
+          <a:off x="0" y="0"/>
+          <a:ext cx="0" cy="0"/>
+          <a:chOff x="0" y="0"/>
+          <a:chExt cx="0" cy="0"/>
+        </a:xfrm>
+      </p:grpSpPr>
+      <p:sp>
+        <p:nvSpPr>
+          <p:cNvPr id="3" name="CuadroTexto 2">
+            <a:extLst>
+              <a:ext uri="{FF2B5EF4-FFF2-40B4-BE49-F238E27FC236}">
+                <a16:creationId xmlns:a16="http://schemas.microsoft.com/office/drawing/2014/main" id="{435117D7-FB96-9828-85E2-9250BB3DE7F8}"/>
+              </a:ext>
+            </a:extLst>
+          </p:cNvPr>
+          <p:cNvSpPr txBox="1"/>
+          <p:nvPr/>
+        </p:nvSpPr>
+        <p:spPr>
+          <a:xfrm>
+            <a:off x="3266654" y="-4031653"/>
+            <a:ext cx="6350599" cy="830997"/>
+          </a:xfrm>
+          <a:prstGeom prst="rect">
+            <a:avLst/>
+          </a:prstGeom>
+          <a:noFill/>
+        </p:spPr>
+        <p:txBody>
+          <a:bodyPr rot="0" spcFirstLastPara="0" vertOverflow="overflow" horzOverflow="overflow" vert="horz" wrap="square" lIns="91440" tIns="45720" rIns="91440" bIns="45720" numCol="1" spcCol="0" rtlCol="0" fromWordArt="0" anchor="t" anchorCtr="0" forceAA="0" compatLnSpc="1">
+            <a:prstTxWarp prst="textNoShape">
+              <a:avLst/>
+            </a:prstTxWarp>
+            <a:spAutoFit/>
+          </a:bodyPr>
+          <a:lstStyle/>
+          <a:p>
+            <a:r>
+              <a:rPr lang="es-ES" sz="4800" dirty="0" err="1">
+                <a:solidFill>
+                  <a:schemeClr val="bg1"/>
+                </a:solidFill>
+                <a:latin typeface="HGGothicE"/>
+                <a:ea typeface="HGGothicE"/>
+                <a:cs typeface="Calibri"/>
+              </a:rPr>
+              <a:t>Mock</a:t>
+            </a:r>
+            <a:r>
+              <a:rPr lang="es-ES" sz="4800" dirty="0">
+                <a:solidFill>
+                  <a:schemeClr val="bg1"/>
+                </a:solidFill>
+                <a:latin typeface="HGGothicE"/>
+                <a:ea typeface="HGGothicE"/>
+                <a:cs typeface="Calibri"/>
+              </a:rPr>
+              <a:t>-Ups de la Web</a:t>
+            </a:r>
+          </a:p>
+        </p:txBody>
+      </p:sp>
+      <p:pic>
+        <p:nvPicPr>
+          <p:cNvPr id="6" name="Imagen 9" descr="Interfaz de usuario gráfica, Texto, Aplicación, Chat o mensaje de texto&#10;&#10;Descripción generada automáticamente">
+            <a:extLst>
+              <a:ext uri="{FF2B5EF4-FFF2-40B4-BE49-F238E27FC236}">
+                <a16:creationId xmlns:a16="http://schemas.microsoft.com/office/drawing/2014/main" id="{F1301757-BEBF-4DCF-DEF6-78A0F3AB10D3}"/>
+              </a:ext>
+            </a:extLst>
+          </p:cNvPr>
+          <p:cNvPicPr>
+            <a:picLocks noChangeAspect="1"/>
+          </p:cNvPicPr>
+          <p:nvPr/>
+        </p:nvPicPr>
+        <p:blipFill>
+          <a:blip r:embed="rId2"/>
+          <a:stretch>
+            <a:fillRect/>
+          </a:stretch>
+        </p:blipFill>
+        <p:spPr>
+          <a:xfrm>
+            <a:off x="-22017486" y="2478817"/>
+            <a:ext cx="6970143" cy="3194328"/>
+          </a:xfrm>
+          <a:prstGeom prst="rect">
+            <a:avLst/>
+          </a:prstGeom>
+          <a:ln w="228600" cap="sq" cmpd="thickThin">
+            <a:solidFill>
+              <a:srgbClr val="000000"/>
+            </a:solidFill>
+            <a:prstDash val="solid"/>
+            <a:miter lim="800000"/>
+          </a:ln>
+          <a:effectLst>
+            <a:innerShdw blurRad="76200">
+              <a:srgbClr val="000000"/>
+            </a:innerShdw>
+          </a:effectLst>
+        </p:spPr>
+      </p:pic>
+      <p:sp>
+        <p:nvSpPr>
+          <p:cNvPr id="10" name="CuadroTexto 9">
+            <a:extLst>
+              <a:ext uri="{FF2B5EF4-FFF2-40B4-BE49-F238E27FC236}">
+                <a16:creationId xmlns:a16="http://schemas.microsoft.com/office/drawing/2014/main" id="{B90020A9-B213-4EA0-8639-8CD2BB4CF24D}"/>
+              </a:ext>
+            </a:extLst>
+          </p:cNvPr>
+          <p:cNvSpPr txBox="1"/>
+          <p:nvPr/>
+        </p:nvSpPr>
+        <p:spPr>
+          <a:xfrm>
+            <a:off x="19993153" y="2975610"/>
+            <a:ext cx="2829464" cy="1569660"/>
+          </a:xfrm>
+          <a:prstGeom prst="rect">
+            <a:avLst/>
+          </a:prstGeom>
+          <a:noFill/>
+        </p:spPr>
+        <p:txBody>
+          <a:bodyPr rot="0" spcFirstLastPara="0" vertOverflow="overflow" horzOverflow="overflow" vert="horz" wrap="square" lIns="91440" tIns="45720" rIns="91440" bIns="45720" numCol="1" spcCol="0" rtlCol="0" fromWordArt="0" anchor="t" anchorCtr="0" forceAA="0" compatLnSpc="1">
+            <a:prstTxWarp prst="textNoShape">
+              <a:avLst/>
+            </a:prstTxWarp>
+            <a:spAutoFit/>
+          </a:bodyPr>
+          <a:lstStyle/>
+          <a:p>
+            <a:r>
+              <a:rPr lang="es-ES" sz="4800" dirty="0">
+                <a:solidFill>
+                  <a:srgbClr val="FFFFFF"/>
+                </a:solidFill>
+                <a:latin typeface="HGGothicE"/>
+              </a:rPr>
+              <a:t>Vista de Modelo</a:t>
+            </a:r>
+            <a:endParaRPr lang="es-ES" sz="4800" dirty="0">
+              <a:solidFill>
+                <a:srgbClr val="FFFFFF"/>
+              </a:solidFill>
+              <a:latin typeface="HGGothicE"/>
+              <a:ea typeface="HGGothicE"/>
+            </a:endParaRPr>
+          </a:p>
+        </p:txBody>
+      </p:sp>
+      <p:sp>
+        <p:nvSpPr>
+          <p:cNvPr id="16" name="CuadroTexto 15">
+            <a:extLst>
+              <a:ext uri="{FF2B5EF4-FFF2-40B4-BE49-F238E27FC236}">
+                <a16:creationId xmlns:a16="http://schemas.microsoft.com/office/drawing/2014/main" id="{A6023817-B4BB-BB32-80F5-20F345775C1B}"/>
+              </a:ext>
+            </a:extLst>
+          </p:cNvPr>
+          <p:cNvSpPr txBox="1"/>
+          <p:nvPr/>
+        </p:nvSpPr>
+        <p:spPr>
+          <a:xfrm>
+            <a:off x="5022000" y="4536209"/>
+            <a:ext cx="2135419" cy="369332"/>
+          </a:xfrm>
+          <a:prstGeom prst="rect">
+            <a:avLst/>
+          </a:prstGeom>
+          <a:noFill/>
+        </p:spPr>
+        <p:txBody>
+          <a:bodyPr rot="0" spcFirstLastPara="0" vertOverflow="overflow" horzOverflow="overflow" vert="horz" wrap="square" lIns="91440" tIns="45720" rIns="91440" bIns="45720" numCol="1" spcCol="0" rtlCol="0" fromWordArt="0" anchor="t" anchorCtr="0" forceAA="0" compatLnSpc="1">
+            <a:prstTxWarp prst="textNoShape">
+              <a:avLst/>
+            </a:prstTxWarp>
+            <a:spAutoFit/>
+          </a:bodyPr>
+          <a:lstStyle/>
+          <a:p>
+            <a:r>
+              <a:rPr lang="es-ES" dirty="0">
+                <a:solidFill>
+                  <a:schemeClr val="bg1"/>
+                </a:solidFill>
+                <a:latin typeface="HGGothicE"/>
+                <a:ea typeface="HGGothicE"/>
+                <a:cs typeface="Calibri"/>
+              </a:rPr>
+              <a:t>¿Quiénes somos?</a:t>
+            </a:r>
+            <a:endParaRPr lang="es-ES" dirty="0">
+              <a:solidFill>
+                <a:schemeClr val="bg1"/>
+              </a:solidFill>
+            </a:endParaRPr>
+          </a:p>
+        </p:txBody>
+      </p:sp>
+      <p:pic>
+        <p:nvPicPr>
+          <p:cNvPr id="17" name="Imagen 17">
+            <a:extLst>
+              <a:ext uri="{FF2B5EF4-FFF2-40B4-BE49-F238E27FC236}">
+                <a16:creationId xmlns:a16="http://schemas.microsoft.com/office/drawing/2014/main" id="{2DB60CA5-329A-3229-1C65-B10C7606280C}"/>
+              </a:ext>
+            </a:extLst>
+          </p:cNvPr>
+          <p:cNvPicPr>
+            <a:picLocks noChangeAspect="1"/>
+          </p:cNvPicPr>
+          <p:nvPr/>
+        </p:nvPicPr>
+        <p:blipFill>
+          <a:blip r:embed="rId3"/>
+          <a:stretch>
+            <a:fillRect/>
+          </a:stretch>
+        </p:blipFill>
+        <p:spPr>
+          <a:xfrm>
+            <a:off x="-4290204" y="1137249"/>
+            <a:ext cx="2297502" cy="2297502"/>
+          </a:xfrm>
+          <a:prstGeom prst="ellipse">
+            <a:avLst/>
+          </a:prstGeom>
+          <a:ln w="63500" cap="rnd">
+            <a:solidFill>
+              <a:srgbClr val="333333"/>
+            </a:solidFill>
+          </a:ln>
+          <a:effectLst>
+            <a:outerShdw blurRad="381000" dist="292100" dir="5400000" sx="-80000" sy="-18000" rotWithShape="0">
+              <a:srgbClr val="000000">
+                <a:alpha val="22000"/>
+              </a:srgbClr>
+            </a:outerShdw>
+          </a:effectLst>
+          <a:scene3d>
+            <a:camera prst="orthographicFront"/>
+            <a:lightRig rig="contrasting" dir="t">
+              <a:rot lat="0" lon="0" rev="3000000"/>
+            </a:lightRig>
+          </a:scene3d>
+          <a:sp3d contourW="7620">
+            <a:bevelT w="95250" h="31750"/>
+            <a:contourClr>
+              <a:srgbClr val="333333"/>
+            </a:contourClr>
+          </a:sp3d>
+        </p:spPr>
+      </p:pic>
+      <p:sp>
+        <p:nvSpPr>
+          <p:cNvPr id="18" name="CuadroTexto 17">
+            <a:extLst>
+              <a:ext uri="{FF2B5EF4-FFF2-40B4-BE49-F238E27FC236}">
+                <a16:creationId xmlns:a16="http://schemas.microsoft.com/office/drawing/2014/main" id="{D4B11775-B1EC-29FA-05DE-44E4B817FFC1}"/>
+              </a:ext>
+            </a:extLst>
+          </p:cNvPr>
+          <p:cNvSpPr txBox="1"/>
+          <p:nvPr/>
+        </p:nvSpPr>
+        <p:spPr>
+          <a:xfrm>
+            <a:off x="-5230365" y="3516461"/>
+            <a:ext cx="4165241" cy="830997"/>
+          </a:xfrm>
+          <a:prstGeom prst="rect">
+            <a:avLst/>
+          </a:prstGeom>
+          <a:noFill/>
+        </p:spPr>
+        <p:txBody>
+          <a:bodyPr rot="0" spcFirstLastPara="0" vertOverflow="overflow" horzOverflow="overflow" vert="horz" wrap="square" lIns="91440" tIns="45720" rIns="91440" bIns="45720" numCol="1" spcCol="0" rtlCol="0" fromWordArt="0" anchor="t" anchorCtr="0" forceAA="0" compatLnSpc="1">
+            <a:prstTxWarp prst="textNoShape">
+              <a:avLst/>
+            </a:prstTxWarp>
+            <a:spAutoFit/>
+          </a:bodyPr>
+          <a:lstStyle/>
+          <a:p>
+            <a:r>
+              <a:rPr lang="es-ES" sz="4800" dirty="0">
+                <a:solidFill>
+                  <a:schemeClr val="bg1"/>
+                </a:solidFill>
+                <a:latin typeface="HGGothicE"/>
+                <a:ea typeface="HGGothicE"/>
+                <a:cs typeface="Calibri"/>
+              </a:rPr>
+              <a:t>Lautaro Jerez</a:t>
+            </a:r>
+          </a:p>
+        </p:txBody>
+      </p:sp>
+      <p:sp>
+        <p:nvSpPr>
+          <p:cNvPr id="19" name="CuadroTexto 18">
+            <a:extLst>
+              <a:ext uri="{FF2B5EF4-FFF2-40B4-BE49-F238E27FC236}">
+                <a16:creationId xmlns:a16="http://schemas.microsoft.com/office/drawing/2014/main" id="{67AFCFD6-453D-4C1E-9815-42E9DF433683}"/>
+              </a:ext>
+            </a:extLst>
+          </p:cNvPr>
+          <p:cNvSpPr txBox="1"/>
+          <p:nvPr/>
+        </p:nvSpPr>
+        <p:spPr>
+          <a:xfrm>
+            <a:off x="-3978227" y="4334925"/>
+            <a:ext cx="1660967" cy="383709"/>
+          </a:xfrm>
+          <a:prstGeom prst="rect">
+            <a:avLst/>
+          </a:prstGeom>
+          <a:noFill/>
+        </p:spPr>
+        <p:txBody>
+          <a:bodyPr rot="0" spcFirstLastPara="0" vertOverflow="overflow" horzOverflow="overflow" vert="horz" wrap="square" lIns="91440" tIns="45720" rIns="91440" bIns="45720" numCol="1" spcCol="0" rtlCol="0" fromWordArt="0" anchor="t" anchorCtr="0" forceAA="0" compatLnSpc="1">
+            <a:prstTxWarp prst="textNoShape">
+              <a:avLst/>
+            </a:prstTxWarp>
+            <a:spAutoFit/>
+          </a:bodyPr>
+          <a:lstStyle/>
+          <a:p>
+            <a:r>
+              <a:rPr lang="es-ES" dirty="0">
+                <a:solidFill>
+                  <a:schemeClr val="bg1"/>
+                </a:solidFill>
+                <a:latin typeface="HGGothicE"/>
+                <a:ea typeface="HGGothicE"/>
+                <a:cs typeface="Calibri"/>
+              </a:rPr>
+              <a:t>Scrum Master</a:t>
+            </a:r>
+          </a:p>
+        </p:txBody>
+      </p:sp>
+      <p:pic>
+        <p:nvPicPr>
+          <p:cNvPr id="23" name="Imagen 17" descr="Hombre sonriendo con lentes&#10;&#10;Descripción generada automáticamente">
+            <a:extLst>
+              <a:ext uri="{FF2B5EF4-FFF2-40B4-BE49-F238E27FC236}">
+                <a16:creationId xmlns:a16="http://schemas.microsoft.com/office/drawing/2014/main" id="{BF89FB0A-201F-E207-48F0-C889062D319E}"/>
+              </a:ext>
+            </a:extLst>
+          </p:cNvPr>
+          <p:cNvPicPr>
+            <a:picLocks noChangeAspect="1"/>
+          </p:cNvPicPr>
+          <p:nvPr/>
+        </p:nvPicPr>
+        <p:blipFill rotWithShape="1">
+          <a:blip r:embed="rId4"/>
+          <a:srcRect t="44561" r="625" b="-840"/>
+          <a:stretch/>
+        </p:blipFill>
+        <p:spPr>
+          <a:xfrm>
+            <a:off x="15348615" y="1137249"/>
+            <a:ext cx="2283143" cy="2298670"/>
+          </a:xfrm>
+          <a:prstGeom prst="ellipse">
+            <a:avLst/>
+          </a:prstGeom>
+          <a:ln w="63500" cap="rnd">
+            <a:solidFill>
+              <a:srgbClr val="333333"/>
+            </a:solidFill>
+          </a:ln>
+          <a:effectLst>
+            <a:outerShdw blurRad="381000" dist="292100" dir="5400000" sx="-80000" sy="-18000" rotWithShape="0">
+              <a:srgbClr val="000000">
+                <a:alpha val="22000"/>
+              </a:srgbClr>
+            </a:outerShdw>
+          </a:effectLst>
+          <a:scene3d>
+            <a:camera prst="orthographicFront"/>
+            <a:lightRig rig="contrasting" dir="t">
+              <a:rot lat="0" lon="0" rev="3000000"/>
+            </a:lightRig>
+          </a:scene3d>
+          <a:sp3d contourW="7620">
+            <a:bevelT w="95250" h="31750"/>
+            <a:contourClr>
+              <a:srgbClr val="333333"/>
+            </a:contourClr>
+          </a:sp3d>
+        </p:spPr>
+      </p:pic>
+      <p:sp>
+        <p:nvSpPr>
+          <p:cNvPr id="24" name="CuadroTexto 23">
+            <a:extLst>
+              <a:ext uri="{FF2B5EF4-FFF2-40B4-BE49-F238E27FC236}">
+                <a16:creationId xmlns:a16="http://schemas.microsoft.com/office/drawing/2014/main" id="{D4174A19-C072-00D3-2BE2-63422F631395}"/>
+              </a:ext>
+            </a:extLst>
+          </p:cNvPr>
+          <p:cNvSpPr txBox="1"/>
+          <p:nvPr/>
+        </p:nvSpPr>
+        <p:spPr>
+          <a:xfrm>
+            <a:off x="14207171" y="3516462"/>
+            <a:ext cx="4553429" cy="830997"/>
+          </a:xfrm>
+          <a:prstGeom prst="rect">
+            <a:avLst/>
+          </a:prstGeom>
+          <a:noFill/>
+        </p:spPr>
+        <p:txBody>
+          <a:bodyPr rot="0" spcFirstLastPara="0" vertOverflow="overflow" horzOverflow="overflow" vert="horz" wrap="square" lIns="91440" tIns="45720" rIns="91440" bIns="45720" numCol="1" spcCol="0" rtlCol="0" fromWordArt="0" anchor="t" anchorCtr="0" forceAA="0" compatLnSpc="1">
+            <a:prstTxWarp prst="textNoShape">
+              <a:avLst/>
+            </a:prstTxWarp>
+            <a:spAutoFit/>
+          </a:bodyPr>
+          <a:lstStyle/>
+          <a:p>
+            <a:r>
+              <a:rPr lang="es-ES" sz="4800" dirty="0">
+                <a:solidFill>
+                  <a:schemeClr val="bg1"/>
+                </a:solidFill>
+                <a:latin typeface="HGGothicE"/>
+                <a:ea typeface="HGGothicE"/>
+                <a:cs typeface="Calibri"/>
+              </a:rPr>
+              <a:t>Fausto Gallego</a:t>
+            </a:r>
+            <a:endParaRPr lang="es-ES" dirty="0">
+              <a:solidFill>
+                <a:schemeClr val="bg1"/>
+              </a:solidFill>
+            </a:endParaRPr>
+          </a:p>
+        </p:txBody>
+      </p:sp>
+      <p:sp>
+        <p:nvSpPr>
+          <p:cNvPr id="25" name="CuadroTexto 24">
+            <a:extLst>
+              <a:ext uri="{FF2B5EF4-FFF2-40B4-BE49-F238E27FC236}">
+                <a16:creationId xmlns:a16="http://schemas.microsoft.com/office/drawing/2014/main" id="{FF29ABBC-92F9-E0FF-6D46-DC5F083B403A}"/>
+              </a:ext>
+            </a:extLst>
+          </p:cNvPr>
+          <p:cNvSpPr txBox="1"/>
+          <p:nvPr/>
+        </p:nvSpPr>
+        <p:spPr>
+          <a:xfrm>
+            <a:off x="15128630" y="4363680"/>
+            <a:ext cx="2710514" cy="369332"/>
+          </a:xfrm>
+          <a:prstGeom prst="rect">
+            <a:avLst/>
+          </a:prstGeom>
+          <a:noFill/>
+        </p:spPr>
+        <p:txBody>
+          <a:bodyPr rot="0" spcFirstLastPara="0" vertOverflow="overflow" horzOverflow="overflow" vert="horz" wrap="square" lIns="91440" tIns="45720" rIns="91440" bIns="45720" numCol="1" spcCol="0" rtlCol="0" fromWordArt="0" anchor="t" anchorCtr="0" forceAA="0" compatLnSpc="1">
+            <a:prstTxWarp prst="textNoShape">
+              <a:avLst/>
+            </a:prstTxWarp>
+            <a:spAutoFit/>
+          </a:bodyPr>
+          <a:lstStyle/>
+          <a:p>
+            <a:r>
+              <a:rPr lang="es-ES" dirty="0">
+                <a:solidFill>
+                  <a:schemeClr val="bg1"/>
+                </a:solidFill>
+                <a:latin typeface="HGGothicE"/>
+                <a:ea typeface="HGGothicE"/>
+                <a:cs typeface="Calibri"/>
+              </a:rPr>
+              <a:t>Sub-Scrum y Dev </a:t>
+            </a:r>
+            <a:r>
+              <a:rPr lang="es-ES" dirty="0" err="1">
+                <a:solidFill>
+                  <a:schemeClr val="bg1"/>
+                </a:solidFill>
+                <a:latin typeface="HGGothicE"/>
+                <a:ea typeface="HGGothicE"/>
+                <a:cs typeface="Calibri"/>
+              </a:rPr>
+              <a:t>Team</a:t>
+            </a:r>
+          </a:p>
+        </p:txBody>
+      </p:sp>
+      <p:pic>
+        <p:nvPicPr>
+          <p:cNvPr id="14" name="Imagen 13" descr="Imagen que contiene objeto, reloj, monitor, dibujo&#10;&#10;Descripción generada automáticamente">
+            <a:extLst>
+              <a:ext uri="{FF2B5EF4-FFF2-40B4-BE49-F238E27FC236}">
+                <a16:creationId xmlns:a16="http://schemas.microsoft.com/office/drawing/2014/main" id="{48C98760-33C3-B824-F897-E9893D62E8D7}"/>
+              </a:ext>
+            </a:extLst>
+          </p:cNvPr>
+          <p:cNvPicPr>
+            <a:picLocks noChangeAspect="1"/>
+          </p:cNvPicPr>
+          <p:nvPr/>
+        </p:nvPicPr>
+        <p:blipFill>
+          <a:blip r:embed="rId5"/>
+          <a:stretch>
+            <a:fillRect/>
+          </a:stretch>
+        </p:blipFill>
+        <p:spPr>
+          <a:xfrm>
+            <a:off x="631811" y="2514329"/>
+            <a:ext cx="10943522" cy="1822396"/>
+          </a:xfrm>
+          <a:prstGeom prst="rect">
+            <a:avLst/>
+          </a:prstGeom>
+          <a:noFill/>
+        </p:spPr>
+      </p:pic>
+    </p:spTree>
+    <p:extLst>
+      <p:ext uri="{BB962C8B-B14F-4D97-AF65-F5344CB8AC3E}">
+        <p14:creationId xmlns:p14="http://schemas.microsoft.com/office/powerpoint/2010/main" val="3575554688"/>
+      </p:ext>
+    </p:extLst>
+  </p:cSld>
+  <p:clrMapOvr>
+    <a:masterClrMapping/>
+  </p:clrMapOvr>
+  <mc:AlternateContent xmlns:mc="http://schemas.openxmlformats.org/markup-compatibility/2006">
+    <mc:Choice xmlns:p159="http://schemas.microsoft.com/office/powerpoint/2015/09/main" xmlns="" Requires="p159">
+      <p:transition xmlns:p14="http://schemas.microsoft.com/office/powerpoint/2010/main" spd="slow" p14:dur="2000">
+        <p159:morph option="byObject"/>
+      </p:transition>
+    </mc:Choice>
+    <mc:Fallback>
+      <p:transition spd="slow">
+        <p:fade/>
+      </p:transition>
+    </mc:Fallback>
+  </mc:AlternateContent>
+  <p:timing>
+    <p:tnLst>
+      <p:par>
+        <p:cTn id="1" dur="indefinite" restart="never" nodeType="tmRoot"/>
+      </p:par>
+    </p:tnLst>
+  </p:timing>
+</p:sld>
+</file>
+
+<file path=ppt/slides/slide15.xml><?xml version="1.0" encoding="utf-8"?>
+<p:sld xmlns:a="http://schemas.openxmlformats.org/drawingml/2006/main" xmlns:r="http://schemas.openxmlformats.org/officeDocument/2006/relationships" xmlns:p="http://schemas.openxmlformats.org/presentationml/2006/main">
+  <p:cSld>
+    <p:bg>
+      <p:bgPr>
+        <a:solidFill>
+          <a:schemeClr val="accent2">
+            <a:lumMod val="40000"/>
+            <a:lumOff val="60000"/>
+          </a:schemeClr>
+        </a:solidFill>
+        <a:effectLst/>
+      </p:bgPr>
+    </p:bg>
+    <p:spTree>
+      <p:nvGrpSpPr>
+        <p:cNvPr id="1" name=""/>
+        <p:cNvGrpSpPr/>
+        <p:nvPr/>
+      </p:nvGrpSpPr>
+      <p:grpSpPr>
+        <a:xfrm>
+          <a:off x="0" y="0"/>
+          <a:ext cx="0" cy="0"/>
+          <a:chOff x="0" y="0"/>
+          <a:chExt cx="0" cy="0"/>
+        </a:xfrm>
+      </p:grpSpPr>
+      <p:pic>
+        <p:nvPicPr>
+          <p:cNvPr id="4" name="Imagen 17">
+            <a:extLst>
+              <a:ext uri="{FF2B5EF4-FFF2-40B4-BE49-F238E27FC236}">
+                <a16:creationId xmlns:a16="http://schemas.microsoft.com/office/drawing/2014/main" id="{646F5548-A648-3DB2-CD6C-344A7A461525}"/>
+              </a:ext>
+            </a:extLst>
+          </p:cNvPr>
+          <p:cNvPicPr>
+            <a:picLocks noChangeAspect="1"/>
+          </p:cNvPicPr>
+          <p:nvPr/>
+        </p:nvPicPr>
+        <p:blipFill>
+          <a:blip r:embed="rId2"/>
+          <a:stretch>
+            <a:fillRect/>
+          </a:stretch>
+        </p:blipFill>
+        <p:spPr>
+          <a:xfrm>
+            <a:off x="4787922" y="2948272"/>
+            <a:ext cx="1420484" cy="1449237"/>
+          </a:xfrm>
+          <a:prstGeom prst="ellipse">
+            <a:avLst/>
+          </a:prstGeom>
+          <a:ln w="63500" cap="rnd">
+            <a:solidFill>
+              <a:srgbClr val="333333"/>
+            </a:solidFill>
+          </a:ln>
+          <a:effectLst>
+            <a:outerShdw blurRad="381000" dist="292100" dir="5400000" sx="-80000" sy="-18000" rotWithShape="0">
+              <a:srgbClr val="000000">
+                <a:alpha val="22000"/>
+              </a:srgbClr>
+            </a:outerShdw>
+          </a:effectLst>
+          <a:scene3d>
+            <a:camera prst="orthographicFront"/>
+            <a:lightRig rig="contrasting" dir="t">
+              <a:rot lat="0" lon="0" rev="3000000"/>
+            </a:lightRig>
+          </a:scene3d>
+          <a:sp3d contourW="7620">
+            <a:bevelT w="95250" h="31750"/>
+            <a:contourClr>
+              <a:srgbClr val="333333"/>
+            </a:contourClr>
+          </a:sp3d>
+        </p:spPr>
+      </p:pic>
+      <p:sp>
+        <p:nvSpPr>
+          <p:cNvPr id="7" name="CuadroTexto 6">
+            <a:extLst>
+              <a:ext uri="{FF2B5EF4-FFF2-40B4-BE49-F238E27FC236}">
+                <a16:creationId xmlns:a16="http://schemas.microsoft.com/office/drawing/2014/main" id="{25BDE52D-C637-DEF7-961E-B4F98AE06ACA}"/>
+              </a:ext>
+            </a:extLst>
+          </p:cNvPr>
+          <p:cNvSpPr txBox="1"/>
+          <p:nvPr/>
+        </p:nvSpPr>
+        <p:spPr>
+          <a:xfrm>
+            <a:off x="4652893" y="4465366"/>
+            <a:ext cx="1677958" cy="369332"/>
+          </a:xfrm>
+          <a:prstGeom prst="rect">
+            <a:avLst/>
+          </a:prstGeom>
+          <a:noFill/>
+        </p:spPr>
+        <p:txBody>
+          <a:bodyPr rot="0" spcFirstLastPara="0" vertOverflow="overflow" horzOverflow="overflow" vert="horz" wrap="square" lIns="91440" tIns="45720" rIns="91440" bIns="45720" numCol="1" spcCol="0" rtlCol="0" fromWordArt="0" anchor="t" anchorCtr="0" forceAA="0" compatLnSpc="1">
+            <a:prstTxWarp prst="textNoShape">
+              <a:avLst/>
+            </a:prstTxWarp>
+            <a:spAutoFit/>
+          </a:bodyPr>
+          <a:lstStyle/>
+          <a:p>
+            <a:r>
+              <a:rPr lang="es-ES" dirty="0">
+                <a:latin typeface="HGGothicE"/>
+                <a:ea typeface="HGGothicE"/>
+                <a:cs typeface="Calibri"/>
+              </a:rPr>
+              <a:t>Lautaro Jerez</a:t>
+            </a:r>
+          </a:p>
+        </p:txBody>
+      </p:sp>
+      <p:sp>
+        <p:nvSpPr>
+          <p:cNvPr id="9" name="CuadroTexto 8">
+            <a:extLst>
+              <a:ext uri="{FF2B5EF4-FFF2-40B4-BE49-F238E27FC236}">
+                <a16:creationId xmlns:a16="http://schemas.microsoft.com/office/drawing/2014/main" id="{96C080B1-1B18-5C64-FC1D-9EF34947E6BD}"/>
+              </a:ext>
+            </a:extLst>
+          </p:cNvPr>
+          <p:cNvSpPr txBox="1"/>
+          <p:nvPr/>
+        </p:nvSpPr>
+        <p:spPr>
+          <a:xfrm>
+            <a:off x="4697333" y="4823754"/>
+            <a:ext cx="1574703" cy="646331"/>
+          </a:xfrm>
+          <a:prstGeom prst="rect">
+            <a:avLst/>
+          </a:prstGeom>
+          <a:noFill/>
+        </p:spPr>
+        <p:txBody>
+          <a:bodyPr rot="0" spcFirstLastPara="0" vertOverflow="overflow" horzOverflow="overflow" vert="horz" wrap="square" lIns="91440" tIns="45720" rIns="91440" bIns="45720" numCol="1" spcCol="0" rtlCol="0" fromWordArt="0" anchor="t" anchorCtr="0" forceAA="0" compatLnSpc="1">
+            <a:prstTxWarp prst="textNoShape">
+              <a:avLst/>
+            </a:prstTxWarp>
+            <a:spAutoFit/>
+          </a:bodyPr>
+          <a:lstStyle/>
+          <a:p>
+            <a:r>
+              <a:rPr lang="es-ES" dirty="0">
+                <a:latin typeface="HGGothicE"/>
+                <a:ea typeface="HGGothicE"/>
+                <a:cs typeface="Calibri"/>
+              </a:rPr>
+              <a:t>Scrum Master</a:t>
+            </a:r>
+          </a:p>
+        </p:txBody>
+      </p:sp>
+      <p:pic>
+        <p:nvPicPr>
+          <p:cNvPr id="29" name="Imagen 17" descr="La cara de un hombre&#10;&#10;Descripción generada automáticamente">
+            <a:extLst>
+              <a:ext uri="{FF2B5EF4-FFF2-40B4-BE49-F238E27FC236}">
+                <a16:creationId xmlns:a16="http://schemas.microsoft.com/office/drawing/2014/main" id="{6582C39F-5556-800C-A976-22BE31AA76AC}"/>
+              </a:ext>
+            </a:extLst>
+          </p:cNvPr>
+          <p:cNvPicPr>
+            <a:picLocks noChangeAspect="1"/>
+          </p:cNvPicPr>
+          <p:nvPr/>
+        </p:nvPicPr>
+        <p:blipFill rotWithShape="1">
+          <a:blip r:embed="rId3"/>
+          <a:srcRect l="2562" t="29251" r="1010" b="17317"/>
+          <a:stretch/>
+        </p:blipFill>
+        <p:spPr>
+          <a:xfrm>
+            <a:off x="6954908" y="2932629"/>
+            <a:ext cx="1412870" cy="1449981"/>
+          </a:xfrm>
+          <a:prstGeom prst="ellipse">
+            <a:avLst/>
+          </a:prstGeom>
+          <a:ln w="63500" cap="rnd">
+            <a:solidFill>
+              <a:srgbClr val="333333"/>
+            </a:solidFill>
+          </a:ln>
+          <a:effectLst>
+            <a:outerShdw blurRad="381000" dist="292100" dir="5400000" sx="-80000" sy="-18000" rotWithShape="0">
+              <a:srgbClr val="000000">
+                <a:alpha val="22000"/>
+              </a:srgbClr>
+            </a:outerShdw>
+          </a:effectLst>
+          <a:scene3d>
+            <a:camera prst="orthographicFront"/>
+            <a:lightRig rig="contrasting" dir="t">
+              <a:rot lat="0" lon="0" rev="3000000"/>
+            </a:lightRig>
+          </a:scene3d>
+          <a:sp3d contourW="7620">
+            <a:bevelT w="95250" h="31750"/>
+            <a:contourClr>
+              <a:srgbClr val="333333"/>
+            </a:contourClr>
+          </a:sp3d>
+        </p:spPr>
+      </p:pic>
+      <p:sp>
+        <p:nvSpPr>
+          <p:cNvPr id="31" name="CuadroTexto 30">
+            <a:extLst>
+              <a:ext uri="{FF2B5EF4-FFF2-40B4-BE49-F238E27FC236}">
+                <a16:creationId xmlns:a16="http://schemas.microsoft.com/office/drawing/2014/main" id="{B71ADDCA-63F7-DB54-7F04-7C297709AF30}"/>
+              </a:ext>
+            </a:extLst>
+          </p:cNvPr>
+          <p:cNvSpPr txBox="1"/>
+          <p:nvPr/>
+        </p:nvSpPr>
+        <p:spPr>
+          <a:xfrm>
+            <a:off x="6868665" y="4472976"/>
+            <a:ext cx="1955048" cy="369332"/>
+          </a:xfrm>
+          <a:prstGeom prst="rect">
+            <a:avLst/>
+          </a:prstGeom>
+          <a:noFill/>
+        </p:spPr>
+        <p:txBody>
+          <a:bodyPr rot="0" spcFirstLastPara="0" vertOverflow="overflow" horzOverflow="overflow" vert="horz" wrap="square" lIns="91440" tIns="45720" rIns="91440" bIns="45720" numCol="1" spcCol="0" rtlCol="0" fromWordArt="0" anchor="t" anchorCtr="0" forceAA="0" compatLnSpc="1">
+            <a:prstTxWarp prst="textNoShape">
+              <a:avLst/>
+            </a:prstTxWarp>
+            <a:spAutoFit/>
+          </a:bodyPr>
+          <a:lstStyle/>
+          <a:p>
+            <a:r>
+              <a:rPr lang="es-ES" dirty="0" err="1">
+                <a:latin typeface="HGGothicE"/>
+                <a:ea typeface="HGGothicE"/>
+                <a:cs typeface="Calibri"/>
+              </a:rPr>
+              <a:t>Agustin</a:t>
+            </a:r>
+            <a:r>
+              <a:rPr lang="es-ES" dirty="0">
+                <a:latin typeface="HGGothicE"/>
+                <a:ea typeface="HGGothicE"/>
+                <a:cs typeface="Calibri"/>
+              </a:rPr>
+              <a:t> Marino</a:t>
+            </a:r>
+          </a:p>
+        </p:txBody>
+      </p:sp>
+      <p:sp>
+        <p:nvSpPr>
+          <p:cNvPr id="33" name="CuadroTexto 32">
+            <a:extLst>
+              <a:ext uri="{FF2B5EF4-FFF2-40B4-BE49-F238E27FC236}">
+                <a16:creationId xmlns:a16="http://schemas.microsoft.com/office/drawing/2014/main" id="{E73495E2-1D06-4F91-97DA-FD6A50996182}"/>
+              </a:ext>
+            </a:extLst>
+          </p:cNvPr>
+          <p:cNvSpPr txBox="1"/>
+          <p:nvPr/>
+        </p:nvSpPr>
+        <p:spPr>
+          <a:xfrm>
+            <a:off x="9183861" y="4842308"/>
+            <a:ext cx="1652766" cy="369332"/>
+          </a:xfrm>
+          <a:prstGeom prst="rect">
+            <a:avLst/>
+          </a:prstGeom>
+          <a:noFill/>
+        </p:spPr>
+        <p:txBody>
+          <a:bodyPr rot="0" spcFirstLastPara="0" vertOverflow="overflow" horzOverflow="overflow" vert="horz" wrap="square" lIns="91440" tIns="45720" rIns="91440" bIns="45720" numCol="1" spcCol="0" rtlCol="0" fromWordArt="0" anchor="t" anchorCtr="0" forceAA="0" compatLnSpc="1">
+            <a:prstTxWarp prst="textNoShape">
+              <a:avLst/>
+            </a:prstTxWarp>
+            <a:spAutoFit/>
+          </a:bodyPr>
+          <a:lstStyle/>
+          <a:p>
+            <a:r>
+              <a:rPr lang="es-ES" dirty="0" err="1" smtClean="0">
+                <a:latin typeface="HGGothicE"/>
+                <a:ea typeface="+mn-lt"/>
+                <a:cs typeface="+mn-lt"/>
+              </a:rPr>
+              <a:t>Dev</a:t>
+            </a:r>
+            <a:r>
+              <a:rPr lang="es-ES" dirty="0" smtClean="0">
+                <a:latin typeface="HGGothicE"/>
+                <a:ea typeface="+mn-lt"/>
+                <a:cs typeface="+mn-lt"/>
+              </a:rPr>
+              <a:t> </a:t>
+            </a:r>
+            <a:r>
+              <a:rPr lang="es-ES" dirty="0" err="1" smtClean="0">
+                <a:latin typeface="HGGothicE"/>
+                <a:ea typeface="+mn-lt"/>
+                <a:cs typeface="+mn-lt"/>
+              </a:rPr>
+              <a:t>Team</a:t>
+            </a:r>
+            <a:endParaRPr lang="es-ES" dirty="0">
+              <a:latin typeface="HGGothicE"/>
+            </a:endParaRPr>
+          </a:p>
+        </p:txBody>
+      </p:sp>
+      <p:sp>
+        <p:nvSpPr>
+          <p:cNvPr id="37" name="CuadroTexto 36">
+            <a:extLst>
+              <a:ext uri="{FF2B5EF4-FFF2-40B4-BE49-F238E27FC236}">
+                <a16:creationId xmlns:a16="http://schemas.microsoft.com/office/drawing/2014/main" id="{7CFAF849-C270-905A-9387-850AE2ACE008}"/>
+              </a:ext>
+            </a:extLst>
+          </p:cNvPr>
+          <p:cNvSpPr txBox="1"/>
+          <p:nvPr/>
+        </p:nvSpPr>
+        <p:spPr>
+          <a:xfrm>
+            <a:off x="403509" y="4448981"/>
+            <a:ext cx="1922373" cy="369332"/>
+          </a:xfrm>
+          <a:prstGeom prst="rect">
+            <a:avLst/>
+          </a:prstGeom>
+          <a:noFill/>
+        </p:spPr>
+        <p:txBody>
+          <a:bodyPr rot="0" spcFirstLastPara="0" vertOverflow="overflow" horzOverflow="overflow" vert="horz" wrap="square" lIns="91440" tIns="45720" rIns="91440" bIns="45720" numCol="1" spcCol="0" rtlCol="0" fromWordArt="0" anchor="t" anchorCtr="0" forceAA="0" compatLnSpc="1">
+            <a:prstTxWarp prst="textNoShape">
+              <a:avLst/>
+            </a:prstTxWarp>
+            <a:spAutoFit/>
+          </a:bodyPr>
+          <a:lstStyle/>
+          <a:p>
+            <a:r>
+              <a:rPr lang="es-ES" dirty="0">
+                <a:latin typeface="HGGothicE"/>
+                <a:ea typeface="HGGothicE"/>
+                <a:cs typeface="Calibri"/>
+              </a:rPr>
+              <a:t>Sheila Hinojosa</a:t>
+            </a:r>
+            <a:endParaRPr lang="es-ES" dirty="0"/>
+          </a:p>
+        </p:txBody>
+      </p:sp>
+      <p:sp>
+        <p:nvSpPr>
+          <p:cNvPr id="39" name="CuadroTexto 38">
+            <a:extLst>
+              <a:ext uri="{FF2B5EF4-FFF2-40B4-BE49-F238E27FC236}">
+                <a16:creationId xmlns:a16="http://schemas.microsoft.com/office/drawing/2014/main" id="{FB7A70AB-1F9F-05FF-2035-539FC954D270}"/>
+              </a:ext>
+            </a:extLst>
+          </p:cNvPr>
+          <p:cNvSpPr txBox="1"/>
+          <p:nvPr/>
+        </p:nvSpPr>
+        <p:spPr>
+          <a:xfrm>
+            <a:off x="888942" y="4821224"/>
+            <a:ext cx="1505577" cy="369332"/>
+          </a:xfrm>
+          <a:prstGeom prst="rect">
+            <a:avLst/>
+          </a:prstGeom>
+          <a:noFill/>
+        </p:spPr>
+        <p:txBody>
+          <a:bodyPr rot="0" spcFirstLastPara="0" vertOverflow="overflow" horzOverflow="overflow" vert="horz" wrap="square" lIns="91440" tIns="45720" rIns="91440" bIns="45720" numCol="1" spcCol="0" rtlCol="0" fromWordArt="0" anchor="t" anchorCtr="0" forceAA="0" compatLnSpc="1">
+            <a:prstTxWarp prst="textNoShape">
+              <a:avLst/>
+            </a:prstTxWarp>
+            <a:spAutoFit/>
+          </a:bodyPr>
+          <a:lstStyle/>
+          <a:p>
+            <a:r>
+              <a:rPr lang="es-ES" dirty="0" err="1" smtClean="0">
+                <a:latin typeface="HGGothicE"/>
+                <a:ea typeface="HGGothicE"/>
+                <a:cs typeface="Calibri"/>
+              </a:rPr>
+              <a:t>Dev</a:t>
+            </a:r>
+            <a:r>
+              <a:rPr lang="es-ES" dirty="0" smtClean="0">
+                <a:latin typeface="HGGothicE"/>
+                <a:ea typeface="HGGothicE"/>
+                <a:cs typeface="Calibri"/>
+              </a:rPr>
+              <a:t> </a:t>
+            </a:r>
+            <a:r>
+              <a:rPr lang="es-ES" dirty="0" err="1" smtClean="0">
+                <a:latin typeface="HGGothicE"/>
+                <a:ea typeface="HGGothicE"/>
+                <a:cs typeface="Calibri"/>
+              </a:rPr>
+              <a:t>Team</a:t>
+            </a:r>
+            <a:endParaRPr lang="es-ES" dirty="0"/>
+          </a:p>
+        </p:txBody>
+      </p:sp>
+      <p:pic>
+        <p:nvPicPr>
+          <p:cNvPr id="41" name="Imagen 17" descr="Imagen que contiene foto, sostener, hombre, espejo&#10;&#10;Descripción generada automáticamente">
+            <a:extLst>
+              <a:ext uri="{FF2B5EF4-FFF2-40B4-BE49-F238E27FC236}">
+                <a16:creationId xmlns:a16="http://schemas.microsoft.com/office/drawing/2014/main" id="{6C782DE0-DAC5-56E0-1EEF-1D8D258006D5}"/>
+              </a:ext>
+            </a:extLst>
+          </p:cNvPr>
+          <p:cNvPicPr>
+            <a:picLocks noChangeAspect="1"/>
+          </p:cNvPicPr>
+          <p:nvPr/>
+        </p:nvPicPr>
+        <p:blipFill>
+          <a:blip r:embed="rId4"/>
+          <a:srcRect l="13660" r="13660"/>
+          <a:stretch>
+            <a:fillRect/>
+          </a:stretch>
+        </p:blipFill>
+        <p:spPr>
+          <a:xfrm>
+            <a:off x="2815609" y="2933373"/>
+            <a:ext cx="1420484" cy="1449237"/>
+          </a:xfrm>
+          <a:prstGeom prst="ellipse">
+            <a:avLst/>
+          </a:prstGeom>
+          <a:solidFill>
+            <a:schemeClr val="bg2"/>
+          </a:solidFill>
+          <a:ln w="63500" cap="rnd">
+            <a:solidFill>
+              <a:srgbClr val="333333"/>
+            </a:solidFill>
+          </a:ln>
+          <a:effectLst>
+            <a:outerShdw blurRad="381000" dist="292100" dir="5400000" sx="-80000" sy="-18000" rotWithShape="0">
+              <a:srgbClr val="000000">
+                <a:alpha val="22000"/>
+              </a:srgbClr>
+            </a:outerShdw>
+          </a:effectLst>
+          <a:scene3d>
+            <a:camera prst="orthographicFront"/>
+            <a:lightRig rig="contrasting" dir="t">
+              <a:rot lat="0" lon="0" rev="3000000"/>
+            </a:lightRig>
+          </a:scene3d>
+          <a:sp3d contourW="7620">
+            <a:bevelT w="95250" h="31750"/>
+            <a:contourClr>
+              <a:srgbClr val="333333"/>
+            </a:contourClr>
+          </a:sp3d>
+        </p:spPr>
+      </p:pic>
+      <p:sp>
+        <p:nvSpPr>
+          <p:cNvPr id="43" name="CuadroTexto 42">
+            <a:extLst>
+              <a:ext uri="{FF2B5EF4-FFF2-40B4-BE49-F238E27FC236}">
+                <a16:creationId xmlns:a16="http://schemas.microsoft.com/office/drawing/2014/main" id="{8702FDA7-01CC-41D5-A813-1DD079FA6460}"/>
+              </a:ext>
+            </a:extLst>
+          </p:cNvPr>
+          <p:cNvSpPr txBox="1"/>
+          <p:nvPr/>
+        </p:nvSpPr>
+        <p:spPr>
+          <a:xfrm>
+            <a:off x="2378133" y="4465366"/>
+            <a:ext cx="2310562" cy="369332"/>
+          </a:xfrm>
+          <a:prstGeom prst="rect">
+            <a:avLst/>
+          </a:prstGeom>
+          <a:noFill/>
+        </p:spPr>
+        <p:txBody>
+          <a:bodyPr rot="0" spcFirstLastPara="0" vertOverflow="overflow" horzOverflow="overflow" vert="horz" wrap="square" lIns="91440" tIns="45720" rIns="91440" bIns="45720" numCol="1" spcCol="0" rtlCol="0" fromWordArt="0" anchor="t" anchorCtr="0" forceAA="0" compatLnSpc="1">
+            <a:prstTxWarp prst="textNoShape">
+              <a:avLst/>
+            </a:prstTxWarp>
+            <a:spAutoFit/>
+          </a:bodyPr>
+          <a:lstStyle/>
+          <a:p>
+            <a:r>
+              <a:rPr lang="es-ES" dirty="0">
+                <a:latin typeface="HGGothicE"/>
+                <a:ea typeface="HGGothicE"/>
+                <a:cs typeface="Calibri"/>
+              </a:rPr>
+              <a:t>Fabricio Salgueiro</a:t>
+            </a:r>
+            <a:endParaRPr lang="es-ES" dirty="0"/>
+          </a:p>
+        </p:txBody>
+      </p:sp>
+      <p:sp>
+        <p:nvSpPr>
+          <p:cNvPr id="45" name="CuadroTexto 44">
+            <a:extLst>
+              <a:ext uri="{FF2B5EF4-FFF2-40B4-BE49-F238E27FC236}">
+                <a16:creationId xmlns:a16="http://schemas.microsoft.com/office/drawing/2014/main" id="{FFD54D28-35D6-070C-373C-7F94A8B38290}"/>
+              </a:ext>
+            </a:extLst>
+          </p:cNvPr>
+          <p:cNvSpPr txBox="1"/>
+          <p:nvPr/>
+        </p:nvSpPr>
+        <p:spPr>
+          <a:xfrm>
+            <a:off x="2686030" y="4823754"/>
+            <a:ext cx="1440643" cy="369332"/>
+          </a:xfrm>
+          <a:prstGeom prst="rect">
+            <a:avLst/>
+          </a:prstGeom>
+          <a:noFill/>
+        </p:spPr>
+        <p:txBody>
+          <a:bodyPr rot="0" spcFirstLastPara="0" vertOverflow="overflow" horzOverflow="overflow" vert="horz" wrap="square" lIns="91440" tIns="45720" rIns="91440" bIns="45720" numCol="1" spcCol="0" rtlCol="0" fromWordArt="0" anchor="t" anchorCtr="0" forceAA="0" compatLnSpc="1">
+            <a:prstTxWarp prst="textNoShape">
+              <a:avLst/>
+            </a:prstTxWarp>
+            <a:spAutoFit/>
+          </a:bodyPr>
+          <a:lstStyle/>
+          <a:p>
+            <a:r>
+              <a:rPr lang="es-ES" dirty="0" err="1" smtClean="0">
+                <a:latin typeface="HGGothicE"/>
+                <a:ea typeface="+mn-lt"/>
+                <a:cs typeface="+mn-lt"/>
+              </a:rPr>
+              <a:t>Dev</a:t>
+            </a:r>
+            <a:r>
+              <a:rPr lang="es-ES" dirty="0" smtClean="0">
+                <a:latin typeface="HGGothicE"/>
+                <a:ea typeface="+mn-lt"/>
+                <a:cs typeface="+mn-lt"/>
+              </a:rPr>
+              <a:t> </a:t>
+            </a:r>
+            <a:r>
+              <a:rPr lang="es-ES" dirty="0" err="1" smtClean="0">
+                <a:latin typeface="HGGothicE"/>
+                <a:ea typeface="+mn-lt"/>
+                <a:cs typeface="+mn-lt"/>
+              </a:rPr>
+              <a:t>Team</a:t>
+            </a:r>
+            <a:endParaRPr lang="es-ES" dirty="0">
+              <a:latin typeface="HGGothicE"/>
+            </a:endParaRPr>
+          </a:p>
+        </p:txBody>
+      </p:sp>
+      <p:pic>
+        <p:nvPicPr>
+          <p:cNvPr id="47" name="Imagen 17">
+            <a:extLst>
+              <a:ext uri="{FF2B5EF4-FFF2-40B4-BE49-F238E27FC236}">
+                <a16:creationId xmlns:a16="http://schemas.microsoft.com/office/drawing/2014/main" id="{C5CF0005-8DDF-DEA4-99A8-D18813663ABC}"/>
+              </a:ext>
+            </a:extLst>
+          </p:cNvPr>
+          <p:cNvPicPr>
+            <a:picLocks noChangeAspect="1"/>
+          </p:cNvPicPr>
+          <p:nvPr/>
+        </p:nvPicPr>
+        <p:blipFill>
+          <a:blip r:embed="rId5"/>
+          <a:srcRect l="1400" r="1400"/>
+          <a:stretch>
+            <a:fillRect/>
+          </a:stretch>
+        </p:blipFill>
+        <p:spPr>
+          <a:xfrm>
+            <a:off x="9114280" y="2932629"/>
+            <a:ext cx="1420484" cy="1449237"/>
+          </a:xfrm>
+          <a:prstGeom prst="ellipse">
+            <a:avLst/>
+          </a:prstGeom>
+          <a:ln w="63500" cap="rnd">
+            <a:solidFill>
+              <a:srgbClr val="333333"/>
+            </a:solidFill>
+          </a:ln>
+          <a:effectLst>
+            <a:outerShdw blurRad="381000" dist="292100" dir="5400000" sx="-80000" sy="-18000" rotWithShape="0">
+              <a:srgbClr val="000000">
+                <a:alpha val="22000"/>
+              </a:srgbClr>
+            </a:outerShdw>
+          </a:effectLst>
+          <a:scene3d>
+            <a:camera prst="orthographicFront"/>
+            <a:lightRig rig="contrasting" dir="t">
+              <a:rot lat="0" lon="0" rev="3000000"/>
+            </a:lightRig>
+          </a:scene3d>
+          <a:sp3d contourW="7620">
+            <a:bevelT w="95250" h="31750"/>
+            <a:contourClr>
+              <a:srgbClr val="333333"/>
+            </a:contourClr>
+          </a:sp3d>
+        </p:spPr>
+      </p:pic>
+      <p:sp>
+        <p:nvSpPr>
+          <p:cNvPr id="49" name="CuadroTexto 48">
+            <a:extLst>
+              <a:ext uri="{FF2B5EF4-FFF2-40B4-BE49-F238E27FC236}">
+                <a16:creationId xmlns:a16="http://schemas.microsoft.com/office/drawing/2014/main" id="{DE17E176-2E1A-C79F-D7D4-D22B02350BD7}"/>
+              </a:ext>
+            </a:extLst>
+          </p:cNvPr>
+          <p:cNvSpPr txBox="1"/>
+          <p:nvPr/>
+        </p:nvSpPr>
+        <p:spPr>
+          <a:xfrm>
+            <a:off x="9183861" y="4452329"/>
+            <a:ext cx="1867315" cy="369332"/>
+          </a:xfrm>
+          <a:prstGeom prst="rect">
+            <a:avLst/>
+          </a:prstGeom>
+          <a:noFill/>
+        </p:spPr>
+        <p:txBody>
+          <a:bodyPr rot="0" spcFirstLastPara="0" vertOverflow="overflow" horzOverflow="overflow" vert="horz" wrap="square" lIns="91440" tIns="45720" rIns="91440" bIns="45720" numCol="1" spcCol="0" rtlCol="0" fromWordArt="0" anchor="t" anchorCtr="0" forceAA="0" compatLnSpc="1">
+            <a:prstTxWarp prst="textNoShape">
+              <a:avLst/>
+            </a:prstTxWarp>
+            <a:spAutoFit/>
+          </a:bodyPr>
+          <a:lstStyle/>
+          <a:p>
+            <a:r>
+              <a:rPr lang="es-ES" dirty="0">
+                <a:latin typeface="HGGothicE"/>
+                <a:ea typeface="HGGothicE"/>
+                <a:cs typeface="Calibri"/>
+              </a:rPr>
+              <a:t>Alan Huanca</a:t>
+            </a:r>
+          </a:p>
+        </p:txBody>
+      </p:sp>
+      <p:sp>
+        <p:nvSpPr>
+          <p:cNvPr id="51" name="CuadroTexto 50">
+            <a:extLst>
+              <a:ext uri="{FF2B5EF4-FFF2-40B4-BE49-F238E27FC236}">
+                <a16:creationId xmlns:a16="http://schemas.microsoft.com/office/drawing/2014/main" id="{BAE344EF-5E5F-C9D2-EE40-AF07DD3FF5D3}"/>
+              </a:ext>
+            </a:extLst>
+          </p:cNvPr>
+          <p:cNvSpPr txBox="1"/>
+          <p:nvPr/>
+        </p:nvSpPr>
+        <p:spPr>
+          <a:xfrm>
+            <a:off x="6937303" y="4818313"/>
+            <a:ext cx="1668307" cy="369332"/>
+          </a:xfrm>
+          <a:prstGeom prst="rect">
+            <a:avLst/>
+          </a:prstGeom>
+          <a:noFill/>
+        </p:spPr>
+        <p:txBody>
+          <a:bodyPr rot="0" spcFirstLastPara="0" vertOverflow="overflow" horzOverflow="overflow" vert="horz" wrap="square" lIns="91440" tIns="45720" rIns="91440" bIns="45720" numCol="1" spcCol="0" rtlCol="0" fromWordArt="0" anchor="t" anchorCtr="0" forceAA="0" compatLnSpc="1">
+            <a:prstTxWarp prst="textNoShape">
+              <a:avLst/>
+            </a:prstTxWarp>
+            <a:spAutoFit/>
+          </a:bodyPr>
+          <a:lstStyle/>
+          <a:p>
+            <a:r>
+              <a:rPr lang="es-ES" dirty="0" err="1" smtClean="0">
+                <a:latin typeface="HGGothicE"/>
+                <a:ea typeface="+mn-lt"/>
+                <a:cs typeface="+mn-lt"/>
+              </a:rPr>
+              <a:t>Dev</a:t>
+            </a:r>
+            <a:r>
+              <a:rPr lang="es-ES" dirty="0" smtClean="0">
+                <a:latin typeface="HGGothicE"/>
+                <a:ea typeface="+mn-lt"/>
+                <a:cs typeface="+mn-lt"/>
+              </a:rPr>
+              <a:t> </a:t>
+            </a:r>
+            <a:r>
+              <a:rPr lang="es-ES" dirty="0" err="1" smtClean="0">
+                <a:latin typeface="HGGothicE"/>
+                <a:ea typeface="+mn-lt"/>
+                <a:cs typeface="+mn-lt"/>
+              </a:rPr>
+              <a:t>Team</a:t>
+            </a:r>
+            <a:endParaRPr lang="es-ES" dirty="0">
+              <a:latin typeface="HGGothicE"/>
+            </a:endParaRPr>
+          </a:p>
+        </p:txBody>
+      </p:sp>
+      <p:pic>
+        <p:nvPicPr>
+          <p:cNvPr id="35" name="Imagen 17" descr="Imagen que contiene Patrón de fondo&#10;&#10;Descripción generada automáticamente">
+            <a:extLst>
+              <a:ext uri="{FF2B5EF4-FFF2-40B4-BE49-F238E27FC236}">
+                <a16:creationId xmlns:a16="http://schemas.microsoft.com/office/drawing/2014/main" id="{E0C8425A-4C98-7500-3516-377670AEFCBE}"/>
+              </a:ext>
+            </a:extLst>
+          </p:cNvPr>
+          <p:cNvPicPr>
+            <a:picLocks noChangeAspect="1"/>
+          </p:cNvPicPr>
+          <p:nvPr/>
+        </p:nvPicPr>
+        <p:blipFill>
+          <a:blip r:embed="rId6"/>
+          <a:srcRect l="992" r="992"/>
+          <a:stretch>
+            <a:fillRect/>
+          </a:stretch>
+        </p:blipFill>
+        <p:spPr>
+          <a:xfrm>
+            <a:off x="660356" y="2941559"/>
+            <a:ext cx="1420484" cy="1449237"/>
+          </a:xfrm>
+          <a:prstGeom prst="ellipse">
+            <a:avLst/>
+          </a:prstGeom>
+          <a:ln w="63500" cap="rnd">
+            <a:solidFill>
+              <a:srgbClr val="333333"/>
+            </a:solidFill>
+          </a:ln>
+          <a:effectLst>
+            <a:outerShdw blurRad="381000" dist="292100" dir="5400000" sx="-80000" sy="-18000" rotWithShape="0">
+              <a:srgbClr val="000000">
+                <a:alpha val="22000"/>
+              </a:srgbClr>
+            </a:outerShdw>
+          </a:effectLst>
+          <a:scene3d>
+            <a:camera prst="orthographicFront"/>
+            <a:lightRig rig="contrasting" dir="t">
+              <a:rot lat="0" lon="0" rev="3000000"/>
+            </a:lightRig>
+          </a:scene3d>
+          <a:sp3d contourW="7620">
+            <a:bevelT w="95250" h="31750"/>
+            <a:contourClr>
+              <a:srgbClr val="333333"/>
+            </a:contourClr>
+          </a:sp3d>
+        </p:spPr>
+      </p:pic>
+      <p:sp>
+        <p:nvSpPr>
+          <p:cNvPr id="52" name="Rectángulo 51">
+            <a:extLst>
+              <a:ext uri="{FF2B5EF4-FFF2-40B4-BE49-F238E27FC236}">
+                <a16:creationId xmlns:a16="http://schemas.microsoft.com/office/drawing/2014/main" id="{977C3F17-2E7A-8587-B06B-ADE7AF89F5E9}"/>
+              </a:ext>
+            </a:extLst>
+          </p:cNvPr>
+          <p:cNvSpPr/>
+          <p:nvPr/>
+        </p:nvSpPr>
+        <p:spPr>
+          <a:xfrm>
+            <a:off x="-654769" y="-2983302"/>
+            <a:ext cx="13500339" cy="1912188"/>
+          </a:xfrm>
+          <a:prstGeom prst="rect">
+            <a:avLst/>
+          </a:prstGeom>
+          <a:solidFill>
+            <a:schemeClr val="tx1"/>
+          </a:solidFill>
+          <a:ln>
+            <a:noFill/>
+          </a:ln>
+        </p:spPr>
+        <p:style>
+          <a:lnRef idx="2">
+            <a:schemeClr val="accent1">
+              <a:shade val="15000"/>
+            </a:schemeClr>
+          </a:lnRef>
+          <a:fillRef idx="1">
+            <a:schemeClr val="accent1"/>
+          </a:fillRef>
+          <a:effectRef idx="0">
+            <a:schemeClr val="accent1"/>
+          </a:effectRef>
+          <a:fontRef idx="minor">
+            <a:schemeClr val="lt1"/>
+          </a:fontRef>
+        </p:style>
+        <p:txBody>
+          <a:bodyPr rtlCol="0" anchor="ctr"/>
+          <a:lstStyle/>
+          <a:p>
+            <a:pPr algn="ctr"/>
+            <a:endParaRPr lang="es-ES"/>
+          </a:p>
+        </p:txBody>
+      </p:sp>
+      <p:pic>
+        <p:nvPicPr>
+          <p:cNvPr id="14" name="Imagen 13" descr="Imagen que contiene objeto, reloj, monitor, dibujo&#10;&#10;Descripción generada automáticamente">
+            <a:extLst>
+              <a:ext uri="{FF2B5EF4-FFF2-40B4-BE49-F238E27FC236}">
+                <a16:creationId xmlns:a16="http://schemas.microsoft.com/office/drawing/2014/main" id="{48C98760-33C3-B824-F897-E9893D62E8D7}"/>
+              </a:ext>
+            </a:extLst>
+          </p:cNvPr>
+          <p:cNvPicPr>
+            <a:picLocks noChangeAspect="1"/>
+          </p:cNvPicPr>
+          <p:nvPr/>
+        </p:nvPicPr>
+        <p:blipFill>
+          <a:blip r:embed="rId7"/>
+          <a:stretch>
+            <a:fillRect/>
+          </a:stretch>
+        </p:blipFill>
+        <p:spPr>
+          <a:xfrm>
+            <a:off x="214868" y="242706"/>
+            <a:ext cx="2403372" cy="399038"/>
+          </a:xfrm>
+          <a:prstGeom prst="rect">
+            <a:avLst/>
+          </a:prstGeom>
+        </p:spPr>
+      </p:pic>
+    </p:spTree>
+    <p:extLst>
+      <p:ext uri="{BB962C8B-B14F-4D97-AF65-F5344CB8AC3E}">
+        <p14:creationId xmlns:p14="http://schemas.microsoft.com/office/powerpoint/2010/main" val="3169386663"/>
+      </p:ext>
+    </p:extLst>
+  </p:cSld>
+  <p:clrMapOvr>
+    <a:masterClrMapping/>
+  </p:clrMapOvr>
+  <mc:AlternateContent xmlns:mc="http://schemas.openxmlformats.org/markup-compatibility/2006">
+    <mc:Choice xmlns:p159="http://schemas.microsoft.com/office/powerpoint/2015/09/main" xmlns="" Requires="p159">
+      <p:transition xmlns:p14="http://schemas.microsoft.com/office/powerpoint/2010/main" spd="slow" p14:dur="2000">
+        <p159:morph option="byObject"/>
+      </p:transition>
+    </mc:Choice>
+    <mc:Fallback>
+      <p:transition spd="slow">
+        <p:fade/>
+      </p:transition>
+    </mc:Fallback>
+  </mc:AlternateContent>
+  <p:timing>
+    <p:tnLst>
+      <p:par>
+        <p:cTn id="1" dur="indefinite" restart="never" nodeType="tmRoot"/>
+      </p:par>
+    </p:tnLst>
+  </p:timing>
+</p:sld>
+</file>
+
+<file path=ppt/slides/slide16.xml><?xml version="1.0" encoding="utf-8"?>
+<p:sld xmlns:a="http://schemas.openxmlformats.org/drawingml/2006/main" xmlns:r="http://schemas.openxmlformats.org/officeDocument/2006/relationships" xmlns:p="http://schemas.openxmlformats.org/presentationml/2006/main">
+  <p:cSld>
+    <p:bg>
+      <p:bgPr>
+        <a:solidFill>
+          <a:schemeClr val="tx1"/>
+        </a:solidFill>
+        <a:effectLst/>
+      </p:bgPr>
+    </p:bg>
+    <p:spTree>
+      <p:nvGrpSpPr>
+        <p:cNvPr id="1" name=""/>
+        <p:cNvGrpSpPr/>
+        <p:nvPr/>
+      </p:nvGrpSpPr>
+      <p:grpSpPr>
+        <a:xfrm>
+          <a:off x="0" y="0"/>
+          <a:ext cx="0" cy="0"/>
+          <a:chOff x="0" y="0"/>
+          <a:chExt cx="0" cy="0"/>
+        </a:xfrm>
+      </p:grpSpPr>
+      <p:sp>
+        <p:nvSpPr>
+          <p:cNvPr id="8" name="Rectángulo 7">
+            <a:extLst>
+              <a:ext uri="{FF2B5EF4-FFF2-40B4-BE49-F238E27FC236}">
+                <a16:creationId xmlns:a16="http://schemas.microsoft.com/office/drawing/2014/main" id="{62CB7313-746D-1FE1-73E6-3CF969736951}"/>
+              </a:ext>
+            </a:extLst>
+          </p:cNvPr>
+          <p:cNvSpPr/>
+          <p:nvPr/>
+        </p:nvSpPr>
+        <p:spPr>
+          <a:xfrm>
+            <a:off x="-654769" y="-2983302"/>
+            <a:ext cx="13500339" cy="9834112"/>
+          </a:xfrm>
+          <a:prstGeom prst="rect">
+            <a:avLst/>
+          </a:prstGeom>
+          <a:solidFill>
+            <a:schemeClr val="tx1"/>
+          </a:solidFill>
+          <a:ln>
+            <a:noFill/>
+          </a:ln>
+        </p:spPr>
+        <p:style>
+          <a:lnRef idx="2">
+            <a:schemeClr val="accent1">
+              <a:shade val="15000"/>
+            </a:schemeClr>
+          </a:lnRef>
+          <a:fillRef idx="1">
+            <a:schemeClr val="accent1"/>
+          </a:fillRef>
+          <a:effectRef idx="0">
+            <a:schemeClr val="accent1"/>
+          </a:effectRef>
+          <a:fontRef idx="minor">
+            <a:schemeClr val="lt1"/>
+          </a:fontRef>
+        </p:style>
+        <p:txBody>
+          <a:bodyPr rtlCol="0" anchor="ctr"/>
+          <a:lstStyle/>
+          <a:p>
+            <a:pPr algn="ctr"/>
+            <a:endParaRPr lang="es-ES"/>
+          </a:p>
+        </p:txBody>
+      </p:sp>
+      <p:sp>
+        <p:nvSpPr>
+          <p:cNvPr id="5" name="CuadroTexto 4">
+            <a:extLst>
+              <a:ext uri="{FF2B5EF4-FFF2-40B4-BE49-F238E27FC236}">
+                <a16:creationId xmlns:a16="http://schemas.microsoft.com/office/drawing/2014/main" id="{86AEF79E-CFF2-166F-3A78-A2769B709480}"/>
+              </a:ext>
+            </a:extLst>
+          </p:cNvPr>
+          <p:cNvSpPr txBox="1"/>
+          <p:nvPr/>
+        </p:nvSpPr>
+        <p:spPr>
+          <a:xfrm>
+            <a:off x="3502325" y="-1846053"/>
+            <a:ext cx="5431765" cy="830997"/>
+          </a:xfrm>
+          <a:prstGeom prst="rect">
+            <a:avLst/>
+          </a:prstGeom>
+          <a:noFill/>
+        </p:spPr>
+        <p:txBody>
+          <a:bodyPr rot="0" spcFirstLastPara="0" vertOverflow="overflow" horzOverflow="overflow" vert="horz" wrap="square" lIns="91440" tIns="45720" rIns="91440" bIns="45720" numCol="1" spcCol="0" rtlCol="0" fromWordArt="0" anchor="t" anchorCtr="0" forceAA="0" compatLnSpc="1">
+            <a:prstTxWarp prst="textNoShape">
+              <a:avLst/>
+            </a:prstTxWarp>
+            <a:spAutoFit/>
+          </a:bodyPr>
+          <a:lstStyle/>
+          <a:p>
+            <a:r>
+              <a:rPr lang="es-ES" sz="4800" dirty="0">
+                <a:solidFill>
+                  <a:srgbClr val="FFFFFF"/>
+                </a:solidFill>
+                <a:latin typeface="HGGothicE"/>
+              </a:rPr>
+              <a:t>Gracias por ver!</a:t>
+            </a:r>
+            <a:endParaRPr lang="es-ES" sz="4800" dirty="0">
+              <a:solidFill>
+                <a:srgbClr val="FFFFFF"/>
+              </a:solidFill>
+              <a:latin typeface="HGGothicE"/>
+              <a:ea typeface="HGGothicE"/>
+            </a:endParaRPr>
+          </a:p>
+        </p:txBody>
+      </p:sp>
+      <p:pic>
+        <p:nvPicPr>
+          <p:cNvPr id="14" name="Imagen 13" descr="Imagen que contiene objeto, reloj, monitor, dibujo&#10;&#10;Descripción generada automáticamente">
+            <a:extLst>
+              <a:ext uri="{FF2B5EF4-FFF2-40B4-BE49-F238E27FC236}">
+                <a16:creationId xmlns:a16="http://schemas.microsoft.com/office/drawing/2014/main" id="{48C98760-33C3-B824-F897-E9893D62E8D7}"/>
+              </a:ext>
+            </a:extLst>
+          </p:cNvPr>
+          <p:cNvPicPr>
+            <a:picLocks noChangeAspect="1"/>
+          </p:cNvPicPr>
+          <p:nvPr/>
+        </p:nvPicPr>
+        <p:blipFill>
+          <a:blip r:embed="rId2"/>
+          <a:stretch>
+            <a:fillRect/>
+          </a:stretch>
+        </p:blipFill>
+        <p:spPr>
+          <a:xfrm>
+            <a:off x="214868" y="242706"/>
+            <a:ext cx="2403372" cy="399038"/>
+          </a:xfrm>
+          <a:prstGeom prst="rect">
+            <a:avLst/>
+          </a:prstGeom>
+        </p:spPr>
+      </p:pic>
+    </p:spTree>
+    <p:extLst>
+      <p:ext uri="{BB962C8B-B14F-4D97-AF65-F5344CB8AC3E}">
+        <p14:creationId xmlns:p14="http://schemas.microsoft.com/office/powerpoint/2010/main" val="2306045832"/>
+      </p:ext>
+    </p:extLst>
+  </p:cSld>
+  <p:clrMapOvr>
+    <a:masterClrMapping/>
+  </p:clrMapOvr>
+  <mc:AlternateContent xmlns:mc="http://schemas.openxmlformats.org/markup-compatibility/2006">
+    <mc:Choice xmlns:p159="http://schemas.microsoft.com/office/powerpoint/2015/09/main" xmlns="" Requires="p159">
+      <p:transition xmlns:p14="http://schemas.microsoft.com/office/powerpoint/2010/main" spd="slow" p14:dur="2000">
+        <p159:morph option="byObject"/>
+      </p:transition>
+    </mc:Choice>
+    <mc:Fallback>
+      <p:transition spd="slow">
+        <p:fade/>
+      </p:transition>
+    </mc:Fallback>
+  </mc:AlternateContent>
+  <p:timing>
+    <p:tnLst>
+      <p:par>
+        <p:cTn id="1" dur="indefinite" restart="never" nodeType="tmRoot"/>
+      </p:par>
+    </p:tnLst>
+  </p:timing>
+</p:sld>
+</file>
+
+<file path=ppt/slides/slide17.xml><?xml version="1.0" encoding="utf-8"?>
 <p:sld xmlns:a="http://schemas.openxmlformats.org/drawingml/2006/main" xmlns:r="http://schemas.openxmlformats.org/officeDocument/2006/relationships" xmlns:p="http://schemas.openxmlformats.org/presentationml/2006/main">
   <p:cSld>
     <p:bg>
@@ -5031,2654 +6781,10 @@
       </p:grpSpPr>
       <p:sp>
         <p:nvSpPr>
-          <p:cNvPr id="3" name="CuadroTexto 2">
-            <a:extLst>
-              <a:ext uri="{FF2B5EF4-FFF2-40B4-BE49-F238E27FC236}">
-                <a16:creationId xmlns:a16="http://schemas.microsoft.com/office/drawing/2014/main" id="{435117D7-FB96-9828-85E2-9250BB3DE7F8}"/>
-              </a:ext>
-            </a:extLst>
-          </p:cNvPr>
-          <p:cNvSpPr txBox="1"/>
-          <p:nvPr/>
-        </p:nvSpPr>
-        <p:spPr>
-          <a:xfrm>
-            <a:off x="3266654" y="-4031653"/>
-            <a:ext cx="6350599" cy="830997"/>
-          </a:xfrm>
-          <a:prstGeom prst="rect">
-            <a:avLst/>
-          </a:prstGeom>
-          <a:noFill/>
-        </p:spPr>
-        <p:txBody>
-          <a:bodyPr rot="0" spcFirstLastPara="0" vertOverflow="overflow" horzOverflow="overflow" vert="horz" wrap="square" lIns="91440" tIns="45720" rIns="91440" bIns="45720" numCol="1" spcCol="0" rtlCol="0" fromWordArt="0" anchor="t" anchorCtr="0" forceAA="0" compatLnSpc="1">
-            <a:prstTxWarp prst="textNoShape">
-              <a:avLst/>
-            </a:prstTxWarp>
-            <a:spAutoFit/>
-          </a:bodyPr>
-          <a:lstStyle/>
-          <a:p>
-            <a:r>
-              <a:rPr lang="es-ES" sz="4800" dirty="0" err="1">
-                <a:solidFill>
-                  <a:schemeClr val="bg1"/>
-                </a:solidFill>
-                <a:latin typeface="HGGothicE"/>
-                <a:ea typeface="HGGothicE"/>
-                <a:cs typeface="Calibri"/>
-              </a:rPr>
-              <a:t>Mock</a:t>
-            </a:r>
-            <a:r>
-              <a:rPr lang="es-ES" sz="4800" dirty="0">
-                <a:solidFill>
-                  <a:schemeClr val="bg1"/>
-                </a:solidFill>
-                <a:latin typeface="HGGothicE"/>
-                <a:ea typeface="HGGothicE"/>
-                <a:cs typeface="Calibri"/>
-              </a:rPr>
-              <a:t>-Ups de la Web</a:t>
-            </a:r>
-          </a:p>
-        </p:txBody>
-      </p:sp>
-      <p:pic>
-        <p:nvPicPr>
-          <p:cNvPr id="6" name="Imagen 9" descr="Interfaz de usuario gráfica, Texto, Aplicación, Chat o mensaje de texto&#10;&#10;Descripción generada automáticamente">
-            <a:extLst>
-              <a:ext uri="{FF2B5EF4-FFF2-40B4-BE49-F238E27FC236}">
-                <a16:creationId xmlns:a16="http://schemas.microsoft.com/office/drawing/2014/main" id="{F1301757-BEBF-4DCF-DEF6-78A0F3AB10D3}"/>
-              </a:ext>
-            </a:extLst>
-          </p:cNvPr>
-          <p:cNvPicPr>
-            <a:picLocks noChangeAspect="1"/>
-          </p:cNvPicPr>
-          <p:nvPr/>
-        </p:nvPicPr>
-        <p:blipFill>
-          <a:blip r:embed="rId2"/>
-          <a:stretch>
-            <a:fillRect/>
-          </a:stretch>
-        </p:blipFill>
-        <p:spPr>
-          <a:xfrm>
-            <a:off x="-22017486" y="2478817"/>
-            <a:ext cx="6970143" cy="3194328"/>
-          </a:xfrm>
-          <a:prstGeom prst="rect">
-            <a:avLst/>
-          </a:prstGeom>
-          <a:ln w="228600" cap="sq" cmpd="thickThin">
-            <a:solidFill>
-              <a:srgbClr val="000000"/>
-            </a:solidFill>
-            <a:prstDash val="solid"/>
-            <a:miter lim="800000"/>
-          </a:ln>
-          <a:effectLst>
-            <a:innerShdw blurRad="76200">
-              <a:srgbClr val="000000"/>
-            </a:innerShdw>
-          </a:effectLst>
-        </p:spPr>
-      </p:pic>
-      <p:sp>
-        <p:nvSpPr>
-          <p:cNvPr id="10" name="CuadroTexto 9">
-            <a:extLst>
-              <a:ext uri="{FF2B5EF4-FFF2-40B4-BE49-F238E27FC236}">
-                <a16:creationId xmlns:a16="http://schemas.microsoft.com/office/drawing/2014/main" id="{B90020A9-B213-4EA0-8639-8CD2BB4CF24D}"/>
-              </a:ext>
-            </a:extLst>
-          </p:cNvPr>
-          <p:cNvSpPr txBox="1"/>
-          <p:nvPr/>
-        </p:nvSpPr>
-        <p:spPr>
-          <a:xfrm>
-            <a:off x="19993153" y="2975610"/>
-            <a:ext cx="2829464" cy="1569660"/>
-          </a:xfrm>
-          <a:prstGeom prst="rect">
-            <a:avLst/>
-          </a:prstGeom>
-          <a:noFill/>
-        </p:spPr>
-        <p:txBody>
-          <a:bodyPr rot="0" spcFirstLastPara="0" vertOverflow="overflow" horzOverflow="overflow" vert="horz" wrap="square" lIns="91440" tIns="45720" rIns="91440" bIns="45720" numCol="1" spcCol="0" rtlCol="0" fromWordArt="0" anchor="t" anchorCtr="0" forceAA="0" compatLnSpc="1">
-            <a:prstTxWarp prst="textNoShape">
-              <a:avLst/>
-            </a:prstTxWarp>
-            <a:spAutoFit/>
-          </a:bodyPr>
-          <a:lstStyle/>
-          <a:p>
-            <a:r>
-              <a:rPr lang="es-ES" sz="4800" dirty="0">
-                <a:solidFill>
-                  <a:srgbClr val="FFFFFF"/>
-                </a:solidFill>
-                <a:latin typeface="HGGothicE"/>
-              </a:rPr>
-              <a:t>Vista de Modelo</a:t>
-            </a:r>
-            <a:endParaRPr lang="es-ES" sz="4800" dirty="0">
-              <a:solidFill>
-                <a:srgbClr val="FFFFFF"/>
-              </a:solidFill>
-              <a:latin typeface="HGGothicE"/>
-              <a:ea typeface="HGGothicE"/>
-            </a:endParaRPr>
-          </a:p>
-        </p:txBody>
-      </p:sp>
-      <p:sp>
-        <p:nvSpPr>
-          <p:cNvPr id="16" name="CuadroTexto 15">
-            <a:extLst>
-              <a:ext uri="{FF2B5EF4-FFF2-40B4-BE49-F238E27FC236}">
-                <a16:creationId xmlns:a16="http://schemas.microsoft.com/office/drawing/2014/main" id="{A6023817-B4BB-BB32-80F5-20F345775C1B}"/>
-              </a:ext>
-            </a:extLst>
-          </p:cNvPr>
-          <p:cNvSpPr txBox="1"/>
-          <p:nvPr/>
-        </p:nvSpPr>
-        <p:spPr>
-          <a:xfrm>
-            <a:off x="5022000" y="4536209"/>
-            <a:ext cx="2135419" cy="369332"/>
-          </a:xfrm>
-          <a:prstGeom prst="rect">
-            <a:avLst/>
-          </a:prstGeom>
-          <a:noFill/>
-        </p:spPr>
-        <p:txBody>
-          <a:bodyPr rot="0" spcFirstLastPara="0" vertOverflow="overflow" horzOverflow="overflow" vert="horz" wrap="square" lIns="91440" tIns="45720" rIns="91440" bIns="45720" numCol="1" spcCol="0" rtlCol="0" fromWordArt="0" anchor="t" anchorCtr="0" forceAA="0" compatLnSpc="1">
-            <a:prstTxWarp prst="textNoShape">
-              <a:avLst/>
-            </a:prstTxWarp>
-            <a:spAutoFit/>
-          </a:bodyPr>
-          <a:lstStyle/>
-          <a:p>
-            <a:r>
-              <a:rPr lang="es-ES" dirty="0">
-                <a:solidFill>
-                  <a:schemeClr val="bg1"/>
-                </a:solidFill>
-                <a:latin typeface="HGGothicE"/>
-                <a:ea typeface="HGGothicE"/>
-                <a:cs typeface="Calibri"/>
-              </a:rPr>
-              <a:t>¿Quiénes somos?</a:t>
-            </a:r>
-            <a:endParaRPr lang="es-ES" dirty="0">
-              <a:solidFill>
-                <a:schemeClr val="bg1"/>
-              </a:solidFill>
-            </a:endParaRPr>
-          </a:p>
-        </p:txBody>
-      </p:sp>
-      <p:pic>
-        <p:nvPicPr>
-          <p:cNvPr id="17" name="Imagen 17">
-            <a:extLst>
-              <a:ext uri="{FF2B5EF4-FFF2-40B4-BE49-F238E27FC236}">
-                <a16:creationId xmlns:a16="http://schemas.microsoft.com/office/drawing/2014/main" id="{2DB60CA5-329A-3229-1C65-B10C7606280C}"/>
-              </a:ext>
-            </a:extLst>
-          </p:cNvPr>
-          <p:cNvPicPr>
-            <a:picLocks noChangeAspect="1"/>
-          </p:cNvPicPr>
-          <p:nvPr/>
-        </p:nvPicPr>
-        <p:blipFill>
-          <a:blip r:embed="rId3"/>
-          <a:stretch>
-            <a:fillRect/>
-          </a:stretch>
-        </p:blipFill>
-        <p:spPr>
-          <a:xfrm>
-            <a:off x="-4290204" y="1137249"/>
-            <a:ext cx="2297502" cy="2297502"/>
-          </a:xfrm>
-          <a:prstGeom prst="ellipse">
-            <a:avLst/>
-          </a:prstGeom>
-          <a:ln w="63500" cap="rnd">
-            <a:solidFill>
-              <a:srgbClr val="333333"/>
-            </a:solidFill>
-          </a:ln>
-          <a:effectLst>
-            <a:outerShdw blurRad="381000" dist="292100" dir="5400000" sx="-80000" sy="-18000" rotWithShape="0">
-              <a:srgbClr val="000000">
-                <a:alpha val="22000"/>
-              </a:srgbClr>
-            </a:outerShdw>
-          </a:effectLst>
-          <a:scene3d>
-            <a:camera prst="orthographicFront"/>
-            <a:lightRig rig="contrasting" dir="t">
-              <a:rot lat="0" lon="0" rev="3000000"/>
-            </a:lightRig>
-          </a:scene3d>
-          <a:sp3d contourW="7620">
-            <a:bevelT w="95250" h="31750"/>
-            <a:contourClr>
-              <a:srgbClr val="333333"/>
-            </a:contourClr>
-          </a:sp3d>
-        </p:spPr>
-      </p:pic>
-      <p:sp>
-        <p:nvSpPr>
-          <p:cNvPr id="18" name="CuadroTexto 17">
-            <a:extLst>
-              <a:ext uri="{FF2B5EF4-FFF2-40B4-BE49-F238E27FC236}">
-                <a16:creationId xmlns:a16="http://schemas.microsoft.com/office/drawing/2014/main" id="{D4B11775-B1EC-29FA-05DE-44E4B817FFC1}"/>
-              </a:ext>
-            </a:extLst>
-          </p:cNvPr>
-          <p:cNvSpPr txBox="1"/>
-          <p:nvPr/>
-        </p:nvSpPr>
-        <p:spPr>
-          <a:xfrm>
-            <a:off x="-5230365" y="3516461"/>
-            <a:ext cx="4165241" cy="830997"/>
-          </a:xfrm>
-          <a:prstGeom prst="rect">
-            <a:avLst/>
-          </a:prstGeom>
-          <a:noFill/>
-        </p:spPr>
-        <p:txBody>
-          <a:bodyPr rot="0" spcFirstLastPara="0" vertOverflow="overflow" horzOverflow="overflow" vert="horz" wrap="square" lIns="91440" tIns="45720" rIns="91440" bIns="45720" numCol="1" spcCol="0" rtlCol="0" fromWordArt="0" anchor="t" anchorCtr="0" forceAA="0" compatLnSpc="1">
-            <a:prstTxWarp prst="textNoShape">
-              <a:avLst/>
-            </a:prstTxWarp>
-            <a:spAutoFit/>
-          </a:bodyPr>
-          <a:lstStyle/>
-          <a:p>
-            <a:r>
-              <a:rPr lang="es-ES" sz="4800" dirty="0">
-                <a:solidFill>
-                  <a:schemeClr val="bg1"/>
-                </a:solidFill>
-                <a:latin typeface="HGGothicE"/>
-                <a:ea typeface="HGGothicE"/>
-                <a:cs typeface="Calibri"/>
-              </a:rPr>
-              <a:t>Lautaro Jerez</a:t>
-            </a:r>
-          </a:p>
-        </p:txBody>
-      </p:sp>
-      <p:sp>
-        <p:nvSpPr>
-          <p:cNvPr id="19" name="CuadroTexto 18">
-            <a:extLst>
-              <a:ext uri="{FF2B5EF4-FFF2-40B4-BE49-F238E27FC236}">
-                <a16:creationId xmlns:a16="http://schemas.microsoft.com/office/drawing/2014/main" id="{67AFCFD6-453D-4C1E-9815-42E9DF433683}"/>
-              </a:ext>
-            </a:extLst>
-          </p:cNvPr>
-          <p:cNvSpPr txBox="1"/>
-          <p:nvPr/>
-        </p:nvSpPr>
-        <p:spPr>
-          <a:xfrm>
-            <a:off x="-3978227" y="4334925"/>
-            <a:ext cx="1660967" cy="383709"/>
-          </a:xfrm>
-          <a:prstGeom prst="rect">
-            <a:avLst/>
-          </a:prstGeom>
-          <a:noFill/>
-        </p:spPr>
-        <p:txBody>
-          <a:bodyPr rot="0" spcFirstLastPara="0" vertOverflow="overflow" horzOverflow="overflow" vert="horz" wrap="square" lIns="91440" tIns="45720" rIns="91440" bIns="45720" numCol="1" spcCol="0" rtlCol="0" fromWordArt="0" anchor="t" anchorCtr="0" forceAA="0" compatLnSpc="1">
-            <a:prstTxWarp prst="textNoShape">
-              <a:avLst/>
-            </a:prstTxWarp>
-            <a:spAutoFit/>
-          </a:bodyPr>
-          <a:lstStyle/>
-          <a:p>
-            <a:r>
-              <a:rPr lang="es-ES" dirty="0">
-                <a:solidFill>
-                  <a:schemeClr val="bg1"/>
-                </a:solidFill>
-                <a:latin typeface="HGGothicE"/>
-                <a:ea typeface="HGGothicE"/>
-                <a:cs typeface="Calibri"/>
-              </a:rPr>
-              <a:t>Scrum Master</a:t>
-            </a:r>
-          </a:p>
-        </p:txBody>
-      </p:sp>
-      <p:pic>
-        <p:nvPicPr>
-          <p:cNvPr id="23" name="Imagen 17" descr="Hombre sonriendo con lentes&#10;&#10;Descripción generada automáticamente">
-            <a:extLst>
-              <a:ext uri="{FF2B5EF4-FFF2-40B4-BE49-F238E27FC236}">
-                <a16:creationId xmlns:a16="http://schemas.microsoft.com/office/drawing/2014/main" id="{BF89FB0A-201F-E207-48F0-C889062D319E}"/>
-              </a:ext>
-            </a:extLst>
-          </p:cNvPr>
-          <p:cNvPicPr>
-            <a:picLocks noChangeAspect="1"/>
-          </p:cNvPicPr>
-          <p:nvPr/>
-        </p:nvPicPr>
-        <p:blipFill rotWithShape="1">
-          <a:blip r:embed="rId4"/>
-          <a:srcRect t="44561" r="625" b="-840"/>
-          <a:stretch/>
-        </p:blipFill>
-        <p:spPr>
-          <a:xfrm>
-            <a:off x="15348615" y="1137249"/>
-            <a:ext cx="2283143" cy="2298670"/>
-          </a:xfrm>
-          <a:prstGeom prst="ellipse">
-            <a:avLst/>
-          </a:prstGeom>
-          <a:ln w="63500" cap="rnd">
-            <a:solidFill>
-              <a:srgbClr val="333333"/>
-            </a:solidFill>
-          </a:ln>
-          <a:effectLst>
-            <a:outerShdw blurRad="381000" dist="292100" dir="5400000" sx="-80000" sy="-18000" rotWithShape="0">
-              <a:srgbClr val="000000">
-                <a:alpha val="22000"/>
-              </a:srgbClr>
-            </a:outerShdw>
-          </a:effectLst>
-          <a:scene3d>
-            <a:camera prst="orthographicFront"/>
-            <a:lightRig rig="contrasting" dir="t">
-              <a:rot lat="0" lon="0" rev="3000000"/>
-            </a:lightRig>
-          </a:scene3d>
-          <a:sp3d contourW="7620">
-            <a:bevelT w="95250" h="31750"/>
-            <a:contourClr>
-              <a:srgbClr val="333333"/>
-            </a:contourClr>
-          </a:sp3d>
-        </p:spPr>
-      </p:pic>
-      <p:sp>
-        <p:nvSpPr>
-          <p:cNvPr id="24" name="CuadroTexto 23">
-            <a:extLst>
-              <a:ext uri="{FF2B5EF4-FFF2-40B4-BE49-F238E27FC236}">
-                <a16:creationId xmlns:a16="http://schemas.microsoft.com/office/drawing/2014/main" id="{D4174A19-C072-00D3-2BE2-63422F631395}"/>
-              </a:ext>
-            </a:extLst>
-          </p:cNvPr>
-          <p:cNvSpPr txBox="1"/>
-          <p:nvPr/>
-        </p:nvSpPr>
-        <p:spPr>
-          <a:xfrm>
-            <a:off x="14207171" y="3516462"/>
-            <a:ext cx="4553429" cy="830997"/>
-          </a:xfrm>
-          <a:prstGeom prst="rect">
-            <a:avLst/>
-          </a:prstGeom>
-          <a:noFill/>
-        </p:spPr>
-        <p:txBody>
-          <a:bodyPr rot="0" spcFirstLastPara="0" vertOverflow="overflow" horzOverflow="overflow" vert="horz" wrap="square" lIns="91440" tIns="45720" rIns="91440" bIns="45720" numCol="1" spcCol="0" rtlCol="0" fromWordArt="0" anchor="t" anchorCtr="0" forceAA="0" compatLnSpc="1">
-            <a:prstTxWarp prst="textNoShape">
-              <a:avLst/>
-            </a:prstTxWarp>
-            <a:spAutoFit/>
-          </a:bodyPr>
-          <a:lstStyle/>
-          <a:p>
-            <a:r>
-              <a:rPr lang="es-ES" sz="4800" dirty="0">
-                <a:solidFill>
-                  <a:schemeClr val="bg1"/>
-                </a:solidFill>
-                <a:latin typeface="HGGothicE"/>
-                <a:ea typeface="HGGothicE"/>
-                <a:cs typeface="Calibri"/>
-              </a:rPr>
-              <a:t>Fausto Gallego</a:t>
-            </a:r>
-            <a:endParaRPr lang="es-ES" dirty="0">
-              <a:solidFill>
-                <a:schemeClr val="bg1"/>
-              </a:solidFill>
-            </a:endParaRPr>
-          </a:p>
-        </p:txBody>
-      </p:sp>
-      <p:sp>
-        <p:nvSpPr>
-          <p:cNvPr id="25" name="CuadroTexto 24">
-            <a:extLst>
-              <a:ext uri="{FF2B5EF4-FFF2-40B4-BE49-F238E27FC236}">
-                <a16:creationId xmlns:a16="http://schemas.microsoft.com/office/drawing/2014/main" id="{FF29ABBC-92F9-E0FF-6D46-DC5F083B403A}"/>
-              </a:ext>
-            </a:extLst>
-          </p:cNvPr>
-          <p:cNvSpPr txBox="1"/>
-          <p:nvPr/>
-        </p:nvSpPr>
-        <p:spPr>
-          <a:xfrm>
-            <a:off x="15128630" y="4363680"/>
-            <a:ext cx="2710514" cy="369332"/>
-          </a:xfrm>
-          <a:prstGeom prst="rect">
-            <a:avLst/>
-          </a:prstGeom>
-          <a:noFill/>
-        </p:spPr>
-        <p:txBody>
-          <a:bodyPr rot="0" spcFirstLastPara="0" vertOverflow="overflow" horzOverflow="overflow" vert="horz" wrap="square" lIns="91440" tIns="45720" rIns="91440" bIns="45720" numCol="1" spcCol="0" rtlCol="0" fromWordArt="0" anchor="t" anchorCtr="0" forceAA="0" compatLnSpc="1">
-            <a:prstTxWarp prst="textNoShape">
-              <a:avLst/>
-            </a:prstTxWarp>
-            <a:spAutoFit/>
-          </a:bodyPr>
-          <a:lstStyle/>
-          <a:p>
-            <a:r>
-              <a:rPr lang="es-ES" dirty="0">
-                <a:solidFill>
-                  <a:schemeClr val="bg1"/>
-                </a:solidFill>
-                <a:latin typeface="HGGothicE"/>
-                <a:ea typeface="HGGothicE"/>
-                <a:cs typeface="Calibri"/>
-              </a:rPr>
-              <a:t>Sub-Scrum y Dev </a:t>
-            </a:r>
-            <a:r>
-              <a:rPr lang="es-ES" dirty="0" err="1">
-                <a:solidFill>
-                  <a:schemeClr val="bg1"/>
-                </a:solidFill>
-                <a:latin typeface="HGGothicE"/>
-                <a:ea typeface="HGGothicE"/>
-                <a:cs typeface="Calibri"/>
-              </a:rPr>
-              <a:t>Team</a:t>
-            </a:r>
-          </a:p>
-        </p:txBody>
-      </p:sp>
-      <p:pic>
-        <p:nvPicPr>
-          <p:cNvPr id="14" name="Imagen 13" descr="Imagen que contiene objeto, reloj, monitor, dibujo&#10;&#10;Descripción generada automáticamente">
-            <a:extLst>
-              <a:ext uri="{FF2B5EF4-FFF2-40B4-BE49-F238E27FC236}">
-                <a16:creationId xmlns:a16="http://schemas.microsoft.com/office/drawing/2014/main" id="{48C98760-33C3-B824-F897-E9893D62E8D7}"/>
-              </a:ext>
-            </a:extLst>
-          </p:cNvPr>
-          <p:cNvPicPr>
-            <a:picLocks noChangeAspect="1"/>
-          </p:cNvPicPr>
-          <p:nvPr/>
-        </p:nvPicPr>
-        <p:blipFill>
-          <a:blip r:embed="rId5"/>
-          <a:stretch>
-            <a:fillRect/>
-          </a:stretch>
-        </p:blipFill>
-        <p:spPr>
-          <a:xfrm>
-            <a:off x="631811" y="2514329"/>
-            <a:ext cx="10943522" cy="1822396"/>
-          </a:xfrm>
-          <a:prstGeom prst="rect">
-            <a:avLst/>
-          </a:prstGeom>
-        </p:spPr>
-      </p:pic>
-    </p:spTree>
-    <p:extLst>
-      <p:ext uri="{BB962C8B-B14F-4D97-AF65-F5344CB8AC3E}">
-        <p14:creationId xmlns:p14="http://schemas.microsoft.com/office/powerpoint/2010/main" val="3575554688"/>
-      </p:ext>
-    </p:extLst>
-  </p:cSld>
-  <p:clrMapOvr>
-    <a:masterClrMapping/>
-  </p:clrMapOvr>
-  <mc:AlternateContent xmlns:mc="http://schemas.openxmlformats.org/markup-compatibility/2006" xmlns:p159="http://schemas.microsoft.com/office/powerpoint/2015/09/main">
-    <mc:Choice Requires="p159">
-      <p:transition xmlns:p14="http://schemas.microsoft.com/office/powerpoint/2010/main" spd="slow" p14:dur="2000">
-        <p159:morph option="byObject"/>
-      </p:transition>
-    </mc:Choice>
-    <mc:Fallback xmlns="">
-      <p:transition spd="slow">
-        <p:fade/>
-      </p:transition>
-    </mc:Fallback>
-  </mc:AlternateContent>
-</p:sld>
-</file>
-
-<file path=ppt/slides/slide15.xml><?xml version="1.0" encoding="utf-8"?>
-<p:sld xmlns:a="http://schemas.openxmlformats.org/drawingml/2006/main" xmlns:r="http://schemas.openxmlformats.org/officeDocument/2006/relationships" xmlns:p="http://schemas.openxmlformats.org/presentationml/2006/main">
-  <p:cSld>
-    <p:bg>
-      <p:bgPr>
-        <a:solidFill>
-          <a:srgbClr val="C238EB"/>
-        </a:solidFill>
-        <a:effectLst/>
-      </p:bgPr>
-    </p:bg>
-    <p:spTree>
-      <p:nvGrpSpPr>
-        <p:cNvPr id="1" name=""/>
-        <p:cNvGrpSpPr/>
-        <p:nvPr/>
-      </p:nvGrpSpPr>
-      <p:grpSpPr>
-        <a:xfrm>
-          <a:off x="0" y="0"/>
-          <a:ext cx="0" cy="0"/>
-          <a:chOff x="0" y="0"/>
-          <a:chExt cx="0" cy="0"/>
-        </a:xfrm>
-      </p:grpSpPr>
-      <p:sp>
-        <p:nvSpPr>
-          <p:cNvPr id="16" name="CuadroTexto 15">
-            <a:extLst>
-              <a:ext uri="{FF2B5EF4-FFF2-40B4-BE49-F238E27FC236}">
-                <a16:creationId xmlns:a16="http://schemas.microsoft.com/office/drawing/2014/main" id="{A6023817-B4BB-BB32-80F5-20F345775C1B}"/>
-              </a:ext>
-            </a:extLst>
-          </p:cNvPr>
-          <p:cNvSpPr txBox="1"/>
-          <p:nvPr/>
-        </p:nvSpPr>
-        <p:spPr>
-          <a:xfrm>
-            <a:off x="5022000" y="8504360"/>
-            <a:ext cx="2135419" cy="369332"/>
-          </a:xfrm>
-          <a:prstGeom prst="rect">
-            <a:avLst/>
-          </a:prstGeom>
-          <a:noFill/>
-        </p:spPr>
-        <p:txBody>
-          <a:bodyPr rot="0" spcFirstLastPara="0" vertOverflow="overflow" horzOverflow="overflow" vert="horz" wrap="square" lIns="91440" tIns="45720" rIns="91440" bIns="45720" numCol="1" spcCol="0" rtlCol="0" fromWordArt="0" anchor="t" anchorCtr="0" forceAA="0" compatLnSpc="1">
-            <a:prstTxWarp prst="textNoShape">
-              <a:avLst/>
-            </a:prstTxWarp>
-            <a:spAutoFit/>
-          </a:bodyPr>
-          <a:lstStyle/>
-          <a:p>
-            <a:r>
-              <a:rPr lang="es-ES" dirty="0">
-                <a:solidFill>
-                  <a:schemeClr val="bg1"/>
-                </a:solidFill>
-                <a:latin typeface="HGGothicE"/>
-                <a:ea typeface="HGGothicE"/>
-                <a:cs typeface="Calibri"/>
-              </a:rPr>
-              <a:t>Pagos y Seguridad</a:t>
-            </a:r>
-          </a:p>
-        </p:txBody>
-      </p:sp>
-      <p:pic>
-        <p:nvPicPr>
-          <p:cNvPr id="4" name="Imagen 17">
-            <a:extLst>
-              <a:ext uri="{FF2B5EF4-FFF2-40B4-BE49-F238E27FC236}">
-                <a16:creationId xmlns:a16="http://schemas.microsoft.com/office/drawing/2014/main" id="{646F5548-A648-3DB2-CD6C-344A7A461525}"/>
-              </a:ext>
-            </a:extLst>
-          </p:cNvPr>
-          <p:cNvPicPr>
-            <a:picLocks noChangeAspect="1"/>
-          </p:cNvPicPr>
-          <p:nvPr/>
-        </p:nvPicPr>
-        <p:blipFill>
-          <a:blip r:embed="rId2"/>
-          <a:stretch>
-            <a:fillRect/>
-          </a:stretch>
-        </p:blipFill>
-        <p:spPr>
-          <a:xfrm>
-            <a:off x="2495910" y="2043023"/>
-            <a:ext cx="2283125" cy="2297501"/>
-          </a:xfrm>
-          <a:prstGeom prst="ellipse">
-            <a:avLst/>
-          </a:prstGeom>
-          <a:ln w="63500" cap="rnd">
-            <a:solidFill>
-              <a:srgbClr val="333333"/>
-            </a:solidFill>
-          </a:ln>
-          <a:effectLst>
-            <a:outerShdw blurRad="381000" dist="292100" dir="5400000" sx="-80000" sy="-18000" rotWithShape="0">
-              <a:srgbClr val="000000">
-                <a:alpha val="22000"/>
-              </a:srgbClr>
-            </a:outerShdw>
-          </a:effectLst>
-          <a:scene3d>
-            <a:camera prst="orthographicFront"/>
-            <a:lightRig rig="contrasting" dir="t">
-              <a:rot lat="0" lon="0" rev="3000000"/>
-            </a:lightRig>
-          </a:scene3d>
-          <a:sp3d contourW="7620">
-            <a:bevelT w="95250" h="31750"/>
-            <a:contourClr>
-              <a:srgbClr val="333333"/>
-            </a:contourClr>
-          </a:sp3d>
-        </p:spPr>
-      </p:pic>
-      <p:sp>
-        <p:nvSpPr>
-          <p:cNvPr id="7" name="CuadroTexto 6">
-            <a:extLst>
-              <a:ext uri="{FF2B5EF4-FFF2-40B4-BE49-F238E27FC236}">
-                <a16:creationId xmlns:a16="http://schemas.microsoft.com/office/drawing/2014/main" id="{25BDE52D-C637-DEF7-961E-B4F98AE06ACA}"/>
-              </a:ext>
-            </a:extLst>
-          </p:cNvPr>
-          <p:cNvSpPr txBox="1"/>
-          <p:nvPr/>
-        </p:nvSpPr>
-        <p:spPr>
-          <a:xfrm>
-            <a:off x="1526995" y="4465366"/>
-            <a:ext cx="4280259" cy="830997"/>
-          </a:xfrm>
-          <a:prstGeom prst="rect">
-            <a:avLst/>
-          </a:prstGeom>
-          <a:noFill/>
-        </p:spPr>
-        <p:txBody>
-          <a:bodyPr rot="0" spcFirstLastPara="0" vertOverflow="overflow" horzOverflow="overflow" vert="horz" wrap="square" lIns="91440" tIns="45720" rIns="91440" bIns="45720" numCol="1" spcCol="0" rtlCol="0" fromWordArt="0" anchor="t" anchorCtr="0" forceAA="0" compatLnSpc="1">
-            <a:prstTxWarp prst="textNoShape">
-              <a:avLst/>
-            </a:prstTxWarp>
-            <a:spAutoFit/>
-          </a:bodyPr>
-          <a:lstStyle/>
-          <a:p>
-            <a:r>
-              <a:rPr lang="es-ES" sz="4800" dirty="0">
-                <a:solidFill>
-                  <a:schemeClr val="bg1"/>
-                </a:solidFill>
-                <a:latin typeface="HGGothicE"/>
-                <a:ea typeface="HGGothicE"/>
-                <a:cs typeface="Calibri"/>
-              </a:rPr>
-              <a:t>Lautaro Jerez</a:t>
-            </a:r>
-          </a:p>
-        </p:txBody>
-      </p:sp>
-      <p:sp>
-        <p:nvSpPr>
-          <p:cNvPr id="9" name="CuadroTexto 8">
-            <a:extLst>
-              <a:ext uri="{FF2B5EF4-FFF2-40B4-BE49-F238E27FC236}">
-                <a16:creationId xmlns:a16="http://schemas.microsoft.com/office/drawing/2014/main" id="{96C080B1-1B18-5C64-FC1D-9EF34947E6BD}"/>
-              </a:ext>
-            </a:extLst>
-          </p:cNvPr>
-          <p:cNvSpPr txBox="1"/>
-          <p:nvPr/>
-        </p:nvSpPr>
-        <p:spPr>
-          <a:xfrm>
-            <a:off x="2807887" y="5269452"/>
-            <a:ext cx="1790363" cy="369332"/>
-          </a:xfrm>
-          <a:prstGeom prst="rect">
-            <a:avLst/>
-          </a:prstGeom>
-          <a:noFill/>
-        </p:spPr>
-        <p:txBody>
-          <a:bodyPr rot="0" spcFirstLastPara="0" vertOverflow="overflow" horzOverflow="overflow" vert="horz" wrap="square" lIns="91440" tIns="45720" rIns="91440" bIns="45720" numCol="1" spcCol="0" rtlCol="0" fromWordArt="0" anchor="t" anchorCtr="0" forceAA="0" compatLnSpc="1">
-            <a:prstTxWarp prst="textNoShape">
-              <a:avLst/>
-            </a:prstTxWarp>
-            <a:spAutoFit/>
-          </a:bodyPr>
-          <a:lstStyle/>
-          <a:p>
-            <a:r>
-              <a:rPr lang="es-ES" dirty="0">
-                <a:solidFill>
-                  <a:schemeClr val="bg1"/>
-                </a:solidFill>
-                <a:latin typeface="HGGothicE"/>
-                <a:ea typeface="HGGothicE"/>
-                <a:cs typeface="Calibri"/>
-              </a:rPr>
-              <a:t>Scrum Master</a:t>
-            </a:r>
-          </a:p>
-        </p:txBody>
-      </p:sp>
-      <p:pic>
-        <p:nvPicPr>
-          <p:cNvPr id="12" name="Imagen 17" descr="Hombre sonriendo con lentes&#10;&#10;Descripción generada automáticamente">
-            <a:extLst>
-              <a:ext uri="{FF2B5EF4-FFF2-40B4-BE49-F238E27FC236}">
-                <a16:creationId xmlns:a16="http://schemas.microsoft.com/office/drawing/2014/main" id="{08752134-F166-0A9C-6405-1ED1C13B76A5}"/>
-              </a:ext>
-            </a:extLst>
-          </p:cNvPr>
-          <p:cNvPicPr>
-            <a:picLocks noChangeAspect="1"/>
-          </p:cNvPicPr>
-          <p:nvPr/>
-        </p:nvPicPr>
-        <p:blipFill rotWithShape="1">
-          <a:blip r:embed="rId3"/>
-          <a:srcRect t="44561" r="625" b="-840"/>
-          <a:stretch/>
-        </p:blipFill>
-        <p:spPr>
-          <a:xfrm>
-            <a:off x="7211030" y="2071777"/>
-            <a:ext cx="2283143" cy="2298670"/>
-          </a:xfrm>
-          <a:prstGeom prst="ellipse">
-            <a:avLst/>
-          </a:prstGeom>
-          <a:ln w="63500" cap="rnd">
-            <a:solidFill>
-              <a:srgbClr val="333333"/>
-            </a:solidFill>
-          </a:ln>
-          <a:effectLst>
-            <a:outerShdw blurRad="381000" dist="292100" dir="5400000" sx="-80000" sy="-18000" rotWithShape="0">
-              <a:srgbClr val="000000">
-                <a:alpha val="22000"/>
-              </a:srgbClr>
-            </a:outerShdw>
-          </a:effectLst>
-          <a:scene3d>
-            <a:camera prst="orthographicFront"/>
-            <a:lightRig rig="contrasting" dir="t">
-              <a:rot lat="0" lon="0" rev="3000000"/>
-            </a:lightRig>
-          </a:scene3d>
-          <a:sp3d contourW="7620">
-            <a:bevelT w="95250" h="31750"/>
-            <a:contourClr>
-              <a:srgbClr val="333333"/>
-            </a:contourClr>
-          </a:sp3d>
-        </p:spPr>
-      </p:pic>
-      <p:sp>
-        <p:nvSpPr>
-          <p:cNvPr id="15" name="CuadroTexto 14">
-            <a:extLst>
-              <a:ext uri="{FF2B5EF4-FFF2-40B4-BE49-F238E27FC236}">
-                <a16:creationId xmlns:a16="http://schemas.microsoft.com/office/drawing/2014/main" id="{AA681740-70BC-8E46-DBFE-550772CD4A9E}"/>
-              </a:ext>
-            </a:extLst>
-          </p:cNvPr>
-          <p:cNvSpPr txBox="1"/>
-          <p:nvPr/>
-        </p:nvSpPr>
-        <p:spPr>
-          <a:xfrm>
-            <a:off x="6069586" y="4450990"/>
-            <a:ext cx="4553429" cy="830997"/>
-          </a:xfrm>
-          <a:prstGeom prst="rect">
-            <a:avLst/>
-          </a:prstGeom>
-          <a:noFill/>
-        </p:spPr>
-        <p:txBody>
-          <a:bodyPr rot="0" spcFirstLastPara="0" vertOverflow="overflow" horzOverflow="overflow" vert="horz" wrap="square" lIns="91440" tIns="45720" rIns="91440" bIns="45720" numCol="1" spcCol="0" rtlCol="0" fromWordArt="0" anchor="t" anchorCtr="0" forceAA="0" compatLnSpc="1">
-            <a:prstTxWarp prst="textNoShape">
-              <a:avLst/>
-            </a:prstTxWarp>
-            <a:spAutoFit/>
-          </a:bodyPr>
-          <a:lstStyle/>
-          <a:p>
-            <a:r>
-              <a:rPr lang="es-ES" sz="4800" dirty="0">
-                <a:solidFill>
-                  <a:schemeClr val="bg1"/>
-                </a:solidFill>
-                <a:latin typeface="HGGothicE"/>
-                <a:ea typeface="HGGothicE"/>
-                <a:cs typeface="Calibri"/>
-              </a:rPr>
-              <a:t>Fausto Gallego</a:t>
-            </a:r>
-            <a:endParaRPr lang="es-ES" dirty="0">
-              <a:solidFill>
-                <a:schemeClr val="bg1"/>
-              </a:solidFill>
-            </a:endParaRPr>
-          </a:p>
-        </p:txBody>
-      </p:sp>
-      <p:sp>
-        <p:nvSpPr>
-          <p:cNvPr id="18" name="CuadroTexto 17">
-            <a:extLst>
-              <a:ext uri="{FF2B5EF4-FFF2-40B4-BE49-F238E27FC236}">
-                <a16:creationId xmlns:a16="http://schemas.microsoft.com/office/drawing/2014/main" id="{F8235710-6602-31AD-8243-3F053009C4F0}"/>
-              </a:ext>
-            </a:extLst>
-          </p:cNvPr>
-          <p:cNvSpPr txBox="1"/>
-          <p:nvPr/>
-        </p:nvSpPr>
-        <p:spPr>
-          <a:xfrm>
-            <a:off x="6991045" y="5298208"/>
-            <a:ext cx="2710514" cy="369332"/>
-          </a:xfrm>
-          <a:prstGeom prst="rect">
-            <a:avLst/>
-          </a:prstGeom>
-          <a:noFill/>
-        </p:spPr>
-        <p:txBody>
-          <a:bodyPr rot="0" spcFirstLastPara="0" vertOverflow="overflow" horzOverflow="overflow" vert="horz" wrap="square" lIns="91440" tIns="45720" rIns="91440" bIns="45720" numCol="1" spcCol="0" rtlCol="0" fromWordArt="0" anchor="t" anchorCtr="0" forceAA="0" compatLnSpc="1">
-            <a:prstTxWarp prst="textNoShape">
-              <a:avLst/>
-            </a:prstTxWarp>
-            <a:spAutoFit/>
-          </a:bodyPr>
-          <a:lstStyle/>
-          <a:p>
-            <a:r>
-              <a:rPr lang="es-ES" dirty="0">
-                <a:solidFill>
-                  <a:schemeClr val="bg1"/>
-                </a:solidFill>
-                <a:latin typeface="HGGothicE"/>
-                <a:ea typeface="HGGothicE"/>
-                <a:cs typeface="Calibri"/>
-              </a:rPr>
-              <a:t>Sub-Scrum y Dev </a:t>
-            </a:r>
-            <a:r>
-              <a:rPr lang="es-ES" dirty="0" err="1">
-                <a:solidFill>
-                  <a:schemeClr val="bg1"/>
-                </a:solidFill>
-                <a:latin typeface="HGGothicE"/>
-                <a:ea typeface="HGGothicE"/>
-                <a:cs typeface="Calibri"/>
-              </a:rPr>
-              <a:t>Team</a:t>
-            </a:r>
-          </a:p>
-        </p:txBody>
-      </p:sp>
-      <p:pic>
-        <p:nvPicPr>
-          <p:cNvPr id="20" name="Imagen 17" descr="La cara de un hombre&#10;&#10;Descripción generada automáticamente">
-            <a:extLst>
-              <a:ext uri="{FF2B5EF4-FFF2-40B4-BE49-F238E27FC236}">
-                <a16:creationId xmlns:a16="http://schemas.microsoft.com/office/drawing/2014/main" id="{76620C19-A39D-CB75-375F-BA3493A72C26}"/>
-              </a:ext>
-            </a:extLst>
-          </p:cNvPr>
-          <p:cNvPicPr>
-            <a:picLocks noChangeAspect="1"/>
-          </p:cNvPicPr>
-          <p:nvPr/>
-        </p:nvPicPr>
-        <p:blipFill rotWithShape="1">
-          <a:blip r:embed="rId4"/>
-          <a:srcRect l="2562" t="29251" r="1010" b="17317"/>
-          <a:stretch/>
-        </p:blipFill>
-        <p:spPr>
-          <a:xfrm>
-            <a:off x="13890496" y="2879622"/>
-            <a:ext cx="1369738" cy="1349340"/>
-          </a:xfrm>
-          <a:prstGeom prst="ellipse">
-            <a:avLst/>
-          </a:prstGeom>
-          <a:ln w="63500" cap="rnd">
-            <a:solidFill>
-              <a:srgbClr val="333333"/>
-            </a:solidFill>
-          </a:ln>
-          <a:effectLst>
-            <a:outerShdw blurRad="381000" dist="292100" dir="5400000" sx="-80000" sy="-18000" rotWithShape="0">
-              <a:srgbClr val="000000">
-                <a:alpha val="22000"/>
-              </a:srgbClr>
-            </a:outerShdw>
-          </a:effectLst>
-          <a:scene3d>
-            <a:camera prst="orthographicFront"/>
-            <a:lightRig rig="contrasting" dir="t">
-              <a:rot lat="0" lon="0" rev="3000000"/>
-            </a:lightRig>
-          </a:scene3d>
-          <a:sp3d contourW="7620">
-            <a:bevelT w="95250" h="31750"/>
-            <a:contourClr>
-              <a:srgbClr val="333333"/>
-            </a:contourClr>
-          </a:sp3d>
-        </p:spPr>
-      </p:pic>
-      <p:sp>
-        <p:nvSpPr>
-          <p:cNvPr id="22" name="CuadroTexto 21">
-            <a:extLst>
-              <a:ext uri="{FF2B5EF4-FFF2-40B4-BE49-F238E27FC236}">
-                <a16:creationId xmlns:a16="http://schemas.microsoft.com/office/drawing/2014/main" id="{A2F54BEE-801C-CA09-9D44-2DAEE1D1E27F}"/>
-              </a:ext>
-            </a:extLst>
-          </p:cNvPr>
-          <p:cNvSpPr txBox="1"/>
-          <p:nvPr/>
-        </p:nvSpPr>
-        <p:spPr>
-          <a:xfrm>
-            <a:off x="13637958" y="4437134"/>
-            <a:ext cx="1955048" cy="369332"/>
-          </a:xfrm>
-          <a:prstGeom prst="rect">
-            <a:avLst/>
-          </a:prstGeom>
-          <a:noFill/>
-        </p:spPr>
-        <p:txBody>
-          <a:bodyPr rot="0" spcFirstLastPara="0" vertOverflow="overflow" horzOverflow="overflow" vert="horz" wrap="square" lIns="91440" tIns="45720" rIns="91440" bIns="45720" numCol="1" spcCol="0" rtlCol="0" fromWordArt="0" anchor="t" anchorCtr="0" forceAA="0" compatLnSpc="1">
-            <a:prstTxWarp prst="textNoShape">
-              <a:avLst/>
-            </a:prstTxWarp>
-            <a:spAutoFit/>
-          </a:bodyPr>
-          <a:lstStyle/>
-          <a:p>
-            <a:r>
-              <a:rPr lang="es-ES" dirty="0" err="1">
-                <a:solidFill>
-                  <a:schemeClr val="bg1"/>
-                </a:solidFill>
-                <a:latin typeface="HGGothicE"/>
-                <a:ea typeface="HGGothicE"/>
-                <a:cs typeface="Calibri"/>
-              </a:rPr>
-              <a:t>Agustin</a:t>
-            </a:r>
-            <a:r>
-              <a:rPr lang="es-ES" dirty="0">
-                <a:solidFill>
-                  <a:schemeClr val="bg1"/>
-                </a:solidFill>
-                <a:latin typeface="HGGothicE"/>
-                <a:ea typeface="HGGothicE"/>
-                <a:cs typeface="Calibri"/>
-              </a:rPr>
-              <a:t> Marino</a:t>
-            </a:r>
-          </a:p>
-        </p:txBody>
-      </p:sp>
-      <p:sp>
-        <p:nvSpPr>
-          <p:cNvPr id="24" name="CuadroTexto 23">
-            <a:extLst>
-              <a:ext uri="{FF2B5EF4-FFF2-40B4-BE49-F238E27FC236}">
-                <a16:creationId xmlns:a16="http://schemas.microsoft.com/office/drawing/2014/main" id="{69F25900-2E67-02EF-D89D-4BD99837DBB8}"/>
-              </a:ext>
-            </a:extLst>
-          </p:cNvPr>
-          <p:cNvSpPr txBox="1"/>
-          <p:nvPr/>
-        </p:nvSpPr>
-        <p:spPr>
-          <a:xfrm>
-            <a:off x="12397585" y="-884057"/>
-            <a:ext cx="1129005" cy="369332"/>
-          </a:xfrm>
-          <a:prstGeom prst="rect">
-            <a:avLst/>
-          </a:prstGeom>
-          <a:noFill/>
-        </p:spPr>
-        <p:txBody>
-          <a:bodyPr rot="0" spcFirstLastPara="0" vertOverflow="overflow" horzOverflow="overflow" vert="horz" wrap="square" lIns="91440" tIns="45720" rIns="91440" bIns="45720" numCol="1" spcCol="0" rtlCol="0" fromWordArt="0" anchor="t" anchorCtr="0" forceAA="0" compatLnSpc="1">
-            <a:prstTxWarp prst="textNoShape">
-              <a:avLst/>
-            </a:prstTxWarp>
-            <a:spAutoFit/>
-          </a:bodyPr>
-          <a:lstStyle/>
-          <a:p>
-            <a:r>
-              <a:rPr lang="es-ES" dirty="0">
-                <a:solidFill>
-                  <a:schemeClr val="bg1"/>
-                </a:solidFill>
-                <a:latin typeface="HGGothicE"/>
-                <a:ea typeface="+mn-lt"/>
-                <a:cs typeface="+mn-lt"/>
-              </a:rPr>
-              <a:t>Dev </a:t>
-            </a:r>
-            <a:r>
-              <a:rPr lang="es-ES" err="1">
-                <a:solidFill>
-                  <a:schemeClr val="bg1"/>
-                </a:solidFill>
-                <a:latin typeface="HGGothicE"/>
-                <a:ea typeface="+mn-lt"/>
-                <a:cs typeface="+mn-lt"/>
-              </a:rPr>
-              <a:t>Team</a:t>
-            </a:r>
-            <a:endParaRPr lang="es-ES" err="1">
-              <a:solidFill>
-                <a:schemeClr val="bg1"/>
-              </a:solidFill>
-              <a:latin typeface="HGGothicE"/>
-            </a:endParaRPr>
-          </a:p>
-        </p:txBody>
-      </p:sp>
-      <p:pic>
-        <p:nvPicPr>
-          <p:cNvPr id="26" name="Imagen 17" descr="Imagen que contiene Patrón de fondo&#10;&#10;Descripción generada automáticamente">
-            <a:extLst>
-              <a:ext uri="{FF2B5EF4-FFF2-40B4-BE49-F238E27FC236}">
-                <a16:creationId xmlns:a16="http://schemas.microsoft.com/office/drawing/2014/main" id="{881A1C25-C442-85C8-6AA8-690F940A4472}"/>
-              </a:ext>
-            </a:extLst>
-          </p:cNvPr>
-          <p:cNvPicPr>
-            <a:picLocks noChangeAspect="1"/>
-          </p:cNvPicPr>
-          <p:nvPr/>
-        </p:nvPicPr>
-        <p:blipFill>
-          <a:blip r:embed="rId5"/>
-          <a:srcRect l="992" r="992"/>
-          <a:stretch>
-            <a:fillRect/>
-          </a:stretch>
-        </p:blipFill>
-        <p:spPr>
-          <a:xfrm>
-            <a:off x="-2924355" y="-2773393"/>
-            <a:ext cx="1420484" cy="1449237"/>
-          </a:xfrm>
-          <a:prstGeom prst="ellipse">
-            <a:avLst/>
-          </a:prstGeom>
-          <a:ln w="63500" cap="rnd">
-            <a:solidFill>
-              <a:srgbClr val="333333"/>
-            </a:solidFill>
-          </a:ln>
-          <a:effectLst>
-            <a:outerShdw blurRad="381000" dist="292100" dir="5400000" sx="-80000" sy="-18000" rotWithShape="0">
-              <a:srgbClr val="000000">
-                <a:alpha val="22000"/>
-              </a:srgbClr>
-            </a:outerShdw>
-          </a:effectLst>
-          <a:scene3d>
-            <a:camera prst="orthographicFront"/>
-            <a:lightRig rig="contrasting" dir="t">
-              <a:rot lat="0" lon="0" rev="3000000"/>
-            </a:lightRig>
-          </a:scene3d>
-          <a:sp3d contourW="7620">
-            <a:bevelT w="95250" h="31750"/>
-            <a:contourClr>
-              <a:srgbClr val="333333"/>
-            </a:contourClr>
-          </a:sp3d>
-        </p:spPr>
-      </p:pic>
-      <p:sp>
-        <p:nvSpPr>
-          <p:cNvPr id="28" name="CuadroTexto 27">
-            <a:extLst>
-              <a:ext uri="{FF2B5EF4-FFF2-40B4-BE49-F238E27FC236}">
-                <a16:creationId xmlns:a16="http://schemas.microsoft.com/office/drawing/2014/main" id="{59B3764D-9A1B-DE60-EB06-85549C4A130F}"/>
-              </a:ext>
-            </a:extLst>
-          </p:cNvPr>
-          <p:cNvSpPr txBox="1"/>
-          <p:nvPr/>
-        </p:nvSpPr>
-        <p:spPr>
-          <a:xfrm>
-            <a:off x="-3174404" y="-1242445"/>
-            <a:ext cx="1922373" cy="369332"/>
-          </a:xfrm>
-          <a:prstGeom prst="rect">
-            <a:avLst/>
-          </a:prstGeom>
-          <a:noFill/>
-        </p:spPr>
-        <p:txBody>
-          <a:bodyPr rot="0" spcFirstLastPara="0" vertOverflow="overflow" horzOverflow="overflow" vert="horz" wrap="square" lIns="91440" tIns="45720" rIns="91440" bIns="45720" numCol="1" spcCol="0" rtlCol="0" fromWordArt="0" anchor="t" anchorCtr="0" forceAA="0" compatLnSpc="1">
-            <a:prstTxWarp prst="textNoShape">
-              <a:avLst/>
-            </a:prstTxWarp>
-            <a:spAutoFit/>
-          </a:bodyPr>
-          <a:lstStyle/>
-          <a:p>
-            <a:r>
-              <a:rPr lang="es-ES" dirty="0">
-                <a:solidFill>
-                  <a:schemeClr val="bg1"/>
-                </a:solidFill>
-                <a:latin typeface="HGGothicE"/>
-                <a:ea typeface="HGGothicE"/>
-                <a:cs typeface="Calibri"/>
-              </a:rPr>
-              <a:t>Sheila Hinojosa</a:t>
-            </a:r>
-            <a:endParaRPr lang="es-ES" dirty="0">
-              <a:solidFill>
-                <a:schemeClr val="bg1"/>
-              </a:solidFill>
-            </a:endParaRPr>
-          </a:p>
-        </p:txBody>
-      </p:sp>
-      <p:sp>
-        <p:nvSpPr>
-          <p:cNvPr id="30" name="CuadroTexto 29">
-            <a:extLst>
-              <a:ext uri="{FF2B5EF4-FFF2-40B4-BE49-F238E27FC236}">
-                <a16:creationId xmlns:a16="http://schemas.microsoft.com/office/drawing/2014/main" id="{3C6807C9-09BF-0137-20F6-1232C38CD7B7}"/>
-              </a:ext>
-            </a:extLst>
-          </p:cNvPr>
-          <p:cNvSpPr txBox="1"/>
-          <p:nvPr/>
-        </p:nvSpPr>
-        <p:spPr>
-          <a:xfrm>
-            <a:off x="-2813661" y="-884057"/>
-            <a:ext cx="1186514" cy="369332"/>
-          </a:xfrm>
-          <a:prstGeom prst="rect">
-            <a:avLst/>
-          </a:prstGeom>
-          <a:noFill/>
-        </p:spPr>
-        <p:txBody>
-          <a:bodyPr rot="0" spcFirstLastPara="0" vertOverflow="overflow" horzOverflow="overflow" vert="horz" wrap="square" lIns="91440" tIns="45720" rIns="91440" bIns="45720" numCol="1" spcCol="0" rtlCol="0" fromWordArt="0" anchor="t" anchorCtr="0" forceAA="0" compatLnSpc="1">
-            <a:prstTxWarp prst="textNoShape">
-              <a:avLst/>
-            </a:prstTxWarp>
-            <a:spAutoFit/>
-          </a:bodyPr>
-          <a:lstStyle/>
-          <a:p>
-            <a:r>
-              <a:rPr lang="es-ES" dirty="0">
-                <a:solidFill>
-                  <a:schemeClr val="bg1"/>
-                </a:solidFill>
-                <a:latin typeface="HGGothicE"/>
-                <a:ea typeface="HGGothicE"/>
-                <a:cs typeface="Calibri"/>
-              </a:rPr>
-              <a:t>Dev </a:t>
-            </a:r>
-            <a:r>
-              <a:rPr lang="es-ES" dirty="0" err="1">
-                <a:solidFill>
-                  <a:schemeClr val="bg1"/>
-                </a:solidFill>
-                <a:latin typeface="HGGothicE"/>
-                <a:ea typeface="HGGothicE"/>
-                <a:cs typeface="Calibri"/>
-              </a:rPr>
-              <a:t>Team</a:t>
-            </a:r>
-            <a:endParaRPr lang="es-ES" dirty="0" err="1">
-              <a:solidFill>
-                <a:schemeClr val="bg1"/>
-              </a:solidFill>
-            </a:endParaRPr>
-          </a:p>
-        </p:txBody>
-      </p:sp>
-      <p:pic>
-        <p:nvPicPr>
-          <p:cNvPr id="32" name="Imagen 17">
-            <a:extLst>
-              <a:ext uri="{FF2B5EF4-FFF2-40B4-BE49-F238E27FC236}">
-                <a16:creationId xmlns:a16="http://schemas.microsoft.com/office/drawing/2014/main" id="{29227015-723D-5ABD-7059-8ADDB8DA5F40}"/>
-              </a:ext>
-            </a:extLst>
-          </p:cNvPr>
-          <p:cNvPicPr>
-            <a:picLocks noChangeAspect="1"/>
-          </p:cNvPicPr>
-          <p:nvPr/>
-        </p:nvPicPr>
-        <p:blipFill>
-          <a:blip r:embed="rId6"/>
-          <a:srcRect l="13660" r="13660"/>
-          <a:stretch>
-            <a:fillRect/>
-          </a:stretch>
-        </p:blipFill>
-        <p:spPr>
-          <a:xfrm>
-            <a:off x="-4405223" y="2905664"/>
-            <a:ext cx="1420484" cy="1449237"/>
-          </a:xfrm>
-          <a:prstGeom prst="ellipse">
-            <a:avLst/>
-          </a:prstGeom>
-          <a:ln w="63500" cap="rnd">
-            <a:solidFill>
-              <a:srgbClr val="333333"/>
-            </a:solidFill>
-          </a:ln>
-          <a:effectLst>
-            <a:outerShdw blurRad="381000" dist="292100" dir="5400000" sx="-80000" sy="-18000" rotWithShape="0">
-              <a:srgbClr val="000000">
-                <a:alpha val="22000"/>
-              </a:srgbClr>
-            </a:outerShdw>
-          </a:effectLst>
-          <a:scene3d>
-            <a:camera prst="orthographicFront"/>
-            <a:lightRig rig="contrasting" dir="t">
-              <a:rot lat="0" lon="0" rev="3000000"/>
-            </a:lightRig>
-          </a:scene3d>
-          <a:sp3d contourW="7620">
-            <a:bevelT w="95250" h="31750"/>
-            <a:contourClr>
-              <a:srgbClr val="333333"/>
-            </a:contourClr>
-          </a:sp3d>
-        </p:spPr>
-      </p:pic>
-      <p:sp>
-        <p:nvSpPr>
-          <p:cNvPr id="34" name="CuadroTexto 33">
-            <a:extLst>
-              <a:ext uri="{FF2B5EF4-FFF2-40B4-BE49-F238E27FC236}">
-                <a16:creationId xmlns:a16="http://schemas.microsoft.com/office/drawing/2014/main" id="{0A6FD604-EC5D-2C00-5CF0-FB4933044FFD}"/>
-              </a:ext>
-            </a:extLst>
-          </p:cNvPr>
-          <p:cNvSpPr txBox="1"/>
-          <p:nvPr/>
-        </p:nvSpPr>
-        <p:spPr>
-          <a:xfrm>
-            <a:off x="-4770290" y="4436612"/>
-            <a:ext cx="2310562" cy="369332"/>
-          </a:xfrm>
-          <a:prstGeom prst="rect">
-            <a:avLst/>
-          </a:prstGeom>
-          <a:noFill/>
-        </p:spPr>
-        <p:txBody>
-          <a:bodyPr rot="0" spcFirstLastPara="0" vertOverflow="overflow" horzOverflow="overflow" vert="horz" wrap="square" lIns="91440" tIns="45720" rIns="91440" bIns="45720" numCol="1" spcCol="0" rtlCol="0" fromWordArt="0" anchor="t" anchorCtr="0" forceAA="0" compatLnSpc="1">
-            <a:prstTxWarp prst="textNoShape">
-              <a:avLst/>
-            </a:prstTxWarp>
-            <a:spAutoFit/>
-          </a:bodyPr>
-          <a:lstStyle/>
-          <a:p>
-            <a:r>
-              <a:rPr lang="es-ES" dirty="0">
-                <a:solidFill>
-                  <a:schemeClr val="bg1"/>
-                </a:solidFill>
-                <a:latin typeface="HGGothicE"/>
-                <a:ea typeface="HGGothicE"/>
-                <a:cs typeface="Calibri"/>
-              </a:rPr>
-              <a:t>Fabricio Salgueiro</a:t>
-            </a:r>
-            <a:endParaRPr lang="es-ES" dirty="0">
-              <a:solidFill>
-                <a:schemeClr val="bg1"/>
-              </a:solidFill>
-            </a:endParaRPr>
-          </a:p>
-        </p:txBody>
-      </p:sp>
-      <p:sp>
-        <p:nvSpPr>
-          <p:cNvPr id="36" name="CuadroTexto 35">
-            <a:extLst>
-              <a:ext uri="{FF2B5EF4-FFF2-40B4-BE49-F238E27FC236}">
-                <a16:creationId xmlns:a16="http://schemas.microsoft.com/office/drawing/2014/main" id="{6B822695-1174-2EB5-D84F-5F1122D4A0C8}"/>
-              </a:ext>
-            </a:extLst>
-          </p:cNvPr>
-          <p:cNvSpPr txBox="1"/>
-          <p:nvPr/>
-        </p:nvSpPr>
-        <p:spPr>
-          <a:xfrm>
-            <a:off x="-4294529" y="4795000"/>
-            <a:ext cx="1186515" cy="369332"/>
-          </a:xfrm>
-          <a:prstGeom prst="rect">
-            <a:avLst/>
-          </a:prstGeom>
-          <a:noFill/>
-        </p:spPr>
-        <p:txBody>
-          <a:bodyPr rot="0" spcFirstLastPara="0" vertOverflow="overflow" horzOverflow="overflow" vert="horz" wrap="square" lIns="91440" tIns="45720" rIns="91440" bIns="45720" numCol="1" spcCol="0" rtlCol="0" fromWordArt="0" anchor="t" anchorCtr="0" forceAA="0" compatLnSpc="1">
-            <a:prstTxWarp prst="textNoShape">
-              <a:avLst/>
-            </a:prstTxWarp>
-            <a:spAutoFit/>
-          </a:bodyPr>
-          <a:lstStyle/>
-          <a:p>
-            <a:r>
-              <a:rPr lang="es-ES" dirty="0">
-                <a:solidFill>
-                  <a:schemeClr val="bg1"/>
-                </a:solidFill>
-                <a:latin typeface="HGGothicE"/>
-                <a:ea typeface="+mn-lt"/>
-                <a:cs typeface="+mn-lt"/>
-              </a:rPr>
-              <a:t>Dev </a:t>
-            </a:r>
-            <a:r>
-              <a:rPr lang="es-ES" err="1">
-                <a:solidFill>
-                  <a:schemeClr val="bg1"/>
-                </a:solidFill>
-                <a:latin typeface="HGGothicE"/>
-                <a:ea typeface="+mn-lt"/>
-                <a:cs typeface="+mn-lt"/>
-              </a:rPr>
-              <a:t>Team</a:t>
-            </a:r>
-            <a:endParaRPr lang="es-ES" err="1">
-              <a:solidFill>
-                <a:schemeClr val="bg1"/>
-              </a:solidFill>
-              <a:latin typeface="HGGothicE"/>
-            </a:endParaRPr>
-          </a:p>
-        </p:txBody>
-      </p:sp>
-      <p:pic>
-        <p:nvPicPr>
-          <p:cNvPr id="38" name="Imagen 17">
-            <a:extLst>
-              <a:ext uri="{FF2B5EF4-FFF2-40B4-BE49-F238E27FC236}">
-                <a16:creationId xmlns:a16="http://schemas.microsoft.com/office/drawing/2014/main" id="{1DBC5AA7-E0A8-FB53-E196-15CAA4AB8297}"/>
-              </a:ext>
-            </a:extLst>
-          </p:cNvPr>
-          <p:cNvPicPr>
-            <a:picLocks noChangeAspect="1"/>
-          </p:cNvPicPr>
-          <p:nvPr/>
-        </p:nvPicPr>
-        <p:blipFill>
-          <a:blip r:embed="rId7"/>
-          <a:srcRect l="1400" r="1400"/>
-          <a:stretch>
-            <a:fillRect/>
-          </a:stretch>
-        </p:blipFill>
-        <p:spPr>
-          <a:xfrm>
-            <a:off x="12258136" y="-2845280"/>
-            <a:ext cx="1420484" cy="1449237"/>
-          </a:xfrm>
-          <a:prstGeom prst="ellipse">
-            <a:avLst/>
-          </a:prstGeom>
-          <a:ln w="63500" cap="rnd">
-            <a:solidFill>
-              <a:srgbClr val="333333"/>
-            </a:solidFill>
-          </a:ln>
-          <a:effectLst>
-            <a:outerShdw blurRad="381000" dist="292100" dir="5400000" sx="-80000" sy="-18000" rotWithShape="0">
-              <a:srgbClr val="000000">
-                <a:alpha val="22000"/>
-              </a:srgbClr>
-            </a:outerShdw>
-          </a:effectLst>
-          <a:scene3d>
-            <a:camera prst="orthographicFront"/>
-            <a:lightRig rig="contrasting" dir="t">
-              <a:rot lat="0" lon="0" rev="3000000"/>
-            </a:lightRig>
-          </a:scene3d>
-          <a:sp3d contourW="7620">
-            <a:bevelT w="95250" h="31750"/>
-            <a:contourClr>
-              <a:srgbClr val="333333"/>
-            </a:contourClr>
-          </a:sp3d>
-        </p:spPr>
-      </p:pic>
-      <p:sp>
-        <p:nvSpPr>
-          <p:cNvPr id="40" name="CuadroTexto 39">
-            <a:extLst>
-              <a:ext uri="{FF2B5EF4-FFF2-40B4-BE49-F238E27FC236}">
-                <a16:creationId xmlns:a16="http://schemas.microsoft.com/office/drawing/2014/main" id="{279A6C4E-06BE-6F82-32B4-F7B8E21F0345}"/>
-              </a:ext>
-            </a:extLst>
-          </p:cNvPr>
-          <p:cNvSpPr txBox="1"/>
-          <p:nvPr/>
-        </p:nvSpPr>
-        <p:spPr>
-          <a:xfrm>
-            <a:off x="12223748" y="-1314332"/>
-            <a:ext cx="1476676" cy="369332"/>
-          </a:xfrm>
-          <a:prstGeom prst="rect">
-            <a:avLst/>
-          </a:prstGeom>
-          <a:noFill/>
-        </p:spPr>
-        <p:txBody>
-          <a:bodyPr rot="0" spcFirstLastPara="0" vertOverflow="overflow" horzOverflow="overflow" vert="horz" wrap="square" lIns="91440" tIns="45720" rIns="91440" bIns="45720" numCol="1" spcCol="0" rtlCol="0" fromWordArt="0" anchor="t" anchorCtr="0" forceAA="0" compatLnSpc="1">
-            <a:prstTxWarp prst="textNoShape">
-              <a:avLst/>
-            </a:prstTxWarp>
-            <a:spAutoFit/>
-          </a:bodyPr>
-          <a:lstStyle/>
-          <a:p>
-            <a:r>
-              <a:rPr lang="es-ES" dirty="0">
-                <a:solidFill>
-                  <a:schemeClr val="bg1"/>
-                </a:solidFill>
-                <a:latin typeface="HGGothicE"/>
-                <a:ea typeface="HGGothicE"/>
-                <a:cs typeface="Calibri"/>
-              </a:rPr>
-              <a:t>Alan Huanca</a:t>
-            </a:r>
-          </a:p>
-        </p:txBody>
-      </p:sp>
-      <p:sp>
-        <p:nvSpPr>
-          <p:cNvPr id="42" name="CuadroTexto 41">
-            <a:extLst>
-              <a:ext uri="{FF2B5EF4-FFF2-40B4-BE49-F238E27FC236}">
-                <a16:creationId xmlns:a16="http://schemas.microsoft.com/office/drawing/2014/main" id="{6F2E2069-BE7B-979A-8B14-84ED45352816}"/>
-              </a:ext>
-            </a:extLst>
-          </p:cNvPr>
-          <p:cNvSpPr txBox="1"/>
-          <p:nvPr/>
-        </p:nvSpPr>
-        <p:spPr>
-          <a:xfrm>
-            <a:off x="14022226" y="4866887"/>
-            <a:ext cx="1186514" cy="369332"/>
-          </a:xfrm>
-          <a:prstGeom prst="rect">
-            <a:avLst/>
-          </a:prstGeom>
-          <a:noFill/>
-        </p:spPr>
-        <p:txBody>
-          <a:bodyPr rot="0" spcFirstLastPara="0" vertOverflow="overflow" horzOverflow="overflow" vert="horz" wrap="square" lIns="91440" tIns="45720" rIns="91440" bIns="45720" numCol="1" spcCol="0" rtlCol="0" fromWordArt="0" anchor="t" anchorCtr="0" forceAA="0" compatLnSpc="1">
-            <a:prstTxWarp prst="textNoShape">
-              <a:avLst/>
-            </a:prstTxWarp>
-            <a:spAutoFit/>
-          </a:bodyPr>
-          <a:lstStyle/>
-          <a:p>
-            <a:r>
-              <a:rPr lang="es-ES" dirty="0">
-                <a:solidFill>
-                  <a:schemeClr val="bg1"/>
-                </a:solidFill>
-                <a:latin typeface="HGGothicE"/>
-                <a:ea typeface="+mn-lt"/>
-                <a:cs typeface="+mn-lt"/>
-              </a:rPr>
-              <a:t>Dev </a:t>
-            </a:r>
-            <a:r>
-              <a:rPr lang="es-ES" err="1">
-                <a:solidFill>
-                  <a:schemeClr val="bg1"/>
-                </a:solidFill>
-                <a:latin typeface="HGGothicE"/>
-                <a:ea typeface="+mn-lt"/>
-                <a:cs typeface="+mn-lt"/>
-              </a:rPr>
-              <a:t>Team</a:t>
-            </a:r>
-            <a:endParaRPr lang="es-ES" err="1">
-              <a:solidFill>
-                <a:schemeClr val="bg1"/>
-              </a:solidFill>
-              <a:latin typeface="HGGothicE"/>
-            </a:endParaRPr>
-          </a:p>
-        </p:txBody>
-      </p:sp>
-      <p:pic>
-        <p:nvPicPr>
-          <p:cNvPr id="14" name="Imagen 13" descr="Imagen que contiene objeto, reloj, monitor, dibujo&#10;&#10;Descripción generada automáticamente">
-            <a:extLst>
-              <a:ext uri="{FF2B5EF4-FFF2-40B4-BE49-F238E27FC236}">
-                <a16:creationId xmlns:a16="http://schemas.microsoft.com/office/drawing/2014/main" id="{48C98760-33C3-B824-F897-E9893D62E8D7}"/>
-              </a:ext>
-            </a:extLst>
-          </p:cNvPr>
-          <p:cNvPicPr>
-            <a:picLocks noChangeAspect="1"/>
-          </p:cNvPicPr>
-          <p:nvPr/>
-        </p:nvPicPr>
-        <p:blipFill>
-          <a:blip r:embed="rId8"/>
-          <a:stretch>
-            <a:fillRect/>
-          </a:stretch>
-        </p:blipFill>
-        <p:spPr>
-          <a:xfrm>
-            <a:off x="214868" y="242706"/>
-            <a:ext cx="2403372" cy="399038"/>
-          </a:xfrm>
-          <a:prstGeom prst="rect">
-            <a:avLst/>
-          </a:prstGeom>
-        </p:spPr>
-      </p:pic>
-    </p:spTree>
-    <p:extLst>
-      <p:ext uri="{BB962C8B-B14F-4D97-AF65-F5344CB8AC3E}">
-        <p14:creationId xmlns:p14="http://schemas.microsoft.com/office/powerpoint/2010/main" val="4231979758"/>
-      </p:ext>
-    </p:extLst>
-  </p:cSld>
-  <p:clrMapOvr>
-    <a:masterClrMapping/>
-  </p:clrMapOvr>
-  <mc:AlternateContent xmlns:mc="http://schemas.openxmlformats.org/markup-compatibility/2006" xmlns:p159="http://schemas.microsoft.com/office/powerpoint/2015/09/main">
-    <mc:Choice Requires="p159">
-      <p:transition xmlns:p14="http://schemas.microsoft.com/office/powerpoint/2010/main" spd="slow" p14:dur="2000">
-        <p159:morph option="byObject"/>
-      </p:transition>
-    </mc:Choice>
-    <mc:Fallback xmlns="">
-      <p:transition spd="slow">
-        <p:fade/>
-      </p:transition>
-    </mc:Fallback>
-  </mc:AlternateContent>
-</p:sld>
-</file>
-
-<file path=ppt/slides/slide16.xml><?xml version="1.0" encoding="utf-8"?>
-<p:sld xmlns:a="http://schemas.openxmlformats.org/drawingml/2006/main" xmlns:r="http://schemas.openxmlformats.org/officeDocument/2006/relationships" xmlns:p="http://schemas.openxmlformats.org/presentationml/2006/main">
-  <p:cSld>
-    <p:bg>
-      <p:bgPr>
-        <a:solidFill>
-          <a:srgbClr val="C238EB"/>
-        </a:solidFill>
-        <a:effectLst/>
-      </p:bgPr>
-    </p:bg>
-    <p:spTree>
-      <p:nvGrpSpPr>
-        <p:cNvPr id="1" name=""/>
-        <p:cNvGrpSpPr/>
-        <p:nvPr/>
-      </p:nvGrpSpPr>
-      <p:grpSpPr>
-        <a:xfrm>
-          <a:off x="0" y="0"/>
-          <a:ext cx="0" cy="0"/>
-          <a:chOff x="0" y="0"/>
-          <a:chExt cx="0" cy="0"/>
-        </a:xfrm>
-      </p:grpSpPr>
-      <p:pic>
-        <p:nvPicPr>
-          <p:cNvPr id="4" name="Imagen 17">
-            <a:extLst>
-              <a:ext uri="{FF2B5EF4-FFF2-40B4-BE49-F238E27FC236}">
-                <a16:creationId xmlns:a16="http://schemas.microsoft.com/office/drawing/2014/main" id="{646F5548-A648-3DB2-CD6C-344A7A461525}"/>
-              </a:ext>
-            </a:extLst>
-          </p:cNvPr>
-          <p:cNvPicPr>
-            <a:picLocks noChangeAspect="1"/>
-          </p:cNvPicPr>
-          <p:nvPr/>
-        </p:nvPicPr>
-        <p:blipFill>
-          <a:blip r:embed="rId2"/>
-          <a:stretch>
-            <a:fillRect/>
-          </a:stretch>
-        </p:blipFill>
-        <p:spPr>
-          <a:xfrm>
-            <a:off x="4787922" y="2948272"/>
-            <a:ext cx="1420484" cy="1449237"/>
-          </a:xfrm>
-          <a:prstGeom prst="ellipse">
-            <a:avLst/>
-          </a:prstGeom>
-          <a:ln w="63500" cap="rnd">
-            <a:solidFill>
-              <a:srgbClr val="333333"/>
-            </a:solidFill>
-          </a:ln>
-          <a:effectLst>
-            <a:outerShdw blurRad="381000" dist="292100" dir="5400000" sx="-80000" sy="-18000" rotWithShape="0">
-              <a:srgbClr val="000000">
-                <a:alpha val="22000"/>
-              </a:srgbClr>
-            </a:outerShdw>
-          </a:effectLst>
-          <a:scene3d>
-            <a:camera prst="orthographicFront"/>
-            <a:lightRig rig="contrasting" dir="t">
-              <a:rot lat="0" lon="0" rev="3000000"/>
-            </a:lightRig>
-          </a:scene3d>
-          <a:sp3d contourW="7620">
-            <a:bevelT w="95250" h="31750"/>
-            <a:contourClr>
-              <a:srgbClr val="333333"/>
-            </a:contourClr>
-          </a:sp3d>
-        </p:spPr>
-      </p:pic>
-      <p:sp>
-        <p:nvSpPr>
-          <p:cNvPr id="7" name="CuadroTexto 6">
-            <a:extLst>
-              <a:ext uri="{FF2B5EF4-FFF2-40B4-BE49-F238E27FC236}">
-                <a16:creationId xmlns:a16="http://schemas.microsoft.com/office/drawing/2014/main" id="{25BDE52D-C637-DEF7-961E-B4F98AE06ACA}"/>
-              </a:ext>
-            </a:extLst>
-          </p:cNvPr>
-          <p:cNvSpPr txBox="1"/>
-          <p:nvPr/>
-        </p:nvSpPr>
-        <p:spPr>
-          <a:xfrm>
-            <a:off x="4652893" y="4465366"/>
-            <a:ext cx="1677958" cy="369332"/>
-          </a:xfrm>
-          <a:prstGeom prst="rect">
-            <a:avLst/>
-          </a:prstGeom>
-          <a:noFill/>
-        </p:spPr>
-        <p:txBody>
-          <a:bodyPr rot="0" spcFirstLastPara="0" vertOverflow="overflow" horzOverflow="overflow" vert="horz" wrap="square" lIns="91440" tIns="45720" rIns="91440" bIns="45720" numCol="1" spcCol="0" rtlCol="0" fromWordArt="0" anchor="t" anchorCtr="0" forceAA="0" compatLnSpc="1">
-            <a:prstTxWarp prst="textNoShape">
-              <a:avLst/>
-            </a:prstTxWarp>
-            <a:spAutoFit/>
-          </a:bodyPr>
-          <a:lstStyle/>
-          <a:p>
-            <a:r>
-              <a:rPr lang="es-ES" dirty="0">
-                <a:solidFill>
-                  <a:schemeClr val="bg1"/>
-                </a:solidFill>
-                <a:latin typeface="HGGothicE"/>
-                <a:ea typeface="HGGothicE"/>
-                <a:cs typeface="Calibri"/>
-              </a:rPr>
-              <a:t>Lautaro Jerez</a:t>
-            </a:r>
-          </a:p>
-        </p:txBody>
-      </p:sp>
-      <p:sp>
-        <p:nvSpPr>
-          <p:cNvPr id="9" name="CuadroTexto 8">
-            <a:extLst>
-              <a:ext uri="{FF2B5EF4-FFF2-40B4-BE49-F238E27FC236}">
-                <a16:creationId xmlns:a16="http://schemas.microsoft.com/office/drawing/2014/main" id="{96C080B1-1B18-5C64-FC1D-9EF34947E6BD}"/>
-              </a:ext>
-            </a:extLst>
-          </p:cNvPr>
-          <p:cNvSpPr txBox="1"/>
-          <p:nvPr/>
-        </p:nvSpPr>
-        <p:spPr>
-          <a:xfrm>
-            <a:off x="4697333" y="4823754"/>
-            <a:ext cx="1574703" cy="369332"/>
-          </a:xfrm>
-          <a:prstGeom prst="rect">
-            <a:avLst/>
-          </a:prstGeom>
-          <a:noFill/>
-        </p:spPr>
-        <p:txBody>
-          <a:bodyPr rot="0" spcFirstLastPara="0" vertOverflow="overflow" horzOverflow="overflow" vert="horz" wrap="square" lIns="91440" tIns="45720" rIns="91440" bIns="45720" numCol="1" spcCol="0" rtlCol="0" fromWordArt="0" anchor="t" anchorCtr="0" forceAA="0" compatLnSpc="1">
-            <a:prstTxWarp prst="textNoShape">
-              <a:avLst/>
-            </a:prstTxWarp>
-            <a:spAutoFit/>
-          </a:bodyPr>
-          <a:lstStyle/>
-          <a:p>
-            <a:r>
-              <a:rPr lang="es-ES" dirty="0">
-                <a:solidFill>
-                  <a:schemeClr val="bg1"/>
-                </a:solidFill>
-                <a:latin typeface="HGGothicE"/>
-                <a:ea typeface="HGGothicE"/>
-                <a:cs typeface="Calibri"/>
-              </a:rPr>
-              <a:t>Scrum Master</a:t>
-            </a:r>
-          </a:p>
-        </p:txBody>
-      </p:sp>
-      <p:pic>
-        <p:nvPicPr>
-          <p:cNvPr id="12" name="Imagen 17" descr="Hombre sonriendo con lentes&#10;&#10;Descripción generada automáticamente">
-            <a:extLst>
-              <a:ext uri="{FF2B5EF4-FFF2-40B4-BE49-F238E27FC236}">
-                <a16:creationId xmlns:a16="http://schemas.microsoft.com/office/drawing/2014/main" id="{08752134-F166-0A9C-6405-1ED1C13B76A5}"/>
-              </a:ext>
-            </a:extLst>
-          </p:cNvPr>
-          <p:cNvPicPr>
-            <a:picLocks noChangeAspect="1"/>
-          </p:cNvPicPr>
-          <p:nvPr/>
-        </p:nvPicPr>
-        <p:blipFill rotWithShape="1">
-          <a:blip r:embed="rId3"/>
-          <a:srcRect t="44561" r="625" b="-840"/>
-          <a:stretch/>
-        </p:blipFill>
-        <p:spPr>
-          <a:xfrm>
-            <a:off x="6865973" y="2934418"/>
-            <a:ext cx="1420502" cy="1450406"/>
-          </a:xfrm>
-          <a:prstGeom prst="ellipse">
-            <a:avLst/>
-          </a:prstGeom>
-          <a:ln w="63500" cap="rnd">
-            <a:solidFill>
-              <a:srgbClr val="333333"/>
-            </a:solidFill>
-          </a:ln>
-          <a:effectLst>
-            <a:outerShdw blurRad="381000" dist="292100" dir="5400000" sx="-80000" sy="-18000" rotWithShape="0">
-              <a:srgbClr val="000000">
-                <a:alpha val="22000"/>
-              </a:srgbClr>
-            </a:outerShdw>
-          </a:effectLst>
-          <a:scene3d>
-            <a:camera prst="orthographicFront"/>
-            <a:lightRig rig="contrasting" dir="t">
-              <a:rot lat="0" lon="0" rev="3000000"/>
-            </a:lightRig>
-          </a:scene3d>
-          <a:sp3d contourW="7620">
-            <a:bevelT w="95250" h="31750"/>
-            <a:contourClr>
-              <a:srgbClr val="333333"/>
-            </a:contourClr>
-          </a:sp3d>
-        </p:spPr>
-      </p:pic>
-      <p:sp>
-        <p:nvSpPr>
-          <p:cNvPr id="15" name="CuadroTexto 14">
-            <a:extLst>
-              <a:ext uri="{FF2B5EF4-FFF2-40B4-BE49-F238E27FC236}">
-                <a16:creationId xmlns:a16="http://schemas.microsoft.com/office/drawing/2014/main" id="{AA681740-70BC-8E46-DBFE-550772CD4A9E}"/>
-              </a:ext>
-            </a:extLst>
-          </p:cNvPr>
-          <p:cNvSpPr txBox="1"/>
-          <p:nvPr/>
-        </p:nvSpPr>
-        <p:spPr>
-          <a:xfrm>
-            <a:off x="6673434" y="4508499"/>
-            <a:ext cx="1792977" cy="369332"/>
-          </a:xfrm>
-          <a:prstGeom prst="rect">
-            <a:avLst/>
-          </a:prstGeom>
-          <a:noFill/>
-        </p:spPr>
-        <p:txBody>
-          <a:bodyPr rot="0" spcFirstLastPara="0" vertOverflow="overflow" horzOverflow="overflow" vert="horz" wrap="square" lIns="91440" tIns="45720" rIns="91440" bIns="45720" numCol="1" spcCol="0" rtlCol="0" fromWordArt="0" anchor="t" anchorCtr="0" forceAA="0" compatLnSpc="1">
-            <a:prstTxWarp prst="textNoShape">
-              <a:avLst/>
-            </a:prstTxWarp>
-            <a:spAutoFit/>
-          </a:bodyPr>
-          <a:lstStyle/>
-          <a:p>
-            <a:r>
-              <a:rPr lang="es-ES" dirty="0">
-                <a:solidFill>
-                  <a:schemeClr val="bg1"/>
-                </a:solidFill>
-                <a:latin typeface="HGGothicE"/>
-                <a:ea typeface="HGGothicE"/>
-                <a:cs typeface="Calibri"/>
-              </a:rPr>
-              <a:t>Fausto Gallego</a:t>
-            </a:r>
-            <a:endParaRPr lang="es-ES" dirty="0">
-              <a:solidFill>
-                <a:schemeClr val="bg1"/>
-              </a:solidFill>
-            </a:endParaRPr>
-          </a:p>
-        </p:txBody>
-      </p:sp>
-      <p:sp>
-        <p:nvSpPr>
-          <p:cNvPr id="18" name="CuadroTexto 17">
-            <a:extLst>
-              <a:ext uri="{FF2B5EF4-FFF2-40B4-BE49-F238E27FC236}">
-                <a16:creationId xmlns:a16="http://schemas.microsoft.com/office/drawing/2014/main" id="{F8235710-6602-31AD-8243-3F053009C4F0}"/>
-              </a:ext>
-            </a:extLst>
-          </p:cNvPr>
-          <p:cNvSpPr txBox="1"/>
-          <p:nvPr/>
-        </p:nvSpPr>
-        <p:spPr>
-          <a:xfrm>
-            <a:off x="6286554" y="4823755"/>
-            <a:ext cx="2566740" cy="369332"/>
-          </a:xfrm>
-          <a:prstGeom prst="rect">
-            <a:avLst/>
-          </a:prstGeom>
-          <a:noFill/>
-        </p:spPr>
-        <p:txBody>
-          <a:bodyPr rot="0" spcFirstLastPara="0" vertOverflow="overflow" horzOverflow="overflow" vert="horz" wrap="square" lIns="91440" tIns="45720" rIns="91440" bIns="45720" numCol="1" spcCol="0" rtlCol="0" fromWordArt="0" anchor="t" anchorCtr="0" forceAA="0" compatLnSpc="1">
-            <a:prstTxWarp prst="textNoShape">
-              <a:avLst/>
-            </a:prstTxWarp>
-            <a:spAutoFit/>
-          </a:bodyPr>
-          <a:lstStyle/>
-          <a:p>
-            <a:r>
-              <a:rPr lang="es-ES" dirty="0">
-                <a:solidFill>
-                  <a:schemeClr val="bg1"/>
-                </a:solidFill>
-                <a:latin typeface="HGGothicE"/>
-                <a:ea typeface="HGGothicE"/>
-                <a:cs typeface="Calibri"/>
-              </a:rPr>
-              <a:t>Sub-Scrum y Dev </a:t>
-            </a:r>
-            <a:r>
-              <a:rPr lang="es-ES" dirty="0" err="1">
-                <a:solidFill>
-                  <a:schemeClr val="bg1"/>
-                </a:solidFill>
-                <a:latin typeface="HGGothicE"/>
-                <a:ea typeface="HGGothicE"/>
-                <a:cs typeface="Calibri"/>
-              </a:rPr>
-              <a:t>Team</a:t>
-            </a:r>
-          </a:p>
-        </p:txBody>
-      </p:sp>
-      <p:pic>
-        <p:nvPicPr>
-          <p:cNvPr id="29" name="Imagen 17" descr="La cara de un hombre&#10;&#10;Descripción generada automáticamente">
-            <a:extLst>
-              <a:ext uri="{FF2B5EF4-FFF2-40B4-BE49-F238E27FC236}">
-                <a16:creationId xmlns:a16="http://schemas.microsoft.com/office/drawing/2014/main" id="{6582C39F-5556-800C-A976-22BE31AA76AC}"/>
-              </a:ext>
-            </a:extLst>
-          </p:cNvPr>
-          <p:cNvPicPr>
-            <a:picLocks noChangeAspect="1"/>
-          </p:cNvPicPr>
-          <p:nvPr/>
-        </p:nvPicPr>
-        <p:blipFill rotWithShape="1">
-          <a:blip r:embed="rId4"/>
-          <a:srcRect l="2562" t="29251" r="1010" b="17317"/>
-          <a:stretch/>
-        </p:blipFill>
-        <p:spPr>
-          <a:xfrm>
-            <a:off x="8796989" y="2923276"/>
-            <a:ext cx="1412870" cy="1449981"/>
-          </a:xfrm>
-          <a:prstGeom prst="ellipse">
-            <a:avLst/>
-          </a:prstGeom>
-          <a:ln w="63500" cap="rnd">
-            <a:solidFill>
-              <a:srgbClr val="333333"/>
-            </a:solidFill>
-          </a:ln>
-          <a:effectLst>
-            <a:outerShdw blurRad="381000" dist="292100" dir="5400000" sx="-80000" sy="-18000" rotWithShape="0">
-              <a:srgbClr val="000000">
-                <a:alpha val="22000"/>
-              </a:srgbClr>
-            </a:outerShdw>
-          </a:effectLst>
-          <a:scene3d>
-            <a:camera prst="orthographicFront"/>
-            <a:lightRig rig="contrasting" dir="t">
-              <a:rot lat="0" lon="0" rev="3000000"/>
-            </a:lightRig>
-          </a:scene3d>
-          <a:sp3d contourW="7620">
-            <a:bevelT w="95250" h="31750"/>
-            <a:contourClr>
-              <a:srgbClr val="333333"/>
-            </a:contourClr>
-          </a:sp3d>
-        </p:spPr>
-      </p:pic>
-      <p:sp>
-        <p:nvSpPr>
-          <p:cNvPr id="31" name="CuadroTexto 30">
-            <a:extLst>
-              <a:ext uri="{FF2B5EF4-FFF2-40B4-BE49-F238E27FC236}">
-                <a16:creationId xmlns:a16="http://schemas.microsoft.com/office/drawing/2014/main" id="{B71ADDCA-63F7-DB54-7F04-7C297709AF30}"/>
-              </a:ext>
-            </a:extLst>
-          </p:cNvPr>
-          <p:cNvSpPr txBox="1"/>
-          <p:nvPr/>
-        </p:nvSpPr>
-        <p:spPr>
-          <a:xfrm>
-            <a:off x="8587584" y="4465888"/>
-            <a:ext cx="1955048" cy="369332"/>
-          </a:xfrm>
-          <a:prstGeom prst="rect">
-            <a:avLst/>
-          </a:prstGeom>
-          <a:noFill/>
-        </p:spPr>
-        <p:txBody>
-          <a:bodyPr rot="0" spcFirstLastPara="0" vertOverflow="overflow" horzOverflow="overflow" vert="horz" wrap="square" lIns="91440" tIns="45720" rIns="91440" bIns="45720" numCol="1" spcCol="0" rtlCol="0" fromWordArt="0" anchor="t" anchorCtr="0" forceAA="0" compatLnSpc="1">
-            <a:prstTxWarp prst="textNoShape">
-              <a:avLst/>
-            </a:prstTxWarp>
-            <a:spAutoFit/>
-          </a:bodyPr>
-          <a:lstStyle/>
-          <a:p>
-            <a:r>
-              <a:rPr lang="es-ES" dirty="0" err="1">
-                <a:solidFill>
-                  <a:schemeClr val="bg1"/>
-                </a:solidFill>
-                <a:latin typeface="HGGothicE"/>
-                <a:ea typeface="HGGothicE"/>
-                <a:cs typeface="Calibri"/>
-              </a:rPr>
-              <a:t>Agustin</a:t>
-            </a:r>
-            <a:r>
-              <a:rPr lang="es-ES" dirty="0">
-                <a:solidFill>
-                  <a:schemeClr val="bg1"/>
-                </a:solidFill>
-                <a:latin typeface="HGGothicE"/>
-                <a:ea typeface="HGGothicE"/>
-                <a:cs typeface="Calibri"/>
-              </a:rPr>
-              <a:t> Marino</a:t>
-            </a:r>
-          </a:p>
-        </p:txBody>
-      </p:sp>
-      <p:sp>
-        <p:nvSpPr>
-          <p:cNvPr id="33" name="CuadroTexto 32">
-            <a:extLst>
-              <a:ext uri="{FF2B5EF4-FFF2-40B4-BE49-F238E27FC236}">
-                <a16:creationId xmlns:a16="http://schemas.microsoft.com/office/drawing/2014/main" id="{E73495E2-1D06-4F91-97DA-FD6A50996182}"/>
-              </a:ext>
-            </a:extLst>
-          </p:cNvPr>
-          <p:cNvSpPr txBox="1"/>
-          <p:nvPr/>
-        </p:nvSpPr>
-        <p:spPr>
-          <a:xfrm>
-            <a:off x="10660538" y="4823754"/>
-            <a:ext cx="1129005" cy="369332"/>
-          </a:xfrm>
-          <a:prstGeom prst="rect">
-            <a:avLst/>
-          </a:prstGeom>
-          <a:noFill/>
-        </p:spPr>
-        <p:txBody>
-          <a:bodyPr rot="0" spcFirstLastPara="0" vertOverflow="overflow" horzOverflow="overflow" vert="horz" wrap="square" lIns="91440" tIns="45720" rIns="91440" bIns="45720" numCol="1" spcCol="0" rtlCol="0" fromWordArt="0" anchor="t" anchorCtr="0" forceAA="0" compatLnSpc="1">
-            <a:prstTxWarp prst="textNoShape">
-              <a:avLst/>
-            </a:prstTxWarp>
-            <a:spAutoFit/>
-          </a:bodyPr>
-          <a:lstStyle/>
-          <a:p>
-            <a:r>
-              <a:rPr lang="es-ES" dirty="0">
-                <a:solidFill>
-                  <a:schemeClr val="bg1"/>
-                </a:solidFill>
-                <a:latin typeface="HGGothicE"/>
-                <a:ea typeface="+mn-lt"/>
-                <a:cs typeface="+mn-lt"/>
-              </a:rPr>
-              <a:t>Dev </a:t>
-            </a:r>
-            <a:r>
-              <a:rPr lang="es-ES" err="1">
-                <a:solidFill>
-                  <a:schemeClr val="bg1"/>
-                </a:solidFill>
-                <a:latin typeface="HGGothicE"/>
-                <a:ea typeface="+mn-lt"/>
-                <a:cs typeface="+mn-lt"/>
-              </a:rPr>
-              <a:t>Team</a:t>
-            </a:r>
-            <a:endParaRPr lang="es-ES" err="1">
-              <a:solidFill>
-                <a:schemeClr val="bg1"/>
-              </a:solidFill>
-              <a:latin typeface="HGGothicE"/>
-            </a:endParaRPr>
-          </a:p>
-        </p:txBody>
-      </p:sp>
-      <p:sp>
-        <p:nvSpPr>
-          <p:cNvPr id="37" name="CuadroTexto 36">
-            <a:extLst>
-              <a:ext uri="{FF2B5EF4-FFF2-40B4-BE49-F238E27FC236}">
-                <a16:creationId xmlns:a16="http://schemas.microsoft.com/office/drawing/2014/main" id="{7CFAF849-C270-905A-9387-850AE2ACE008}"/>
-              </a:ext>
-            </a:extLst>
-          </p:cNvPr>
-          <p:cNvSpPr txBox="1"/>
-          <p:nvPr/>
-        </p:nvSpPr>
-        <p:spPr>
-          <a:xfrm>
-            <a:off x="403509" y="4448981"/>
-            <a:ext cx="1922373" cy="369332"/>
-          </a:xfrm>
-          <a:prstGeom prst="rect">
-            <a:avLst/>
-          </a:prstGeom>
-          <a:noFill/>
-        </p:spPr>
-        <p:txBody>
-          <a:bodyPr rot="0" spcFirstLastPara="0" vertOverflow="overflow" horzOverflow="overflow" vert="horz" wrap="square" lIns="91440" tIns="45720" rIns="91440" bIns="45720" numCol="1" spcCol="0" rtlCol="0" fromWordArt="0" anchor="t" anchorCtr="0" forceAA="0" compatLnSpc="1">
-            <a:prstTxWarp prst="textNoShape">
-              <a:avLst/>
-            </a:prstTxWarp>
-            <a:spAutoFit/>
-          </a:bodyPr>
-          <a:lstStyle/>
-          <a:p>
-            <a:r>
-              <a:rPr lang="es-ES" dirty="0">
-                <a:solidFill>
-                  <a:schemeClr val="bg1"/>
-                </a:solidFill>
-                <a:latin typeface="HGGothicE"/>
-                <a:ea typeface="HGGothicE"/>
-                <a:cs typeface="Calibri"/>
-              </a:rPr>
-              <a:t>Sheila Hinojosa</a:t>
-            </a:r>
-            <a:endParaRPr lang="es-ES" dirty="0">
-              <a:solidFill>
-                <a:schemeClr val="bg1"/>
-              </a:solidFill>
-            </a:endParaRPr>
-          </a:p>
-        </p:txBody>
-      </p:sp>
-      <p:sp>
-        <p:nvSpPr>
-          <p:cNvPr id="39" name="CuadroTexto 38">
-            <a:extLst>
-              <a:ext uri="{FF2B5EF4-FFF2-40B4-BE49-F238E27FC236}">
-                <a16:creationId xmlns:a16="http://schemas.microsoft.com/office/drawing/2014/main" id="{FB7A70AB-1F9F-05FF-2035-539FC954D270}"/>
-              </a:ext>
-            </a:extLst>
-          </p:cNvPr>
-          <p:cNvSpPr txBox="1"/>
-          <p:nvPr/>
-        </p:nvSpPr>
-        <p:spPr>
-          <a:xfrm>
-            <a:off x="888943" y="4821224"/>
-            <a:ext cx="1186514" cy="369332"/>
-          </a:xfrm>
-          <a:prstGeom prst="rect">
-            <a:avLst/>
-          </a:prstGeom>
-          <a:noFill/>
-        </p:spPr>
-        <p:txBody>
-          <a:bodyPr rot="0" spcFirstLastPara="0" vertOverflow="overflow" horzOverflow="overflow" vert="horz" wrap="square" lIns="91440" tIns="45720" rIns="91440" bIns="45720" numCol="1" spcCol="0" rtlCol="0" fromWordArt="0" anchor="t" anchorCtr="0" forceAA="0" compatLnSpc="1">
-            <a:prstTxWarp prst="textNoShape">
-              <a:avLst/>
-            </a:prstTxWarp>
-            <a:spAutoFit/>
-          </a:bodyPr>
-          <a:lstStyle/>
-          <a:p>
-            <a:r>
-              <a:rPr lang="es-ES" dirty="0">
-                <a:solidFill>
-                  <a:schemeClr val="bg1"/>
-                </a:solidFill>
-                <a:latin typeface="HGGothicE"/>
-                <a:ea typeface="HGGothicE"/>
-                <a:cs typeface="Calibri"/>
-              </a:rPr>
-              <a:t>Dev </a:t>
-            </a:r>
-            <a:r>
-              <a:rPr lang="es-ES" dirty="0" err="1">
-                <a:solidFill>
-                  <a:schemeClr val="bg1"/>
-                </a:solidFill>
-                <a:latin typeface="HGGothicE"/>
-                <a:ea typeface="HGGothicE"/>
-                <a:cs typeface="Calibri"/>
-              </a:rPr>
-              <a:t>Team</a:t>
-            </a:r>
-            <a:endParaRPr lang="es-ES" dirty="0" err="1">
-              <a:solidFill>
-                <a:schemeClr val="bg1"/>
-              </a:solidFill>
-            </a:endParaRPr>
-          </a:p>
-        </p:txBody>
-      </p:sp>
-      <p:pic>
-        <p:nvPicPr>
-          <p:cNvPr id="41" name="Imagen 17" descr="Imagen que contiene foto, sostener, hombre, espejo&#10;&#10;Descripción generada automáticamente">
-            <a:extLst>
-              <a:ext uri="{FF2B5EF4-FFF2-40B4-BE49-F238E27FC236}">
-                <a16:creationId xmlns:a16="http://schemas.microsoft.com/office/drawing/2014/main" id="{6C782DE0-DAC5-56E0-1EEF-1D8D258006D5}"/>
-              </a:ext>
-            </a:extLst>
-          </p:cNvPr>
-          <p:cNvPicPr>
-            <a:picLocks noChangeAspect="1"/>
-          </p:cNvPicPr>
-          <p:nvPr/>
-        </p:nvPicPr>
-        <p:blipFill>
-          <a:blip r:embed="rId5"/>
-          <a:srcRect l="13660" r="13660"/>
-          <a:stretch>
-            <a:fillRect/>
-          </a:stretch>
-        </p:blipFill>
-        <p:spPr>
-          <a:xfrm>
-            <a:off x="2815609" y="2933373"/>
-            <a:ext cx="1420484" cy="1449237"/>
-          </a:xfrm>
-          <a:prstGeom prst="ellipse">
-            <a:avLst/>
-          </a:prstGeom>
-          <a:ln w="63500" cap="rnd">
-            <a:solidFill>
-              <a:srgbClr val="333333"/>
-            </a:solidFill>
-          </a:ln>
-          <a:effectLst>
-            <a:outerShdw blurRad="381000" dist="292100" dir="5400000" sx="-80000" sy="-18000" rotWithShape="0">
-              <a:srgbClr val="000000">
-                <a:alpha val="22000"/>
-              </a:srgbClr>
-            </a:outerShdw>
-          </a:effectLst>
-          <a:scene3d>
-            <a:camera prst="orthographicFront"/>
-            <a:lightRig rig="contrasting" dir="t">
-              <a:rot lat="0" lon="0" rev="3000000"/>
-            </a:lightRig>
-          </a:scene3d>
-          <a:sp3d contourW="7620">
-            <a:bevelT w="95250" h="31750"/>
-            <a:contourClr>
-              <a:srgbClr val="333333"/>
-            </a:contourClr>
-          </a:sp3d>
-        </p:spPr>
-      </p:pic>
-      <p:sp>
-        <p:nvSpPr>
-          <p:cNvPr id="43" name="CuadroTexto 42">
-            <a:extLst>
-              <a:ext uri="{FF2B5EF4-FFF2-40B4-BE49-F238E27FC236}">
-                <a16:creationId xmlns:a16="http://schemas.microsoft.com/office/drawing/2014/main" id="{8702FDA7-01CC-41D5-A813-1DD079FA6460}"/>
-              </a:ext>
-            </a:extLst>
-          </p:cNvPr>
-          <p:cNvSpPr txBox="1"/>
-          <p:nvPr/>
-        </p:nvSpPr>
-        <p:spPr>
-          <a:xfrm>
-            <a:off x="2378133" y="4465366"/>
-            <a:ext cx="2310562" cy="369332"/>
-          </a:xfrm>
-          <a:prstGeom prst="rect">
-            <a:avLst/>
-          </a:prstGeom>
-          <a:noFill/>
-        </p:spPr>
-        <p:txBody>
-          <a:bodyPr rot="0" spcFirstLastPara="0" vertOverflow="overflow" horzOverflow="overflow" vert="horz" wrap="square" lIns="91440" tIns="45720" rIns="91440" bIns="45720" numCol="1" spcCol="0" rtlCol="0" fromWordArt="0" anchor="t" anchorCtr="0" forceAA="0" compatLnSpc="1">
-            <a:prstTxWarp prst="textNoShape">
-              <a:avLst/>
-            </a:prstTxWarp>
-            <a:spAutoFit/>
-          </a:bodyPr>
-          <a:lstStyle/>
-          <a:p>
-            <a:r>
-              <a:rPr lang="es-ES" dirty="0">
-                <a:solidFill>
-                  <a:schemeClr val="bg1"/>
-                </a:solidFill>
-                <a:latin typeface="HGGothicE"/>
-                <a:ea typeface="HGGothicE"/>
-                <a:cs typeface="Calibri"/>
-              </a:rPr>
-              <a:t>Fabricio Salgueiro</a:t>
-            </a:r>
-            <a:endParaRPr lang="es-ES" dirty="0">
-              <a:solidFill>
-                <a:schemeClr val="bg1"/>
-              </a:solidFill>
-            </a:endParaRPr>
-          </a:p>
-        </p:txBody>
-      </p:sp>
-      <p:sp>
-        <p:nvSpPr>
-          <p:cNvPr id="45" name="CuadroTexto 44">
-            <a:extLst>
-              <a:ext uri="{FF2B5EF4-FFF2-40B4-BE49-F238E27FC236}">
-                <a16:creationId xmlns:a16="http://schemas.microsoft.com/office/drawing/2014/main" id="{FFD54D28-35D6-070C-373C-7F94A8B38290}"/>
-              </a:ext>
-            </a:extLst>
-          </p:cNvPr>
-          <p:cNvSpPr txBox="1"/>
-          <p:nvPr/>
-        </p:nvSpPr>
-        <p:spPr>
-          <a:xfrm>
-            <a:off x="2940158" y="4823754"/>
-            <a:ext cx="1186515" cy="369332"/>
-          </a:xfrm>
-          <a:prstGeom prst="rect">
-            <a:avLst/>
-          </a:prstGeom>
-          <a:noFill/>
-        </p:spPr>
-        <p:txBody>
-          <a:bodyPr rot="0" spcFirstLastPara="0" vertOverflow="overflow" horzOverflow="overflow" vert="horz" wrap="square" lIns="91440" tIns="45720" rIns="91440" bIns="45720" numCol="1" spcCol="0" rtlCol="0" fromWordArt="0" anchor="t" anchorCtr="0" forceAA="0" compatLnSpc="1">
-            <a:prstTxWarp prst="textNoShape">
-              <a:avLst/>
-            </a:prstTxWarp>
-            <a:spAutoFit/>
-          </a:bodyPr>
-          <a:lstStyle/>
-          <a:p>
-            <a:r>
-              <a:rPr lang="es-ES" dirty="0">
-                <a:solidFill>
-                  <a:schemeClr val="bg1"/>
-                </a:solidFill>
-                <a:latin typeface="HGGothicE"/>
-                <a:ea typeface="+mn-lt"/>
-                <a:cs typeface="+mn-lt"/>
-              </a:rPr>
-              <a:t>Dev </a:t>
-            </a:r>
-            <a:r>
-              <a:rPr lang="es-ES" err="1">
-                <a:solidFill>
-                  <a:schemeClr val="bg1"/>
-                </a:solidFill>
-                <a:latin typeface="HGGothicE"/>
-                <a:ea typeface="+mn-lt"/>
-                <a:cs typeface="+mn-lt"/>
-              </a:rPr>
-              <a:t>Team</a:t>
-            </a:r>
-            <a:endParaRPr lang="es-ES" err="1">
-              <a:solidFill>
-                <a:schemeClr val="bg1"/>
-              </a:solidFill>
-              <a:latin typeface="HGGothicE"/>
-            </a:endParaRPr>
-          </a:p>
-        </p:txBody>
-      </p:sp>
-      <p:pic>
-        <p:nvPicPr>
-          <p:cNvPr id="47" name="Imagen 17">
-            <a:extLst>
-              <a:ext uri="{FF2B5EF4-FFF2-40B4-BE49-F238E27FC236}">
-                <a16:creationId xmlns:a16="http://schemas.microsoft.com/office/drawing/2014/main" id="{C5CF0005-8DDF-DEA4-99A8-D18813663ABC}"/>
-              </a:ext>
-            </a:extLst>
-          </p:cNvPr>
-          <p:cNvPicPr>
-            <a:picLocks noChangeAspect="1"/>
-          </p:cNvPicPr>
-          <p:nvPr/>
-        </p:nvPicPr>
-        <p:blipFill>
-          <a:blip r:embed="rId6"/>
-          <a:srcRect l="1400" r="1400"/>
-          <a:stretch>
-            <a:fillRect/>
-          </a:stretch>
-        </p:blipFill>
-        <p:spPr>
-          <a:xfrm>
-            <a:off x="10527151" y="2951925"/>
-            <a:ext cx="1420484" cy="1449237"/>
-          </a:xfrm>
-          <a:prstGeom prst="ellipse">
-            <a:avLst/>
-          </a:prstGeom>
-          <a:ln w="63500" cap="rnd">
-            <a:solidFill>
-              <a:srgbClr val="333333"/>
-            </a:solidFill>
-          </a:ln>
-          <a:effectLst>
-            <a:outerShdw blurRad="381000" dist="292100" dir="5400000" sx="-80000" sy="-18000" rotWithShape="0">
-              <a:srgbClr val="000000">
-                <a:alpha val="22000"/>
-              </a:srgbClr>
-            </a:outerShdw>
-          </a:effectLst>
-          <a:scene3d>
-            <a:camera prst="orthographicFront"/>
-            <a:lightRig rig="contrasting" dir="t">
-              <a:rot lat="0" lon="0" rev="3000000"/>
-            </a:lightRig>
-          </a:scene3d>
-          <a:sp3d contourW="7620">
-            <a:bevelT w="95250" h="31750"/>
-            <a:contourClr>
-              <a:srgbClr val="333333"/>
-            </a:contourClr>
-          </a:sp3d>
-        </p:spPr>
-      </p:pic>
-      <p:sp>
-        <p:nvSpPr>
-          <p:cNvPr id="49" name="CuadroTexto 48">
-            <a:extLst>
-              <a:ext uri="{FF2B5EF4-FFF2-40B4-BE49-F238E27FC236}">
-                <a16:creationId xmlns:a16="http://schemas.microsoft.com/office/drawing/2014/main" id="{DE17E176-2E1A-C79F-D7D4-D22B02350BD7}"/>
-              </a:ext>
-            </a:extLst>
-          </p:cNvPr>
-          <p:cNvSpPr txBox="1"/>
-          <p:nvPr/>
-        </p:nvSpPr>
-        <p:spPr>
-          <a:xfrm>
-            <a:off x="10492763" y="4465366"/>
-            <a:ext cx="1476676" cy="369332"/>
-          </a:xfrm>
-          <a:prstGeom prst="rect">
-            <a:avLst/>
-          </a:prstGeom>
-          <a:noFill/>
-        </p:spPr>
-        <p:txBody>
-          <a:bodyPr rot="0" spcFirstLastPara="0" vertOverflow="overflow" horzOverflow="overflow" vert="horz" wrap="square" lIns="91440" tIns="45720" rIns="91440" bIns="45720" numCol="1" spcCol="0" rtlCol="0" fromWordArt="0" anchor="t" anchorCtr="0" forceAA="0" compatLnSpc="1">
-            <a:prstTxWarp prst="textNoShape">
-              <a:avLst/>
-            </a:prstTxWarp>
-            <a:spAutoFit/>
-          </a:bodyPr>
-          <a:lstStyle/>
-          <a:p>
-            <a:r>
-              <a:rPr lang="es-ES" dirty="0">
-                <a:solidFill>
-                  <a:schemeClr val="bg1"/>
-                </a:solidFill>
-                <a:latin typeface="HGGothicE"/>
-                <a:ea typeface="HGGothicE"/>
-                <a:cs typeface="Calibri"/>
-              </a:rPr>
-              <a:t>Alan Huanca</a:t>
-            </a:r>
-          </a:p>
-        </p:txBody>
-      </p:sp>
-      <p:sp>
-        <p:nvSpPr>
-          <p:cNvPr id="51" name="CuadroTexto 50">
-            <a:extLst>
-              <a:ext uri="{FF2B5EF4-FFF2-40B4-BE49-F238E27FC236}">
-                <a16:creationId xmlns:a16="http://schemas.microsoft.com/office/drawing/2014/main" id="{BAE344EF-5E5F-C9D2-EE40-AF07DD3FF5D3}"/>
-              </a:ext>
-            </a:extLst>
-          </p:cNvPr>
-          <p:cNvSpPr txBox="1"/>
-          <p:nvPr/>
-        </p:nvSpPr>
-        <p:spPr>
-          <a:xfrm>
-            <a:off x="8919881" y="4823755"/>
-            <a:ext cx="1186514" cy="369332"/>
-          </a:xfrm>
-          <a:prstGeom prst="rect">
-            <a:avLst/>
-          </a:prstGeom>
-          <a:noFill/>
-        </p:spPr>
-        <p:txBody>
-          <a:bodyPr rot="0" spcFirstLastPara="0" vertOverflow="overflow" horzOverflow="overflow" vert="horz" wrap="square" lIns="91440" tIns="45720" rIns="91440" bIns="45720" numCol="1" spcCol="0" rtlCol="0" fromWordArt="0" anchor="t" anchorCtr="0" forceAA="0" compatLnSpc="1">
-            <a:prstTxWarp prst="textNoShape">
-              <a:avLst/>
-            </a:prstTxWarp>
-            <a:spAutoFit/>
-          </a:bodyPr>
-          <a:lstStyle/>
-          <a:p>
-            <a:r>
-              <a:rPr lang="es-ES" dirty="0">
-                <a:solidFill>
-                  <a:schemeClr val="bg1"/>
-                </a:solidFill>
-                <a:latin typeface="HGGothicE"/>
-                <a:ea typeface="+mn-lt"/>
-                <a:cs typeface="+mn-lt"/>
-              </a:rPr>
-              <a:t>Dev </a:t>
-            </a:r>
-            <a:r>
-              <a:rPr lang="es-ES" err="1">
-                <a:solidFill>
-                  <a:schemeClr val="bg1"/>
-                </a:solidFill>
-                <a:latin typeface="HGGothicE"/>
-                <a:ea typeface="+mn-lt"/>
-                <a:cs typeface="+mn-lt"/>
-              </a:rPr>
-              <a:t>Team</a:t>
-            </a:r>
-            <a:endParaRPr lang="es-ES" err="1">
-              <a:solidFill>
-                <a:schemeClr val="bg1"/>
-              </a:solidFill>
-              <a:latin typeface="HGGothicE"/>
-            </a:endParaRPr>
-          </a:p>
-        </p:txBody>
-      </p:sp>
-      <p:pic>
-        <p:nvPicPr>
-          <p:cNvPr id="35" name="Imagen 17" descr="Imagen que contiene Patrón de fondo&#10;&#10;Descripción generada automáticamente">
-            <a:extLst>
-              <a:ext uri="{FF2B5EF4-FFF2-40B4-BE49-F238E27FC236}">
-                <a16:creationId xmlns:a16="http://schemas.microsoft.com/office/drawing/2014/main" id="{E0C8425A-4C98-7500-3516-377670AEFCBE}"/>
-              </a:ext>
-            </a:extLst>
-          </p:cNvPr>
-          <p:cNvPicPr>
-            <a:picLocks noChangeAspect="1"/>
-          </p:cNvPicPr>
-          <p:nvPr/>
-        </p:nvPicPr>
-        <p:blipFill>
-          <a:blip r:embed="rId7"/>
-          <a:srcRect l="992" r="992"/>
-          <a:stretch>
-            <a:fillRect/>
-          </a:stretch>
-        </p:blipFill>
-        <p:spPr>
-          <a:xfrm>
-            <a:off x="660356" y="2941559"/>
-            <a:ext cx="1420484" cy="1449237"/>
-          </a:xfrm>
-          <a:prstGeom prst="ellipse">
-            <a:avLst/>
-          </a:prstGeom>
-          <a:ln w="63500" cap="rnd">
-            <a:solidFill>
-              <a:srgbClr val="333333"/>
-            </a:solidFill>
-          </a:ln>
-          <a:effectLst>
-            <a:outerShdw blurRad="381000" dist="292100" dir="5400000" sx="-80000" sy="-18000" rotWithShape="0">
-              <a:srgbClr val="000000">
-                <a:alpha val="22000"/>
-              </a:srgbClr>
-            </a:outerShdw>
-          </a:effectLst>
-          <a:scene3d>
-            <a:camera prst="orthographicFront"/>
-            <a:lightRig rig="contrasting" dir="t">
-              <a:rot lat="0" lon="0" rev="3000000"/>
-            </a:lightRig>
-          </a:scene3d>
-          <a:sp3d contourW="7620">
-            <a:bevelT w="95250" h="31750"/>
-            <a:contourClr>
-              <a:srgbClr val="333333"/>
-            </a:contourClr>
-          </a:sp3d>
-        </p:spPr>
-      </p:pic>
-      <p:sp>
-        <p:nvSpPr>
-          <p:cNvPr id="52" name="Rectángulo 51">
-            <a:extLst>
-              <a:ext uri="{FF2B5EF4-FFF2-40B4-BE49-F238E27FC236}">
-                <a16:creationId xmlns:a16="http://schemas.microsoft.com/office/drawing/2014/main" id="{977C3F17-2E7A-8587-B06B-ADE7AF89F5E9}"/>
+          <p:cNvPr id="3" name="Rectángulo 2">
+            <a:extLst>
+              <a:ext uri="{FF2B5EF4-FFF2-40B4-BE49-F238E27FC236}">
+                <a16:creationId xmlns:a16="http://schemas.microsoft.com/office/drawing/2014/main" id="{070DBFA5-0DA8-4255-ED00-EF2655DBFB17}"/>
               </a:ext>
             </a:extLst>
           </p:cNvPr>
@@ -7688,7 +6794,7 @@
         <p:spPr>
           <a:xfrm>
             <a:off x="-654769" y="-2983302"/>
-            <a:ext cx="13500339" cy="1912188"/>
+            <a:ext cx="13500339" cy="10049773"/>
           </a:xfrm>
           <a:prstGeom prst="rect">
             <a:avLst/>
@@ -7740,320 +6846,6 @@
           <p:nvPr/>
         </p:nvPicPr>
         <p:blipFill>
-          <a:blip r:embed="rId8"/>
-          <a:stretch>
-            <a:fillRect/>
-          </a:stretch>
-        </p:blipFill>
-        <p:spPr>
-          <a:xfrm>
-            <a:off x="214868" y="242706"/>
-            <a:ext cx="2403372" cy="399038"/>
-          </a:xfrm>
-          <a:prstGeom prst="rect">
-            <a:avLst/>
-          </a:prstGeom>
-        </p:spPr>
-      </p:pic>
-    </p:spTree>
-    <p:extLst>
-      <p:ext uri="{BB962C8B-B14F-4D97-AF65-F5344CB8AC3E}">
-        <p14:creationId xmlns:p14="http://schemas.microsoft.com/office/powerpoint/2010/main" val="3169386663"/>
-      </p:ext>
-    </p:extLst>
-  </p:cSld>
-  <p:clrMapOvr>
-    <a:masterClrMapping/>
-  </p:clrMapOvr>
-  <mc:AlternateContent xmlns:mc="http://schemas.openxmlformats.org/markup-compatibility/2006" xmlns:p159="http://schemas.microsoft.com/office/powerpoint/2015/09/main">
-    <mc:Choice Requires="p159">
-      <p:transition xmlns:p14="http://schemas.microsoft.com/office/powerpoint/2010/main" spd="slow" p14:dur="2000">
-        <p159:morph option="byObject"/>
-      </p:transition>
-    </mc:Choice>
-    <mc:Fallback xmlns="">
-      <p:transition spd="slow">
-        <p:fade/>
-      </p:transition>
-    </mc:Fallback>
-  </mc:AlternateContent>
-</p:sld>
-</file>
-
-<file path=ppt/slides/slide17.xml><?xml version="1.0" encoding="utf-8"?>
-<p:sld xmlns:a="http://schemas.openxmlformats.org/drawingml/2006/main" xmlns:r="http://schemas.openxmlformats.org/officeDocument/2006/relationships" xmlns:p="http://schemas.openxmlformats.org/presentationml/2006/main">
-  <p:cSld>
-    <p:bg>
-      <p:bgPr>
-        <a:solidFill>
-          <a:schemeClr val="tx1"/>
-        </a:solidFill>
-        <a:effectLst/>
-      </p:bgPr>
-    </p:bg>
-    <p:spTree>
-      <p:nvGrpSpPr>
-        <p:cNvPr id="1" name=""/>
-        <p:cNvGrpSpPr/>
-        <p:nvPr/>
-      </p:nvGrpSpPr>
-      <p:grpSpPr>
-        <a:xfrm>
-          <a:off x="0" y="0"/>
-          <a:ext cx="0" cy="0"/>
-          <a:chOff x="0" y="0"/>
-          <a:chExt cx="0" cy="0"/>
-        </a:xfrm>
-      </p:grpSpPr>
-      <p:sp>
-        <p:nvSpPr>
-          <p:cNvPr id="8" name="Rectángulo 7">
-            <a:extLst>
-              <a:ext uri="{FF2B5EF4-FFF2-40B4-BE49-F238E27FC236}">
-                <a16:creationId xmlns:a16="http://schemas.microsoft.com/office/drawing/2014/main" id="{62CB7313-746D-1FE1-73E6-3CF969736951}"/>
-              </a:ext>
-            </a:extLst>
-          </p:cNvPr>
-          <p:cNvSpPr/>
-          <p:nvPr/>
-        </p:nvSpPr>
-        <p:spPr>
-          <a:xfrm>
-            <a:off x="-654769" y="-2983302"/>
-            <a:ext cx="13500339" cy="9834112"/>
-          </a:xfrm>
-          <a:prstGeom prst="rect">
-            <a:avLst/>
-          </a:prstGeom>
-          <a:solidFill>
-            <a:schemeClr val="tx1"/>
-          </a:solidFill>
-          <a:ln>
-            <a:noFill/>
-          </a:ln>
-        </p:spPr>
-        <p:style>
-          <a:lnRef idx="2">
-            <a:schemeClr val="accent1">
-              <a:shade val="15000"/>
-            </a:schemeClr>
-          </a:lnRef>
-          <a:fillRef idx="1">
-            <a:schemeClr val="accent1"/>
-          </a:fillRef>
-          <a:effectRef idx="0">
-            <a:schemeClr val="accent1"/>
-          </a:effectRef>
-          <a:fontRef idx="minor">
-            <a:schemeClr val="lt1"/>
-          </a:fontRef>
-        </p:style>
-        <p:txBody>
-          <a:bodyPr rtlCol="0" anchor="ctr"/>
-          <a:lstStyle/>
-          <a:p>
-            <a:pPr algn="ctr"/>
-            <a:endParaRPr lang="es-ES"/>
-          </a:p>
-        </p:txBody>
-      </p:sp>
-      <p:sp>
-        <p:nvSpPr>
-          <p:cNvPr id="5" name="CuadroTexto 4">
-            <a:extLst>
-              <a:ext uri="{FF2B5EF4-FFF2-40B4-BE49-F238E27FC236}">
-                <a16:creationId xmlns:a16="http://schemas.microsoft.com/office/drawing/2014/main" id="{86AEF79E-CFF2-166F-3A78-A2769B709480}"/>
-              </a:ext>
-            </a:extLst>
-          </p:cNvPr>
-          <p:cNvSpPr txBox="1"/>
-          <p:nvPr/>
-        </p:nvSpPr>
-        <p:spPr>
-          <a:xfrm>
-            <a:off x="3502325" y="-1846053"/>
-            <a:ext cx="5431765" cy="830997"/>
-          </a:xfrm>
-          <a:prstGeom prst="rect">
-            <a:avLst/>
-          </a:prstGeom>
-          <a:noFill/>
-        </p:spPr>
-        <p:txBody>
-          <a:bodyPr rot="0" spcFirstLastPara="0" vertOverflow="overflow" horzOverflow="overflow" vert="horz" wrap="square" lIns="91440" tIns="45720" rIns="91440" bIns="45720" numCol="1" spcCol="0" rtlCol="0" fromWordArt="0" anchor="t" anchorCtr="0" forceAA="0" compatLnSpc="1">
-            <a:prstTxWarp prst="textNoShape">
-              <a:avLst/>
-            </a:prstTxWarp>
-            <a:spAutoFit/>
-          </a:bodyPr>
-          <a:lstStyle/>
-          <a:p>
-            <a:r>
-              <a:rPr lang="es-ES" sz="4800" dirty="0">
-                <a:solidFill>
-                  <a:srgbClr val="FFFFFF"/>
-                </a:solidFill>
-                <a:latin typeface="HGGothicE"/>
-              </a:rPr>
-              <a:t>Gracias por ver!</a:t>
-            </a:r>
-            <a:endParaRPr lang="es-ES" sz="4800" dirty="0">
-              <a:solidFill>
-                <a:srgbClr val="FFFFFF"/>
-              </a:solidFill>
-              <a:latin typeface="HGGothicE"/>
-              <a:ea typeface="HGGothicE"/>
-            </a:endParaRPr>
-          </a:p>
-        </p:txBody>
-      </p:sp>
-      <p:pic>
-        <p:nvPicPr>
-          <p:cNvPr id="14" name="Imagen 13" descr="Imagen que contiene objeto, reloj, monitor, dibujo&#10;&#10;Descripción generada automáticamente">
-            <a:extLst>
-              <a:ext uri="{FF2B5EF4-FFF2-40B4-BE49-F238E27FC236}">
-                <a16:creationId xmlns:a16="http://schemas.microsoft.com/office/drawing/2014/main" id="{48C98760-33C3-B824-F897-E9893D62E8D7}"/>
-              </a:ext>
-            </a:extLst>
-          </p:cNvPr>
-          <p:cNvPicPr>
-            <a:picLocks noChangeAspect="1"/>
-          </p:cNvPicPr>
-          <p:nvPr/>
-        </p:nvPicPr>
-        <p:blipFill>
-          <a:blip r:embed="rId2"/>
-          <a:stretch>
-            <a:fillRect/>
-          </a:stretch>
-        </p:blipFill>
-        <p:spPr>
-          <a:xfrm>
-            <a:off x="214868" y="242706"/>
-            <a:ext cx="2403372" cy="399038"/>
-          </a:xfrm>
-          <a:prstGeom prst="rect">
-            <a:avLst/>
-          </a:prstGeom>
-        </p:spPr>
-      </p:pic>
-    </p:spTree>
-    <p:extLst>
-      <p:ext uri="{BB962C8B-B14F-4D97-AF65-F5344CB8AC3E}">
-        <p14:creationId xmlns:p14="http://schemas.microsoft.com/office/powerpoint/2010/main" val="2306045832"/>
-      </p:ext>
-    </p:extLst>
-  </p:cSld>
-  <p:clrMapOvr>
-    <a:masterClrMapping/>
-  </p:clrMapOvr>
-  <mc:AlternateContent xmlns:mc="http://schemas.openxmlformats.org/markup-compatibility/2006" xmlns:p159="http://schemas.microsoft.com/office/powerpoint/2015/09/main">
-    <mc:Choice Requires="p159">
-      <p:transition xmlns:p14="http://schemas.microsoft.com/office/powerpoint/2010/main" spd="slow" p14:dur="2000">
-        <p159:morph option="byObject"/>
-      </p:transition>
-    </mc:Choice>
-    <mc:Fallback xmlns="">
-      <p:transition spd="slow">
-        <p:fade/>
-      </p:transition>
-    </mc:Fallback>
-  </mc:AlternateContent>
-</p:sld>
-</file>
-
-<file path=ppt/slides/slide18.xml><?xml version="1.0" encoding="utf-8"?>
-<p:sld xmlns:a="http://schemas.openxmlformats.org/drawingml/2006/main" xmlns:r="http://schemas.openxmlformats.org/officeDocument/2006/relationships" xmlns:p="http://schemas.openxmlformats.org/presentationml/2006/main">
-  <p:cSld>
-    <p:bg>
-      <p:bgPr>
-        <a:solidFill>
-          <a:srgbClr val="C238EB"/>
-        </a:solidFill>
-        <a:effectLst/>
-      </p:bgPr>
-    </p:bg>
-    <p:spTree>
-      <p:nvGrpSpPr>
-        <p:cNvPr id="1" name=""/>
-        <p:cNvGrpSpPr/>
-        <p:nvPr/>
-      </p:nvGrpSpPr>
-      <p:grpSpPr>
-        <a:xfrm>
-          <a:off x="0" y="0"/>
-          <a:ext cx="0" cy="0"/>
-          <a:chOff x="0" y="0"/>
-          <a:chExt cx="0" cy="0"/>
-        </a:xfrm>
-      </p:grpSpPr>
-      <p:sp>
-        <p:nvSpPr>
-          <p:cNvPr id="3" name="Rectángulo 2">
-            <a:extLst>
-              <a:ext uri="{FF2B5EF4-FFF2-40B4-BE49-F238E27FC236}">
-                <a16:creationId xmlns:a16="http://schemas.microsoft.com/office/drawing/2014/main" id="{070DBFA5-0DA8-4255-ED00-EF2655DBFB17}"/>
-              </a:ext>
-            </a:extLst>
-          </p:cNvPr>
-          <p:cNvSpPr/>
-          <p:nvPr/>
-        </p:nvSpPr>
-        <p:spPr>
-          <a:xfrm>
-            <a:off x="-654769" y="-2983302"/>
-            <a:ext cx="13500339" cy="10049773"/>
-          </a:xfrm>
-          <a:prstGeom prst="rect">
-            <a:avLst/>
-          </a:prstGeom>
-          <a:solidFill>
-            <a:schemeClr val="tx1"/>
-          </a:solidFill>
-          <a:ln>
-            <a:noFill/>
-          </a:ln>
-        </p:spPr>
-        <p:style>
-          <a:lnRef idx="2">
-            <a:schemeClr val="accent1">
-              <a:shade val="15000"/>
-            </a:schemeClr>
-          </a:lnRef>
-          <a:fillRef idx="1">
-            <a:schemeClr val="accent1"/>
-          </a:fillRef>
-          <a:effectRef idx="0">
-            <a:schemeClr val="accent1"/>
-          </a:effectRef>
-          <a:fontRef idx="minor">
-            <a:schemeClr val="lt1"/>
-          </a:fontRef>
-        </p:style>
-        <p:txBody>
-          <a:bodyPr rtlCol="0" anchor="ctr"/>
-          <a:lstStyle/>
-          <a:p>
-            <a:pPr algn="ctr"/>
-            <a:endParaRPr lang="es-ES"/>
-          </a:p>
-        </p:txBody>
-      </p:sp>
-      <p:pic>
-        <p:nvPicPr>
-          <p:cNvPr id="14" name="Imagen 13" descr="Imagen que contiene objeto, reloj, monitor, dibujo&#10;&#10;Descripción generada automáticamente">
-            <a:extLst>
-              <a:ext uri="{FF2B5EF4-FFF2-40B4-BE49-F238E27FC236}">
-                <a16:creationId xmlns:a16="http://schemas.microsoft.com/office/drawing/2014/main" id="{48C98760-33C3-B824-F897-E9893D62E8D7}"/>
-              </a:ext>
-            </a:extLst>
-          </p:cNvPr>
-          <p:cNvPicPr>
-            <a:picLocks noChangeAspect="1"/>
-          </p:cNvPicPr>
-          <p:nvPr/>
-        </p:nvPicPr>
-        <p:blipFill>
           <a:blip r:embed="rId2"/>
           <a:stretch>
             <a:fillRect/>
@@ -8129,18 +6921,25 @@
   <p:clrMapOvr>
     <a:masterClrMapping/>
   </p:clrMapOvr>
-  <mc:AlternateContent xmlns:mc="http://schemas.openxmlformats.org/markup-compatibility/2006" xmlns:p159="http://schemas.microsoft.com/office/powerpoint/2015/09/main">
-    <mc:Choice Requires="p159">
+  <mc:AlternateContent xmlns:mc="http://schemas.openxmlformats.org/markup-compatibility/2006">
+    <mc:Choice xmlns:p159="http://schemas.microsoft.com/office/powerpoint/2015/09/main" xmlns="" Requires="p159">
       <p:transition xmlns:p14="http://schemas.microsoft.com/office/powerpoint/2010/main" spd="slow" p14:dur="2000">
         <p159:morph option="byObject"/>
       </p:transition>
     </mc:Choice>
-    <mc:Fallback xmlns="">
+    <mc:Fallback>
       <p:transition spd="slow">
         <p:fade/>
       </p:transition>
     </mc:Fallback>
   </mc:AlternateContent>
+  <p:timing>
+    <p:tnLst>
+      <p:par>
+        <p:cTn id="1" dur="indefinite" restart="never" nodeType="tmRoot"/>
+      </p:par>
+    </p:tnLst>
+  </p:timing>
 </p:sld>
 </file>
 
@@ -8786,18 +7585,25 @@
   <p:clrMapOvr>
     <a:masterClrMapping/>
   </p:clrMapOvr>
-  <mc:AlternateContent xmlns:mc="http://schemas.openxmlformats.org/markup-compatibility/2006" xmlns:p159="http://schemas.microsoft.com/office/powerpoint/2015/09/main">
-    <mc:Choice Requires="p159">
+  <mc:AlternateContent xmlns:mc="http://schemas.openxmlformats.org/markup-compatibility/2006">
+    <mc:Choice xmlns:p159="http://schemas.microsoft.com/office/powerpoint/2015/09/main" xmlns="" Requires="p159">
       <p:transition xmlns:p14="http://schemas.microsoft.com/office/powerpoint/2010/main" spd="slow" p14:dur="2000">
         <p159:morph option="byObject"/>
       </p:transition>
     </mc:Choice>
-    <mc:Fallback xmlns="">
+    <mc:Fallback>
       <p:transition spd="slow">
         <p:fade/>
       </p:transition>
     </mc:Fallback>
   </mc:AlternateContent>
+  <p:timing>
+    <p:tnLst>
+      <p:par>
+        <p:cTn id="1" dur="indefinite" restart="never" nodeType="tmRoot"/>
+      </p:par>
+    </p:tnLst>
+  </p:timing>
 </p:sld>
 </file>
 
@@ -9036,18 +7842,25 @@
   <p:clrMapOvr>
     <a:masterClrMapping/>
   </p:clrMapOvr>
-  <mc:AlternateContent xmlns:mc="http://schemas.openxmlformats.org/markup-compatibility/2006" xmlns:p159="http://schemas.microsoft.com/office/powerpoint/2015/09/main">
-    <mc:Choice Requires="p159">
+  <mc:AlternateContent xmlns:mc="http://schemas.openxmlformats.org/markup-compatibility/2006">
+    <mc:Choice xmlns:p159="http://schemas.microsoft.com/office/powerpoint/2015/09/main" xmlns="" Requires="p159">
       <p:transition xmlns:p14="http://schemas.microsoft.com/office/powerpoint/2010/main" spd="slow" p14:dur="2000">
         <p159:morph option="byObject"/>
       </p:transition>
     </mc:Choice>
-    <mc:Fallback xmlns="">
+    <mc:Fallback>
       <p:transition spd="slow">
         <p:fade/>
       </p:transition>
     </mc:Fallback>
   </mc:AlternateContent>
+  <p:timing>
+    <p:tnLst>
+      <p:par>
+        <p:cTn id="1" dur="indefinite" restart="never" nodeType="tmRoot"/>
+      </p:par>
+    </p:tnLst>
+  </p:timing>
 </p:sld>
 </file>
 
@@ -9357,18 +8170,25 @@
   <p:clrMapOvr>
     <a:masterClrMapping/>
   </p:clrMapOvr>
-  <mc:AlternateContent xmlns:mc="http://schemas.openxmlformats.org/markup-compatibility/2006" xmlns:p159="http://schemas.microsoft.com/office/powerpoint/2015/09/main">
-    <mc:Choice Requires="p159">
+  <mc:AlternateContent xmlns:mc="http://schemas.openxmlformats.org/markup-compatibility/2006">
+    <mc:Choice xmlns:p159="http://schemas.microsoft.com/office/powerpoint/2015/09/main" xmlns="" Requires="p159">
       <p:transition xmlns:p14="http://schemas.microsoft.com/office/powerpoint/2010/main" spd="slow" p14:dur="2000">
         <p159:morph option="byObject"/>
       </p:transition>
     </mc:Choice>
-    <mc:Fallback xmlns="">
+    <mc:Fallback>
       <p:transition spd="slow">
         <p:fade/>
       </p:transition>
     </mc:Fallback>
   </mc:AlternateContent>
+  <p:timing>
+    <p:tnLst>
+      <p:par>
+        <p:cTn id="1" dur="indefinite" restart="never" nodeType="tmRoot"/>
+      </p:par>
+    </p:tnLst>
+  </p:timing>
 </p:sld>
 </file>
 
@@ -9645,18 +8465,25 @@
   <p:clrMapOvr>
     <a:masterClrMapping/>
   </p:clrMapOvr>
-  <mc:AlternateContent xmlns:mc="http://schemas.openxmlformats.org/markup-compatibility/2006" xmlns:p159="http://schemas.microsoft.com/office/powerpoint/2015/09/main">
-    <mc:Choice Requires="p159">
+  <mc:AlternateContent xmlns:mc="http://schemas.openxmlformats.org/markup-compatibility/2006">
+    <mc:Choice xmlns:p159="http://schemas.microsoft.com/office/powerpoint/2015/09/main" xmlns="" Requires="p159">
       <p:transition xmlns:p14="http://schemas.microsoft.com/office/powerpoint/2010/main" spd="slow" p14:dur="2000">
         <p159:morph option="byObject"/>
       </p:transition>
     </mc:Choice>
-    <mc:Fallback xmlns="">
+    <mc:Fallback>
       <p:transition spd="slow">
         <p:fade/>
       </p:transition>
     </mc:Fallback>
   </mc:AlternateContent>
+  <p:timing>
+    <p:tnLst>
+      <p:par>
+        <p:cTn id="1" dur="indefinite" restart="never" nodeType="tmRoot"/>
+      </p:par>
+    </p:tnLst>
+  </p:timing>
 </p:sld>
 </file>
 
@@ -9948,18 +8775,25 @@
   <p:clrMapOvr>
     <a:masterClrMapping/>
   </p:clrMapOvr>
-  <mc:AlternateContent xmlns:mc="http://schemas.openxmlformats.org/markup-compatibility/2006" xmlns:p159="http://schemas.microsoft.com/office/powerpoint/2015/09/main">
-    <mc:Choice Requires="p159">
+  <mc:AlternateContent xmlns:mc="http://schemas.openxmlformats.org/markup-compatibility/2006">
+    <mc:Choice xmlns:p159="http://schemas.microsoft.com/office/powerpoint/2015/09/main" xmlns="" Requires="p159">
       <p:transition xmlns:p14="http://schemas.microsoft.com/office/powerpoint/2010/main" spd="slow" p14:dur="2000">
         <p159:morph option="byObject"/>
       </p:transition>
     </mc:Choice>
-    <mc:Fallback xmlns="">
+    <mc:Fallback>
       <p:transition spd="slow">
         <p:fade/>
       </p:transition>
     </mc:Fallback>
   </mc:AlternateContent>
+  <p:timing>
+    <p:tnLst>
+      <p:par>
+        <p:cTn id="1" dur="indefinite" restart="never" nodeType="tmRoot"/>
+      </p:par>
+    </p:tnLst>
+  </p:timing>
 </p:sld>
 </file>
 
@@ -10376,18 +9210,25 @@
   <p:clrMapOvr>
     <a:masterClrMapping/>
   </p:clrMapOvr>
-  <mc:AlternateContent xmlns:mc="http://schemas.openxmlformats.org/markup-compatibility/2006" xmlns:p159="http://schemas.microsoft.com/office/powerpoint/2015/09/main">
-    <mc:Choice Requires="p159">
+  <mc:AlternateContent xmlns:mc="http://schemas.openxmlformats.org/markup-compatibility/2006">
+    <mc:Choice xmlns:p159="http://schemas.microsoft.com/office/powerpoint/2015/09/main" xmlns="" Requires="p159">
       <p:transition xmlns:p14="http://schemas.microsoft.com/office/powerpoint/2010/main" spd="slow" p14:dur="2000">
         <p159:morph option="byObject"/>
       </p:transition>
     </mc:Choice>
-    <mc:Fallback xmlns="">
+    <mc:Fallback>
       <p:transition spd="slow">
         <p:fade/>
       </p:transition>
     </mc:Fallback>
   </mc:AlternateContent>
+  <p:timing>
+    <p:tnLst>
+      <p:par>
+        <p:cTn id="1" dur="indefinite" restart="never" nodeType="tmRoot"/>
+      </p:par>
+    </p:tnLst>
+  </p:timing>
 </p:sld>
 </file>
 
@@ -10673,18 +9514,25 @@
   <p:clrMapOvr>
     <a:masterClrMapping/>
   </p:clrMapOvr>
-  <mc:AlternateContent xmlns:mc="http://schemas.openxmlformats.org/markup-compatibility/2006" xmlns:p159="http://schemas.microsoft.com/office/powerpoint/2015/09/main">
-    <mc:Choice Requires="p159">
+  <mc:AlternateContent xmlns:mc="http://schemas.openxmlformats.org/markup-compatibility/2006">
+    <mc:Choice xmlns:p159="http://schemas.microsoft.com/office/powerpoint/2015/09/main" xmlns="" Requires="p159">
       <p:transition xmlns:p14="http://schemas.microsoft.com/office/powerpoint/2010/main" spd="slow" p14:dur="2000">
         <p159:morph option="byObject"/>
       </p:transition>
     </mc:Choice>
-    <mc:Fallback xmlns="">
+    <mc:Fallback>
       <p:transition spd="slow">
         <p:fade/>
       </p:transition>
     </mc:Fallback>
   </mc:AlternateContent>
+  <p:timing>
+    <p:tnLst>
+      <p:par>
+        <p:cTn id="1" dur="indefinite" restart="never" nodeType="tmRoot"/>
+      </p:par>
+    </p:tnLst>
+  </p:timing>
 </p:sld>
 </file>
 
@@ -10981,18 +9829,25 @@
   <p:clrMapOvr>
     <a:masterClrMapping/>
   </p:clrMapOvr>
-  <mc:AlternateContent xmlns:mc="http://schemas.openxmlformats.org/markup-compatibility/2006" xmlns:p159="http://schemas.microsoft.com/office/powerpoint/2015/09/main">
-    <mc:Choice Requires="p159">
+  <mc:AlternateContent xmlns:mc="http://schemas.openxmlformats.org/markup-compatibility/2006">
+    <mc:Choice xmlns:p159="http://schemas.microsoft.com/office/powerpoint/2015/09/main" xmlns="" Requires="p159">
       <p:transition xmlns:p14="http://schemas.microsoft.com/office/powerpoint/2010/main" spd="slow" p14:dur="2000">
         <p159:morph option="byObject"/>
       </p:transition>
     </mc:Choice>
-    <mc:Fallback xmlns="">
+    <mc:Fallback>
       <p:transition spd="slow">
         <p:fade/>
       </p:transition>
     </mc:Fallback>
   </mc:AlternateContent>
+  <p:timing>
+    <p:tnLst>
+      <p:par>
+        <p:cTn id="1" dur="indefinite" restart="never" nodeType="tmRoot"/>
+      </p:par>
+    </p:tnLst>
+  </p:timing>
 </p:sld>
 </file>
 
